--- a/JS05_WEB_TRANGDIEMCODAU_DEMO/DESIGNER/BOMBIG_SEXY_ALL_DAY.pptx
+++ b/JS05_WEB_TRANGDIEMCODAU_DEMO/DESIGNER/BOMBIG_SEXY_ALL_DAY.pptx
@@ -4190,6 +4190,177 @@
           <a:chExt cx="0" cy="0"/>
         </a:xfrm>
       </p:grpSpPr>
+      <p:pic>
+        <p:nvPicPr>
+          <p:cNvPr id="6" name="Picture 5"/>
+          <p:cNvPicPr>
+            <a:picLocks noChangeAspect="1"/>
+          </p:cNvPicPr>
+          <p:nvPr/>
+        </p:nvPicPr>
+        <p:blipFill>
+          <a:blip r:embed="rId2">
+            <a:extLst>
+              <a:ext uri="{28A0092B-C50C-407E-A947-70E740481C1C}">
+                <a14:useLocalDpi xmlns:a14="http://schemas.microsoft.com/office/drawing/2010/main" val="0"/>
+              </a:ext>
+            </a:extLst>
+          </a:blip>
+          <a:stretch>
+            <a:fillRect/>
+          </a:stretch>
+        </p:blipFill>
+        <p:spPr>
+          <a:xfrm flipH="1">
+            <a:off x="-1107833" y="-813435"/>
+            <a:ext cx="14633333" cy="9722020"/>
+          </a:xfrm>
+          <a:prstGeom prst="rect">
+            <a:avLst/>
+          </a:prstGeom>
+        </p:spPr>
+      </p:pic>
+      <p:grpSp>
+        <p:nvGrpSpPr>
+          <p:cNvPr id="8" name="Group 7"/>
+          <p:cNvGrpSpPr/>
+          <p:nvPr/>
+        </p:nvGrpSpPr>
+        <p:grpSpPr>
+          <a:xfrm>
+            <a:off x="5213233" y="1501854"/>
+            <a:ext cx="7708147" cy="3369976"/>
+            <a:chOff x="569078" y="516377"/>
+            <a:chExt cx="7708147" cy="3369976"/>
+          </a:xfrm>
+        </p:grpSpPr>
+        <p:pic>
+          <p:nvPicPr>
+            <p:cNvPr id="9" name="Picture 8"/>
+            <p:cNvPicPr>
+              <a:picLocks noChangeAspect="1"/>
+            </p:cNvPicPr>
+            <p:nvPr/>
+          </p:nvPicPr>
+          <p:blipFill>
+            <a:blip r:embed="rId3" cstate="hqprint">
+              <a:extLst>
+                <a:ext uri="{28A0092B-C50C-407E-A947-70E740481C1C}">
+                  <a14:useLocalDpi xmlns:a14="http://schemas.microsoft.com/office/drawing/2010/main" val="0"/>
+                </a:ext>
+              </a:extLst>
+            </a:blip>
+            <a:stretch>
+              <a:fillRect/>
+            </a:stretch>
+          </p:blipFill>
+          <p:spPr>
+            <a:xfrm>
+              <a:off x="2552802" y="516377"/>
+              <a:ext cx="1870349" cy="1870349"/>
+            </a:xfrm>
+            <a:prstGeom prst="rect">
+              <a:avLst/>
+            </a:prstGeom>
+            <a:noFill/>
+            <a:ln>
+              <a:noFill/>
+            </a:ln>
+          </p:spPr>
+        </p:pic>
+        <p:sp>
+          <p:nvSpPr>
+            <p:cNvPr id="10" name="TextBox 9">
+              <a:extLst>
+                <a:ext uri="{FF2B5EF4-FFF2-40B4-BE49-F238E27FC236}">
+                  <a16:creationId xmlns:a16="http://schemas.microsoft.com/office/drawing/2014/main" id="{03E543EE-9D45-0E84-BBDF-F53D4E3F3461}"/>
+                </a:ext>
+              </a:extLst>
+            </p:cNvPr>
+            <p:cNvSpPr txBox="1"/>
+            <p:nvPr/>
+          </p:nvSpPr>
+          <p:spPr>
+            <a:xfrm>
+              <a:off x="569078" y="1850557"/>
+              <a:ext cx="7708147" cy="1938992"/>
+            </a:xfrm>
+            <a:prstGeom prst="rect">
+              <a:avLst/>
+            </a:prstGeom>
+            <a:noFill/>
+          </p:spPr>
+          <p:txBody>
+            <a:bodyPr wrap="square" rtlCol="0">
+              <a:spAutoFit/>
+            </a:bodyPr>
+            <a:lstStyle/>
+            <a:p>
+              <a:r>
+                <a:rPr lang="en-US" sz="12000" dirty="0" err="1" smtClean="0">
+                  <a:solidFill>
+                    <a:srgbClr val="14C7AF"/>
+                  </a:solidFill>
+                  <a:latin typeface=".VnBodoni" panose="020B7200000000000000" pitchFamily="34" charset="0"/>
+                </a:rPr>
+                <a:t>BomBig</a:t>
+              </a:r>
+              <a:endParaRPr lang="en-US" sz="12000" dirty="0">
+                <a:solidFill>
+                  <a:srgbClr val="14C7AF"/>
+                </a:solidFill>
+                <a:latin typeface=".VnBodoni" panose="020B7200000000000000" pitchFamily="34" charset="0"/>
+              </a:endParaRPr>
+            </a:p>
+          </p:txBody>
+        </p:sp>
+        <p:sp>
+          <p:nvSpPr>
+            <p:cNvPr id="11" name="TextBox 10">
+              <a:extLst>
+                <a:ext uri="{FF2B5EF4-FFF2-40B4-BE49-F238E27FC236}">
+                  <a16:creationId xmlns:a16="http://schemas.microsoft.com/office/drawing/2014/main" id="{7E1D8D22-5B5E-ADA3-6AB5-76CC9922C173}"/>
+                </a:ext>
+              </a:extLst>
+            </p:cNvPr>
+            <p:cNvSpPr txBox="1"/>
+            <p:nvPr/>
+          </p:nvSpPr>
+          <p:spPr>
+            <a:xfrm>
+              <a:off x="3269621" y="3301578"/>
+              <a:ext cx="3126177" cy="584775"/>
+            </a:xfrm>
+            <a:prstGeom prst="rect">
+              <a:avLst/>
+            </a:prstGeom>
+            <a:noFill/>
+          </p:spPr>
+          <p:txBody>
+            <a:bodyPr wrap="none" rtlCol="0">
+              <a:spAutoFit/>
+            </a:bodyPr>
+            <a:lstStyle/>
+            <a:p>
+              <a:r>
+                <a:rPr lang="en-US" sz="3200" dirty="0" smtClean="0">
+                  <a:solidFill>
+                    <a:srgbClr val="14C7AF"/>
+                  </a:solidFill>
+                  <a:latin typeface=".VnBodoni" panose="020B7200000000000000" pitchFamily="34" charset="0"/>
+                </a:rPr>
+                <a:t>Sexy All Day</a:t>
+              </a:r>
+              <a:endParaRPr lang="en-US" sz="3200" dirty="0">
+                <a:solidFill>
+                  <a:srgbClr val="14C7AF"/>
+                </a:solidFill>
+                <a:latin typeface=".VnBodoni" panose="020B7200000000000000" pitchFamily="34" charset="0"/>
+              </a:endParaRPr>
+            </a:p>
+          </p:txBody>
+        </p:sp>
+      </p:grpSp>
     </p:spTree>
     <p:extLst>
       <p:ext uri="{BB962C8B-B14F-4D97-AF65-F5344CB8AC3E}">

--- a/JS05_WEB_TRANGDIEMCODAU_DEMO/DESIGNER/BOMBIG_SEXY_ALL_DAY.pptx
+++ b/JS05_WEB_TRANGDIEMCODAU_DEMO/DESIGNER/BOMBIG_SEXY_ALL_DAY.pptx
@@ -6,17 +6,18 @@
   </p:sldMasterIdLst>
   <p:sldIdLst>
     <p:sldId id="270" r:id="rId2"/>
-    <p:sldId id="258" r:id="rId3"/>
-    <p:sldId id="259" r:id="rId4"/>
-    <p:sldId id="260" r:id="rId5"/>
-    <p:sldId id="261" r:id="rId6"/>
-    <p:sldId id="264" r:id="rId7"/>
-    <p:sldId id="267" r:id="rId8"/>
-    <p:sldId id="268" r:id="rId9"/>
-    <p:sldId id="269" r:id="rId10"/>
-    <p:sldId id="266" r:id="rId11"/>
-    <p:sldId id="265" r:id="rId12"/>
-    <p:sldId id="256" r:id="rId13"/>
+    <p:sldId id="271" r:id="rId3"/>
+    <p:sldId id="258" r:id="rId4"/>
+    <p:sldId id="259" r:id="rId5"/>
+    <p:sldId id="260" r:id="rId6"/>
+    <p:sldId id="261" r:id="rId7"/>
+    <p:sldId id="264" r:id="rId8"/>
+    <p:sldId id="267" r:id="rId9"/>
+    <p:sldId id="268" r:id="rId10"/>
+    <p:sldId id="269" r:id="rId11"/>
+    <p:sldId id="266" r:id="rId12"/>
+    <p:sldId id="265" r:id="rId13"/>
+    <p:sldId id="256" r:id="rId14"/>
   </p:sldIdLst>
   <p:sldSz cx="12192000" cy="6858000"/>
   <p:notesSz cx="6858000" cy="9144000"/>
@@ -3722,6 +3723,247 @@
           <a:chExt cx="0" cy="0"/>
         </a:xfrm>
       </p:grpSpPr>
+      <p:grpSp>
+        <p:nvGrpSpPr>
+          <p:cNvPr id="4" name="Group 3"/>
+          <p:cNvGrpSpPr/>
+          <p:nvPr/>
+        </p:nvGrpSpPr>
+        <p:grpSpPr>
+          <a:xfrm>
+            <a:off x="226178" y="-297772"/>
+            <a:ext cx="8051047" cy="7555747"/>
+            <a:chOff x="226178" y="-297772"/>
+            <a:chExt cx="8051047" cy="7555747"/>
+          </a:xfrm>
+        </p:grpSpPr>
+        <p:grpSp>
+          <p:nvGrpSpPr>
+            <p:cNvPr id="2" name="Group 1"/>
+            <p:cNvGrpSpPr/>
+            <p:nvPr/>
+          </p:nvGrpSpPr>
+          <p:grpSpPr>
+            <a:xfrm>
+              <a:off x="569078" y="1093703"/>
+              <a:ext cx="7708147" cy="3452699"/>
+              <a:chOff x="569078" y="433654"/>
+              <a:chExt cx="7708147" cy="3452699"/>
+            </a:xfrm>
+          </p:grpSpPr>
+          <p:pic>
+            <p:nvPicPr>
+              <p:cNvPr id="13" name="Picture 12"/>
+              <p:cNvPicPr>
+                <a:picLocks noChangeAspect="1"/>
+              </p:cNvPicPr>
+              <p:nvPr/>
+            </p:nvPicPr>
+            <p:blipFill>
+              <a:blip r:embed="rId2" cstate="print">
+                <a:extLst>
+                  <a:ext uri="{28A0092B-C50C-407E-A947-70E740481C1C}">
+                    <a14:useLocalDpi xmlns:a14="http://schemas.microsoft.com/office/drawing/2010/main" val="0"/>
+                  </a:ext>
+                </a:extLst>
+              </a:blip>
+              <a:stretch>
+                <a:fillRect/>
+              </a:stretch>
+            </p:blipFill>
+            <p:spPr>
+              <a:xfrm>
+                <a:off x="2552802" y="433654"/>
+                <a:ext cx="1870349" cy="2035795"/>
+              </a:xfrm>
+              <a:prstGeom prst="rect">
+                <a:avLst/>
+              </a:prstGeom>
+              <a:noFill/>
+              <a:ln>
+                <a:noFill/>
+              </a:ln>
+            </p:spPr>
+          </p:pic>
+          <p:sp>
+            <p:nvSpPr>
+              <p:cNvPr id="6" name="TextBox 5">
+                <a:extLst>
+                  <a:ext uri="{FF2B5EF4-FFF2-40B4-BE49-F238E27FC236}">
+                    <a16:creationId xmlns:a16="http://schemas.microsoft.com/office/drawing/2014/main" id="{03E543EE-9D45-0E84-BBDF-F53D4E3F3461}"/>
+                  </a:ext>
+                </a:extLst>
+              </p:cNvPr>
+              <p:cNvSpPr txBox="1"/>
+              <p:nvPr/>
+            </p:nvSpPr>
+            <p:spPr>
+              <a:xfrm>
+                <a:off x="569078" y="1850557"/>
+                <a:ext cx="7708147" cy="1938992"/>
+              </a:xfrm>
+              <a:prstGeom prst="rect">
+                <a:avLst/>
+              </a:prstGeom>
+              <a:noFill/>
+            </p:spPr>
+            <p:txBody>
+              <a:bodyPr wrap="square" rtlCol="0">
+                <a:spAutoFit/>
+              </a:bodyPr>
+              <a:lstStyle/>
+              <a:p>
+                <a:r>
+                  <a:rPr lang="en-US" sz="12000" dirty="0" err="1" smtClean="0">
+                    <a:solidFill>
+                      <a:srgbClr val="14C7AF"/>
+                    </a:solidFill>
+                    <a:latin typeface=".VnBodoni" panose="020B7200000000000000" pitchFamily="34" charset="0"/>
+                  </a:rPr>
+                  <a:t>BomBig</a:t>
+                </a:r>
+                <a:endParaRPr lang="en-US" sz="12000" dirty="0">
+                  <a:solidFill>
+                    <a:srgbClr val="14C7AF"/>
+                  </a:solidFill>
+                  <a:latin typeface=".VnBodoni" panose="020B7200000000000000" pitchFamily="34" charset="0"/>
+                </a:endParaRPr>
+              </a:p>
+            </p:txBody>
+          </p:sp>
+          <p:sp>
+            <p:nvSpPr>
+              <p:cNvPr id="8" name="TextBox 7">
+                <a:extLst>
+                  <a:ext uri="{FF2B5EF4-FFF2-40B4-BE49-F238E27FC236}">
+                    <a16:creationId xmlns:a16="http://schemas.microsoft.com/office/drawing/2014/main" id="{7E1D8D22-5B5E-ADA3-6AB5-76CC9922C173}"/>
+                  </a:ext>
+                </a:extLst>
+              </p:cNvPr>
+              <p:cNvSpPr txBox="1"/>
+              <p:nvPr/>
+            </p:nvSpPr>
+            <p:spPr>
+              <a:xfrm>
+                <a:off x="3269621" y="3301578"/>
+                <a:ext cx="3126177" cy="584775"/>
+              </a:xfrm>
+              <a:prstGeom prst="rect">
+                <a:avLst/>
+              </a:prstGeom>
+              <a:noFill/>
+            </p:spPr>
+            <p:txBody>
+              <a:bodyPr wrap="none" rtlCol="0">
+                <a:spAutoFit/>
+              </a:bodyPr>
+              <a:lstStyle/>
+              <a:p>
+                <a:r>
+                  <a:rPr lang="en-US" sz="3200" dirty="0" smtClean="0">
+                    <a:solidFill>
+                      <a:srgbClr val="14C7AF"/>
+                    </a:solidFill>
+                    <a:latin typeface=".VnBodoni" panose="020B7200000000000000" pitchFamily="34" charset="0"/>
+                  </a:rPr>
+                  <a:t>Sexy All Day</a:t>
+                </a:r>
+                <a:endParaRPr lang="en-US" sz="3200" dirty="0">
+                  <a:solidFill>
+                    <a:srgbClr val="14C7AF"/>
+                  </a:solidFill>
+                  <a:latin typeface=".VnBodoni" panose="020B7200000000000000" pitchFamily="34" charset="0"/>
+                </a:endParaRPr>
+              </a:p>
+            </p:txBody>
+          </p:sp>
+        </p:grpSp>
+        <p:sp>
+          <p:nvSpPr>
+            <p:cNvPr id="12" name="Oval 11">
+              <a:extLst>
+                <a:ext uri="{FF2B5EF4-FFF2-40B4-BE49-F238E27FC236}">
+                  <a16:creationId xmlns:a16="http://schemas.microsoft.com/office/drawing/2014/main" id="{8749CE16-9F32-9064-81C4-96E69F1C86BD}"/>
+                </a:ext>
+              </a:extLst>
+            </p:cNvPr>
+            <p:cNvSpPr/>
+            <p:nvPr/>
+          </p:nvSpPr>
+          <p:spPr>
+            <a:xfrm>
+              <a:off x="226178" y="-297772"/>
+              <a:ext cx="7555747" cy="7555747"/>
+            </a:xfrm>
+            <a:prstGeom prst="ellipse">
+              <a:avLst/>
+            </a:prstGeom>
+            <a:noFill/>
+            <a:ln>
+              <a:noFill/>
+            </a:ln>
+          </p:spPr>
+          <p:style>
+            <a:lnRef idx="2">
+              <a:schemeClr val="accent2"/>
+            </a:lnRef>
+            <a:fillRef idx="1">
+              <a:schemeClr val="lt1"/>
+            </a:fillRef>
+            <a:effectRef idx="0">
+              <a:schemeClr val="accent2"/>
+            </a:effectRef>
+            <a:fontRef idx="minor">
+              <a:schemeClr val="dk1"/>
+            </a:fontRef>
+          </p:style>
+          <p:txBody>
+            <a:bodyPr rtlCol="0" anchor="ctr"/>
+            <a:lstStyle/>
+            <a:p>
+              <a:pPr algn="ctr"/>
+              <a:endParaRPr lang="en-US"/>
+            </a:p>
+          </p:txBody>
+        </p:sp>
+      </p:grpSp>
+    </p:spTree>
+    <p:extLst>
+      <p:ext uri="{BB962C8B-B14F-4D97-AF65-F5344CB8AC3E}">
+        <p14:creationId xmlns:p14="http://schemas.microsoft.com/office/powerpoint/2010/main" val="1687962692"/>
+      </p:ext>
+    </p:extLst>
+  </p:cSld>
+  <p:clrMapOvr>
+    <a:masterClrMapping/>
+  </p:clrMapOvr>
+  <p:timing>
+    <p:tnLst>
+      <p:par>
+        <p:cTn id="1" dur="indefinite" restart="never" nodeType="tmRoot"/>
+      </p:par>
+    </p:tnLst>
+  </p:timing>
+</p:sld>
+</file>
+
+<file path=ppt/slides/slide11.xml><?xml version="1.0" encoding="utf-8"?>
+<p:sld xmlns:a="http://schemas.openxmlformats.org/drawingml/2006/main" xmlns:r="http://schemas.openxmlformats.org/officeDocument/2006/relationships" xmlns:p="http://schemas.openxmlformats.org/presentationml/2006/main">
+  <p:cSld>
+    <p:spTree>
+      <p:nvGrpSpPr>
+        <p:cNvPr id="1" name=""/>
+        <p:cNvGrpSpPr/>
+        <p:nvPr/>
+      </p:nvGrpSpPr>
+      <p:grpSpPr>
+        <a:xfrm>
+          <a:off x="0" y="0"/>
+          <a:ext cx="0" cy="0"/>
+          <a:chOff x="0" y="0"/>
+          <a:chExt cx="0" cy="0"/>
+        </a:xfrm>
+      </p:grpSpPr>
       <p:sp>
         <p:nvSpPr>
           <p:cNvPr id="9" name="Rectangle 8"/>
@@ -3939,7 +4181,7 @@
 </p:sld>
 </file>
 
-<file path=ppt/slides/slide11.xml><?xml version="1.0" encoding="utf-8"?>
+<file path=ppt/slides/slide12.xml><?xml version="1.0" encoding="utf-8"?>
 <p:sld xmlns:a="http://schemas.openxmlformats.org/drawingml/2006/main" xmlns:r="http://schemas.openxmlformats.org/officeDocument/2006/relationships" xmlns:p="http://schemas.openxmlformats.org/presentationml/2006/main">
   <p:cSld>
     <p:spTree>
@@ -4173,7 +4415,7 @@
 </p:sld>
 </file>
 
-<file path=ppt/slides/slide12.xml><?xml version="1.0" encoding="utf-8"?>
+<file path=ppt/slides/slide13.xml><?xml version="1.0" encoding="utf-8"?>
 <p:sld xmlns:a="http://schemas.openxmlformats.org/drawingml/2006/main" xmlns:r="http://schemas.openxmlformats.org/officeDocument/2006/relationships" xmlns:p="http://schemas.openxmlformats.org/presentationml/2006/main">
   <p:cSld>
     <p:spTree>
@@ -4382,6 +4624,77 @@
 </file>
 
 <file path=ppt/slides/slide2.xml><?xml version="1.0" encoding="utf-8"?>
+<p:sld xmlns:a="http://schemas.openxmlformats.org/drawingml/2006/main" xmlns:r="http://schemas.openxmlformats.org/officeDocument/2006/relationships" xmlns:p="http://schemas.openxmlformats.org/presentationml/2006/main">
+  <p:cSld>
+    <p:spTree>
+      <p:nvGrpSpPr>
+        <p:cNvPr id="1" name=""/>
+        <p:cNvGrpSpPr/>
+        <p:nvPr/>
+      </p:nvGrpSpPr>
+      <p:grpSpPr>
+        <a:xfrm>
+          <a:off x="0" y="0"/>
+          <a:ext cx="0" cy="0"/>
+          <a:chOff x="0" y="0"/>
+          <a:chExt cx="0" cy="0"/>
+        </a:xfrm>
+      </p:grpSpPr>
+      <p:pic>
+        <p:nvPicPr>
+          <p:cNvPr id="13" name="Picture 12"/>
+          <p:cNvPicPr>
+            <a:picLocks noChangeAspect="1"/>
+          </p:cNvPicPr>
+          <p:nvPr/>
+        </p:nvPicPr>
+        <p:blipFill>
+          <a:blip r:embed="rId2" cstate="hqprint">
+            <a:extLst>
+              <a:ext uri="{28A0092B-C50C-407E-A947-70E740481C1C}">
+                <a14:useLocalDpi xmlns:a14="http://schemas.microsoft.com/office/drawing/2010/main" val="0"/>
+              </a:ext>
+            </a:extLst>
+          </a:blip>
+          <a:stretch>
+            <a:fillRect/>
+          </a:stretch>
+        </p:blipFill>
+        <p:spPr>
+          <a:xfrm>
+            <a:off x="2552815" y="1093721"/>
+            <a:ext cx="790745" cy="860617"/>
+          </a:xfrm>
+          <a:prstGeom prst="rect">
+            <a:avLst/>
+          </a:prstGeom>
+          <a:noFill/>
+          <a:ln>
+            <a:noFill/>
+          </a:ln>
+        </p:spPr>
+      </p:pic>
+    </p:spTree>
+    <p:extLst>
+      <p:ext uri="{BB962C8B-B14F-4D97-AF65-F5344CB8AC3E}">
+        <p14:creationId xmlns:p14="http://schemas.microsoft.com/office/powerpoint/2010/main" val="1668153943"/>
+      </p:ext>
+    </p:extLst>
+  </p:cSld>
+  <p:clrMapOvr>
+    <a:masterClrMapping/>
+  </p:clrMapOvr>
+  <p:timing>
+    <p:tnLst>
+      <p:par>
+        <p:cTn id="1" dur="indefinite" restart="never" nodeType="tmRoot"/>
+      </p:par>
+    </p:tnLst>
+  </p:timing>
+</p:sld>
+</file>
+
+<file path=ppt/slides/slide3.xml><?xml version="1.0" encoding="utf-8"?>
 <p:sld xmlns:a="http://schemas.openxmlformats.org/drawingml/2006/main" xmlns:r="http://schemas.openxmlformats.org/officeDocument/2006/relationships" xmlns:p="http://schemas.openxmlformats.org/presentationml/2006/main">
   <p:cSld>
     <p:spTree>
@@ -4619,7 +4932,7 @@
 </p:sld>
 </file>
 
-<file path=ppt/slides/slide3.xml><?xml version="1.0" encoding="utf-8"?>
+<file path=ppt/slides/slide4.xml><?xml version="1.0" encoding="utf-8"?>
 <p:sld xmlns:a="http://schemas.openxmlformats.org/drawingml/2006/main" xmlns:r="http://schemas.openxmlformats.org/officeDocument/2006/relationships" xmlns:p="http://schemas.openxmlformats.org/presentationml/2006/main">
   <p:cSld>
     <p:spTree>
@@ -4867,7 +5180,7 @@
 </p:sld>
 </file>
 
-<file path=ppt/slides/slide4.xml><?xml version="1.0" encoding="utf-8"?>
+<file path=ppt/slides/slide5.xml><?xml version="1.0" encoding="utf-8"?>
 <p:sld xmlns:a="http://schemas.openxmlformats.org/drawingml/2006/main" xmlns:r="http://schemas.openxmlformats.org/officeDocument/2006/relationships" xmlns:p="http://schemas.openxmlformats.org/presentationml/2006/main">
   <p:cSld>
     <p:spTree>
@@ -5118,7 +5431,7 @@
 </p:sld>
 </file>
 
-<file path=ppt/slides/slide5.xml><?xml version="1.0" encoding="utf-8"?>
+<file path=ppt/slides/slide6.xml><?xml version="1.0" encoding="utf-8"?>
 <p:sld xmlns:a="http://schemas.openxmlformats.org/drawingml/2006/main" xmlns:r="http://schemas.openxmlformats.org/officeDocument/2006/relationships" xmlns:p="http://schemas.openxmlformats.org/presentationml/2006/main">
   <p:cSld>
     <p:spTree>
@@ -5291,7 +5604,7 @@
 </p:sld>
 </file>
 
-<file path=ppt/slides/slide6.xml><?xml version="1.0" encoding="utf-8"?>
+<file path=ppt/slides/slide7.xml><?xml version="1.0" encoding="utf-8"?>
 <p:sld xmlns:a="http://schemas.openxmlformats.org/drawingml/2006/main" xmlns:r="http://schemas.openxmlformats.org/officeDocument/2006/relationships" xmlns:p="http://schemas.openxmlformats.org/presentationml/2006/main">
   <p:cSld>
     <p:spTree>
@@ -5534,7 +5847,7 @@
 </p:sld>
 </file>
 
-<file path=ppt/slides/slide7.xml><?xml version="1.0" encoding="utf-8"?>
+<file path=ppt/slides/slide8.xml><?xml version="1.0" encoding="utf-8"?>
 <p:sld xmlns:a="http://schemas.openxmlformats.org/drawingml/2006/main" xmlns:r="http://schemas.openxmlformats.org/officeDocument/2006/relationships" xmlns:p="http://schemas.openxmlformats.org/presentationml/2006/main">
   <p:cSld>
     <p:spTree>
@@ -5775,7 +6088,7 @@
 </p:sld>
 </file>
 
-<file path=ppt/slides/slide8.xml><?xml version="1.0" encoding="utf-8"?>
+<file path=ppt/slides/slide9.xml><?xml version="1.0" encoding="utf-8"?>
 <p:sld xmlns:a="http://schemas.openxmlformats.org/drawingml/2006/main" xmlns:r="http://schemas.openxmlformats.org/officeDocument/2006/relationships" xmlns:p="http://schemas.openxmlformats.org/presentationml/2006/main">
   <p:cSld>
     <p:spTree>
@@ -6000,247 +6313,6 @@
     <p:extLst>
       <p:ext uri="{BB962C8B-B14F-4D97-AF65-F5344CB8AC3E}">
         <p14:creationId xmlns:p14="http://schemas.microsoft.com/office/powerpoint/2010/main" val="3394723697"/>
-      </p:ext>
-    </p:extLst>
-  </p:cSld>
-  <p:clrMapOvr>
-    <a:masterClrMapping/>
-  </p:clrMapOvr>
-  <p:timing>
-    <p:tnLst>
-      <p:par>
-        <p:cTn id="1" dur="indefinite" restart="never" nodeType="tmRoot"/>
-      </p:par>
-    </p:tnLst>
-  </p:timing>
-</p:sld>
-</file>
-
-<file path=ppt/slides/slide9.xml><?xml version="1.0" encoding="utf-8"?>
-<p:sld xmlns:a="http://schemas.openxmlformats.org/drawingml/2006/main" xmlns:r="http://schemas.openxmlformats.org/officeDocument/2006/relationships" xmlns:p="http://schemas.openxmlformats.org/presentationml/2006/main">
-  <p:cSld>
-    <p:spTree>
-      <p:nvGrpSpPr>
-        <p:cNvPr id="1" name=""/>
-        <p:cNvGrpSpPr/>
-        <p:nvPr/>
-      </p:nvGrpSpPr>
-      <p:grpSpPr>
-        <a:xfrm>
-          <a:off x="0" y="0"/>
-          <a:ext cx="0" cy="0"/>
-          <a:chOff x="0" y="0"/>
-          <a:chExt cx="0" cy="0"/>
-        </a:xfrm>
-      </p:grpSpPr>
-      <p:grpSp>
-        <p:nvGrpSpPr>
-          <p:cNvPr id="4" name="Group 3"/>
-          <p:cNvGrpSpPr/>
-          <p:nvPr/>
-        </p:nvGrpSpPr>
-        <p:grpSpPr>
-          <a:xfrm>
-            <a:off x="226178" y="-297772"/>
-            <a:ext cx="8051047" cy="7555747"/>
-            <a:chOff x="226178" y="-297772"/>
-            <a:chExt cx="8051047" cy="7555747"/>
-          </a:xfrm>
-        </p:grpSpPr>
-        <p:grpSp>
-          <p:nvGrpSpPr>
-            <p:cNvPr id="2" name="Group 1"/>
-            <p:cNvGrpSpPr/>
-            <p:nvPr/>
-          </p:nvGrpSpPr>
-          <p:grpSpPr>
-            <a:xfrm>
-              <a:off x="569078" y="1093703"/>
-              <a:ext cx="7708147" cy="3452699"/>
-              <a:chOff x="569078" y="433654"/>
-              <a:chExt cx="7708147" cy="3452699"/>
-            </a:xfrm>
-          </p:grpSpPr>
-          <p:pic>
-            <p:nvPicPr>
-              <p:cNvPr id="13" name="Picture 12"/>
-              <p:cNvPicPr>
-                <a:picLocks noChangeAspect="1"/>
-              </p:cNvPicPr>
-              <p:nvPr/>
-            </p:nvPicPr>
-            <p:blipFill>
-              <a:blip r:embed="rId2" cstate="print">
-                <a:extLst>
-                  <a:ext uri="{28A0092B-C50C-407E-A947-70E740481C1C}">
-                    <a14:useLocalDpi xmlns:a14="http://schemas.microsoft.com/office/drawing/2010/main" val="0"/>
-                  </a:ext>
-                </a:extLst>
-              </a:blip>
-              <a:stretch>
-                <a:fillRect/>
-              </a:stretch>
-            </p:blipFill>
-            <p:spPr>
-              <a:xfrm>
-                <a:off x="2552802" y="433654"/>
-                <a:ext cx="1870349" cy="2035795"/>
-              </a:xfrm>
-              <a:prstGeom prst="rect">
-                <a:avLst/>
-              </a:prstGeom>
-              <a:noFill/>
-              <a:ln>
-                <a:noFill/>
-              </a:ln>
-            </p:spPr>
-          </p:pic>
-          <p:sp>
-            <p:nvSpPr>
-              <p:cNvPr id="6" name="TextBox 5">
-                <a:extLst>
-                  <a:ext uri="{FF2B5EF4-FFF2-40B4-BE49-F238E27FC236}">
-                    <a16:creationId xmlns:a16="http://schemas.microsoft.com/office/drawing/2014/main" id="{03E543EE-9D45-0E84-BBDF-F53D4E3F3461}"/>
-                  </a:ext>
-                </a:extLst>
-              </p:cNvPr>
-              <p:cNvSpPr txBox="1"/>
-              <p:nvPr/>
-            </p:nvSpPr>
-            <p:spPr>
-              <a:xfrm>
-                <a:off x="569078" y="1850557"/>
-                <a:ext cx="7708147" cy="1938992"/>
-              </a:xfrm>
-              <a:prstGeom prst="rect">
-                <a:avLst/>
-              </a:prstGeom>
-              <a:noFill/>
-            </p:spPr>
-            <p:txBody>
-              <a:bodyPr wrap="square" rtlCol="0">
-                <a:spAutoFit/>
-              </a:bodyPr>
-              <a:lstStyle/>
-              <a:p>
-                <a:r>
-                  <a:rPr lang="en-US" sz="12000" dirty="0" err="1" smtClean="0">
-                    <a:solidFill>
-                      <a:srgbClr val="14C7AF"/>
-                    </a:solidFill>
-                    <a:latin typeface=".VnBodoni" panose="020B7200000000000000" pitchFamily="34" charset="0"/>
-                  </a:rPr>
-                  <a:t>BomBig</a:t>
-                </a:r>
-                <a:endParaRPr lang="en-US" sz="12000" dirty="0">
-                  <a:solidFill>
-                    <a:srgbClr val="14C7AF"/>
-                  </a:solidFill>
-                  <a:latin typeface=".VnBodoni" panose="020B7200000000000000" pitchFamily="34" charset="0"/>
-                </a:endParaRPr>
-              </a:p>
-            </p:txBody>
-          </p:sp>
-          <p:sp>
-            <p:nvSpPr>
-              <p:cNvPr id="8" name="TextBox 7">
-                <a:extLst>
-                  <a:ext uri="{FF2B5EF4-FFF2-40B4-BE49-F238E27FC236}">
-                    <a16:creationId xmlns:a16="http://schemas.microsoft.com/office/drawing/2014/main" id="{7E1D8D22-5B5E-ADA3-6AB5-76CC9922C173}"/>
-                  </a:ext>
-                </a:extLst>
-              </p:cNvPr>
-              <p:cNvSpPr txBox="1"/>
-              <p:nvPr/>
-            </p:nvSpPr>
-            <p:spPr>
-              <a:xfrm>
-                <a:off x="3269621" y="3301578"/>
-                <a:ext cx="3126177" cy="584775"/>
-              </a:xfrm>
-              <a:prstGeom prst="rect">
-                <a:avLst/>
-              </a:prstGeom>
-              <a:noFill/>
-            </p:spPr>
-            <p:txBody>
-              <a:bodyPr wrap="none" rtlCol="0">
-                <a:spAutoFit/>
-              </a:bodyPr>
-              <a:lstStyle/>
-              <a:p>
-                <a:r>
-                  <a:rPr lang="en-US" sz="3200" dirty="0" smtClean="0">
-                    <a:solidFill>
-                      <a:srgbClr val="14C7AF"/>
-                    </a:solidFill>
-                    <a:latin typeface=".VnBodoni" panose="020B7200000000000000" pitchFamily="34" charset="0"/>
-                  </a:rPr>
-                  <a:t>Sexy All Day</a:t>
-                </a:r>
-                <a:endParaRPr lang="en-US" sz="3200" dirty="0">
-                  <a:solidFill>
-                    <a:srgbClr val="14C7AF"/>
-                  </a:solidFill>
-                  <a:latin typeface=".VnBodoni" panose="020B7200000000000000" pitchFamily="34" charset="0"/>
-                </a:endParaRPr>
-              </a:p>
-            </p:txBody>
-          </p:sp>
-        </p:grpSp>
-        <p:sp>
-          <p:nvSpPr>
-            <p:cNvPr id="12" name="Oval 11">
-              <a:extLst>
-                <a:ext uri="{FF2B5EF4-FFF2-40B4-BE49-F238E27FC236}">
-                  <a16:creationId xmlns:a16="http://schemas.microsoft.com/office/drawing/2014/main" id="{8749CE16-9F32-9064-81C4-96E69F1C86BD}"/>
-                </a:ext>
-              </a:extLst>
-            </p:cNvPr>
-            <p:cNvSpPr/>
-            <p:nvPr/>
-          </p:nvSpPr>
-          <p:spPr>
-            <a:xfrm>
-              <a:off x="226178" y="-297772"/>
-              <a:ext cx="7555747" cy="7555747"/>
-            </a:xfrm>
-            <a:prstGeom prst="ellipse">
-              <a:avLst/>
-            </a:prstGeom>
-            <a:noFill/>
-            <a:ln>
-              <a:noFill/>
-            </a:ln>
-          </p:spPr>
-          <p:style>
-            <a:lnRef idx="2">
-              <a:schemeClr val="accent2"/>
-            </a:lnRef>
-            <a:fillRef idx="1">
-              <a:schemeClr val="lt1"/>
-            </a:fillRef>
-            <a:effectRef idx="0">
-              <a:schemeClr val="accent2"/>
-            </a:effectRef>
-            <a:fontRef idx="minor">
-              <a:schemeClr val="dk1"/>
-            </a:fontRef>
-          </p:style>
-          <p:txBody>
-            <a:bodyPr rtlCol="0" anchor="ctr"/>
-            <a:lstStyle/>
-            <a:p>
-              <a:pPr algn="ctr"/>
-              <a:endParaRPr lang="en-US"/>
-            </a:p>
-          </p:txBody>
-        </p:sp>
-      </p:grpSp>
-    </p:spTree>
-    <p:extLst>
-      <p:ext uri="{BB962C8B-B14F-4D97-AF65-F5344CB8AC3E}">
-        <p14:creationId xmlns:p14="http://schemas.microsoft.com/office/powerpoint/2010/main" val="1687962692"/>
       </p:ext>
     </p:extLst>
   </p:cSld>

--- a/JS05_WEB_TRANGDIEMCODAU_DEMO/DESIGNER/BOMBIG_SEXY_ALL_DAY.pptx
+++ b/JS05_WEB_TRANGDIEMCODAU_DEMO/DESIGNER/BOMBIG_SEXY_ALL_DAY.pptx
@@ -4662,8 +4662,8 @@
         </p:blipFill>
         <p:spPr>
           <a:xfrm>
-            <a:off x="2552815" y="1093721"/>
-            <a:ext cx="790745" cy="860617"/>
+            <a:off x="2552818" y="1093722"/>
+            <a:ext cx="552802" cy="601293"/>
           </a:xfrm>
           <a:prstGeom prst="rect">
             <a:avLst/>

--- a/JS05_WEB_TRANGDIEMCODAU_DEMO/DESIGNER/BOMBIG_SEXY_ALL_DAY.pptx
+++ b/JS05_WEB_TRANGDIEMCODAU_DEMO/DESIGNER/BOMBIG_SEXY_ALL_DAY.pptx
@@ -4642,14 +4642,14 @@
       </p:grpSpPr>
       <p:pic>
         <p:nvPicPr>
-          <p:cNvPr id="13" name="Picture 12"/>
+          <p:cNvPr id="2" name="Picture 1"/>
           <p:cNvPicPr>
             <a:picLocks noChangeAspect="1"/>
           </p:cNvPicPr>
           <p:nvPr/>
         </p:nvPicPr>
         <p:blipFill>
-          <a:blip r:embed="rId2" cstate="hqprint">
+          <a:blip r:embed="rId2">
             <a:extLst>
               <a:ext uri="{28A0092B-C50C-407E-A947-70E740481C1C}">
                 <a14:useLocalDpi xmlns:a14="http://schemas.microsoft.com/office/drawing/2010/main" val="0"/>
@@ -4662,18 +4662,109 @@
         </p:blipFill>
         <p:spPr>
           <a:xfrm>
-            <a:off x="2552818" y="1093722"/>
-            <a:ext cx="552802" cy="601293"/>
+            <a:off x="561421" y="359078"/>
+            <a:ext cx="2857143" cy="952381"/>
           </a:xfrm>
           <a:prstGeom prst="rect">
             <a:avLst/>
           </a:prstGeom>
-          <a:noFill/>
-          <a:ln>
-            <a:noFill/>
-          </a:ln>
         </p:spPr>
       </p:pic>
+      <p:grpSp>
+        <p:nvGrpSpPr>
+          <p:cNvPr id="3" name="Group 2"/>
+          <p:cNvGrpSpPr/>
+          <p:nvPr/>
+        </p:nvGrpSpPr>
+        <p:grpSpPr>
+          <a:xfrm>
+            <a:off x="561421" y="1425158"/>
+            <a:ext cx="4439757" cy="1631216"/>
+            <a:chOff x="561421" y="1425158"/>
+            <a:chExt cx="4439757" cy="1631216"/>
+          </a:xfrm>
+        </p:grpSpPr>
+        <p:pic>
+          <p:nvPicPr>
+            <p:cNvPr id="4" name="Picture 3"/>
+            <p:cNvPicPr>
+              <a:picLocks noChangeAspect="1"/>
+            </p:cNvPicPr>
+            <p:nvPr/>
+          </p:nvPicPr>
+          <p:blipFill>
+            <a:blip r:embed="rId3" cstate="print">
+              <a:extLst>
+                <a:ext uri="{28A0092B-C50C-407E-A947-70E740481C1C}">
+                  <a14:useLocalDpi xmlns:a14="http://schemas.microsoft.com/office/drawing/2010/main" val="0"/>
+                </a:ext>
+              </a:extLst>
+            </a:blip>
+            <a:stretch>
+              <a:fillRect/>
+            </a:stretch>
+          </p:blipFill>
+          <p:spPr>
+            <a:xfrm>
+              <a:off x="561421" y="1584516"/>
+              <a:ext cx="1205834" cy="1312500"/>
+            </a:xfrm>
+            <a:prstGeom prst="rect">
+              <a:avLst/>
+            </a:prstGeom>
+            <a:noFill/>
+            <a:ln>
+              <a:noFill/>
+            </a:ln>
+          </p:spPr>
+        </p:pic>
+        <p:sp>
+          <p:nvSpPr>
+            <p:cNvPr id="5" name="TextBox 4">
+              <a:extLst>
+                <a:ext uri="{FF2B5EF4-FFF2-40B4-BE49-F238E27FC236}">
+                  <a16:creationId xmlns:a16="http://schemas.microsoft.com/office/drawing/2014/main" id="{03E543EE-9D45-0E84-BBDF-F53D4E3F3461}"/>
+                </a:ext>
+              </a:extLst>
+            </p:cNvPr>
+            <p:cNvSpPr txBox="1"/>
+            <p:nvPr/>
+          </p:nvSpPr>
+          <p:spPr>
+            <a:xfrm>
+              <a:off x="1642516" y="1425158"/>
+              <a:ext cx="3358662" cy="1631216"/>
+            </a:xfrm>
+            <a:prstGeom prst="rect">
+              <a:avLst/>
+            </a:prstGeom>
+            <a:noFill/>
+          </p:spPr>
+          <p:txBody>
+            <a:bodyPr wrap="square" rtlCol="0">
+              <a:spAutoFit/>
+            </a:bodyPr>
+            <a:lstStyle/>
+            <a:p>
+              <a:r>
+                <a:rPr lang="en-US" sz="10000" b="1" dirty="0" smtClean="0">
+                  <a:solidFill>
+                    <a:srgbClr val="B5292F"/>
+                  </a:solidFill>
+                  <a:latin typeface="Barlow Condensed Thin" panose="00000306000000000000" pitchFamily="2" charset="0"/>
+                </a:rPr>
+                <a:t>BOMBIG</a:t>
+              </a:r>
+              <a:endParaRPr lang="en-US" sz="10000" b="1" dirty="0">
+                <a:solidFill>
+                  <a:srgbClr val="B5292F"/>
+                </a:solidFill>
+                <a:latin typeface="Barlow Condensed Thin" panose="00000306000000000000" pitchFamily="2" charset="0"/>
+              </a:endParaRPr>
+            </a:p>
+          </p:txBody>
+        </p:sp>
+      </p:grpSp>
     </p:spTree>
     <p:extLst>
       <p:ext uri="{BB962C8B-B14F-4D97-AF65-F5344CB8AC3E}">

--- a/JS05_WEB_TRANGDIEMCODAU_DEMO/DESIGNER/BOMBIG_SEXY_ALL_DAY.pptx
+++ b/JS05_WEB_TRANGDIEMCODAU_DEMO/DESIGNER/BOMBIG_SEXY_ALL_DAY.pptx
@@ -7,17 +7,18 @@
   <p:sldIdLst>
     <p:sldId id="270" r:id="rId2"/>
     <p:sldId id="271" r:id="rId3"/>
-    <p:sldId id="258" r:id="rId4"/>
-    <p:sldId id="259" r:id="rId5"/>
-    <p:sldId id="260" r:id="rId6"/>
-    <p:sldId id="261" r:id="rId7"/>
-    <p:sldId id="264" r:id="rId8"/>
-    <p:sldId id="267" r:id="rId9"/>
-    <p:sldId id="268" r:id="rId10"/>
-    <p:sldId id="269" r:id="rId11"/>
-    <p:sldId id="266" r:id="rId12"/>
-    <p:sldId id="265" r:id="rId13"/>
-    <p:sldId id="256" r:id="rId14"/>
+    <p:sldId id="272" r:id="rId4"/>
+    <p:sldId id="258" r:id="rId5"/>
+    <p:sldId id="259" r:id="rId6"/>
+    <p:sldId id="260" r:id="rId7"/>
+    <p:sldId id="261" r:id="rId8"/>
+    <p:sldId id="264" r:id="rId9"/>
+    <p:sldId id="267" r:id="rId10"/>
+    <p:sldId id="268" r:id="rId11"/>
+    <p:sldId id="269" r:id="rId12"/>
+    <p:sldId id="266" r:id="rId13"/>
+    <p:sldId id="265" r:id="rId14"/>
+    <p:sldId id="256" r:id="rId15"/>
   </p:sldIdLst>
   <p:sldSz cx="12192000" cy="6858000"/>
   <p:notesSz cx="6858000" cy="9144000"/>
@@ -3816,6 +3817,247 @@
                 <a:r>
                   <a:rPr lang="en-US" sz="12000" dirty="0" err="1" smtClean="0">
                     <a:solidFill>
+                      <a:srgbClr val="FFB6E2"/>
+                    </a:solidFill>
+                    <a:latin typeface=".VnBodoni" panose="020B7200000000000000" pitchFamily="34" charset="0"/>
+                  </a:rPr>
+                  <a:t>BomBig</a:t>
+                </a:r>
+                <a:endParaRPr lang="en-US" sz="12000" dirty="0">
+                  <a:solidFill>
+                    <a:srgbClr val="FFB6E2"/>
+                  </a:solidFill>
+                  <a:latin typeface=".VnBodoni" panose="020B7200000000000000" pitchFamily="34" charset="0"/>
+                </a:endParaRPr>
+              </a:p>
+            </p:txBody>
+          </p:sp>
+          <p:sp>
+            <p:nvSpPr>
+              <p:cNvPr id="8" name="TextBox 7">
+                <a:extLst>
+                  <a:ext uri="{FF2B5EF4-FFF2-40B4-BE49-F238E27FC236}">
+                    <a16:creationId xmlns:a16="http://schemas.microsoft.com/office/drawing/2014/main" id="{7E1D8D22-5B5E-ADA3-6AB5-76CC9922C173}"/>
+                  </a:ext>
+                </a:extLst>
+              </p:cNvPr>
+              <p:cNvSpPr txBox="1"/>
+              <p:nvPr/>
+            </p:nvSpPr>
+            <p:spPr>
+              <a:xfrm>
+                <a:off x="3269621" y="3301578"/>
+                <a:ext cx="3126177" cy="584775"/>
+              </a:xfrm>
+              <a:prstGeom prst="rect">
+                <a:avLst/>
+              </a:prstGeom>
+              <a:noFill/>
+            </p:spPr>
+            <p:txBody>
+              <a:bodyPr wrap="none" rtlCol="0">
+                <a:spAutoFit/>
+              </a:bodyPr>
+              <a:lstStyle/>
+              <a:p>
+                <a:r>
+                  <a:rPr lang="en-US" sz="3200" dirty="0" smtClean="0">
+                    <a:solidFill>
+                      <a:srgbClr val="FFB6E2"/>
+                    </a:solidFill>
+                    <a:latin typeface=".VnBodoni" panose="020B7200000000000000" pitchFamily="34" charset="0"/>
+                  </a:rPr>
+                  <a:t>Sexy All Day</a:t>
+                </a:r>
+                <a:endParaRPr lang="en-US" sz="3200" dirty="0">
+                  <a:solidFill>
+                    <a:srgbClr val="FFB6E2"/>
+                  </a:solidFill>
+                  <a:latin typeface=".VnBodoni" panose="020B7200000000000000" pitchFamily="34" charset="0"/>
+                </a:endParaRPr>
+              </a:p>
+            </p:txBody>
+          </p:sp>
+        </p:grpSp>
+        <p:sp>
+          <p:nvSpPr>
+            <p:cNvPr id="12" name="Oval 11">
+              <a:extLst>
+                <a:ext uri="{FF2B5EF4-FFF2-40B4-BE49-F238E27FC236}">
+                  <a16:creationId xmlns:a16="http://schemas.microsoft.com/office/drawing/2014/main" id="{8749CE16-9F32-9064-81C4-96E69F1C86BD}"/>
+                </a:ext>
+              </a:extLst>
+            </p:cNvPr>
+            <p:cNvSpPr/>
+            <p:nvPr/>
+          </p:nvSpPr>
+          <p:spPr>
+            <a:xfrm>
+              <a:off x="226178" y="-297772"/>
+              <a:ext cx="7555747" cy="7555747"/>
+            </a:xfrm>
+            <a:prstGeom prst="ellipse">
+              <a:avLst/>
+            </a:prstGeom>
+            <a:noFill/>
+            <a:ln>
+              <a:noFill/>
+            </a:ln>
+          </p:spPr>
+          <p:style>
+            <a:lnRef idx="2">
+              <a:schemeClr val="accent2"/>
+            </a:lnRef>
+            <a:fillRef idx="1">
+              <a:schemeClr val="lt1"/>
+            </a:fillRef>
+            <a:effectRef idx="0">
+              <a:schemeClr val="accent2"/>
+            </a:effectRef>
+            <a:fontRef idx="minor">
+              <a:schemeClr val="dk1"/>
+            </a:fontRef>
+          </p:style>
+          <p:txBody>
+            <a:bodyPr rtlCol="0" anchor="ctr"/>
+            <a:lstStyle/>
+            <a:p>
+              <a:pPr algn="ctr"/>
+              <a:endParaRPr lang="en-US"/>
+            </a:p>
+          </p:txBody>
+        </p:sp>
+      </p:grpSp>
+    </p:spTree>
+    <p:extLst>
+      <p:ext uri="{BB962C8B-B14F-4D97-AF65-F5344CB8AC3E}">
+        <p14:creationId xmlns:p14="http://schemas.microsoft.com/office/powerpoint/2010/main" val="3394723697"/>
+      </p:ext>
+    </p:extLst>
+  </p:cSld>
+  <p:clrMapOvr>
+    <a:masterClrMapping/>
+  </p:clrMapOvr>
+  <p:timing>
+    <p:tnLst>
+      <p:par>
+        <p:cTn id="1" dur="indefinite" restart="never" nodeType="tmRoot"/>
+      </p:par>
+    </p:tnLst>
+  </p:timing>
+</p:sld>
+</file>
+
+<file path=ppt/slides/slide11.xml><?xml version="1.0" encoding="utf-8"?>
+<p:sld xmlns:a="http://schemas.openxmlformats.org/drawingml/2006/main" xmlns:r="http://schemas.openxmlformats.org/officeDocument/2006/relationships" xmlns:p="http://schemas.openxmlformats.org/presentationml/2006/main">
+  <p:cSld>
+    <p:spTree>
+      <p:nvGrpSpPr>
+        <p:cNvPr id="1" name=""/>
+        <p:cNvGrpSpPr/>
+        <p:nvPr/>
+      </p:nvGrpSpPr>
+      <p:grpSpPr>
+        <a:xfrm>
+          <a:off x="0" y="0"/>
+          <a:ext cx="0" cy="0"/>
+          <a:chOff x="0" y="0"/>
+          <a:chExt cx="0" cy="0"/>
+        </a:xfrm>
+      </p:grpSpPr>
+      <p:grpSp>
+        <p:nvGrpSpPr>
+          <p:cNvPr id="4" name="Group 3"/>
+          <p:cNvGrpSpPr/>
+          <p:nvPr/>
+        </p:nvGrpSpPr>
+        <p:grpSpPr>
+          <a:xfrm>
+            <a:off x="226178" y="-297772"/>
+            <a:ext cx="8051047" cy="7555747"/>
+            <a:chOff x="226178" y="-297772"/>
+            <a:chExt cx="8051047" cy="7555747"/>
+          </a:xfrm>
+        </p:grpSpPr>
+        <p:grpSp>
+          <p:nvGrpSpPr>
+            <p:cNvPr id="2" name="Group 1"/>
+            <p:cNvGrpSpPr/>
+            <p:nvPr/>
+          </p:nvGrpSpPr>
+          <p:grpSpPr>
+            <a:xfrm>
+              <a:off x="569078" y="1093703"/>
+              <a:ext cx="7708147" cy="3452699"/>
+              <a:chOff x="569078" y="433654"/>
+              <a:chExt cx="7708147" cy="3452699"/>
+            </a:xfrm>
+          </p:grpSpPr>
+          <p:pic>
+            <p:nvPicPr>
+              <p:cNvPr id="13" name="Picture 12"/>
+              <p:cNvPicPr>
+                <a:picLocks noChangeAspect="1"/>
+              </p:cNvPicPr>
+              <p:nvPr/>
+            </p:nvPicPr>
+            <p:blipFill>
+              <a:blip r:embed="rId2" cstate="print">
+                <a:extLst>
+                  <a:ext uri="{28A0092B-C50C-407E-A947-70E740481C1C}">
+                    <a14:useLocalDpi xmlns:a14="http://schemas.microsoft.com/office/drawing/2010/main" val="0"/>
+                  </a:ext>
+                </a:extLst>
+              </a:blip>
+              <a:stretch>
+                <a:fillRect/>
+              </a:stretch>
+            </p:blipFill>
+            <p:spPr>
+              <a:xfrm>
+                <a:off x="2552802" y="433654"/>
+                <a:ext cx="1870349" cy="2035795"/>
+              </a:xfrm>
+              <a:prstGeom prst="rect">
+                <a:avLst/>
+              </a:prstGeom>
+              <a:noFill/>
+              <a:ln>
+                <a:noFill/>
+              </a:ln>
+            </p:spPr>
+          </p:pic>
+          <p:sp>
+            <p:nvSpPr>
+              <p:cNvPr id="6" name="TextBox 5">
+                <a:extLst>
+                  <a:ext uri="{FF2B5EF4-FFF2-40B4-BE49-F238E27FC236}">
+                    <a16:creationId xmlns:a16="http://schemas.microsoft.com/office/drawing/2014/main" id="{03E543EE-9D45-0E84-BBDF-F53D4E3F3461}"/>
+                  </a:ext>
+                </a:extLst>
+              </p:cNvPr>
+              <p:cNvSpPr txBox="1"/>
+              <p:nvPr/>
+            </p:nvSpPr>
+            <p:spPr>
+              <a:xfrm>
+                <a:off x="569078" y="1850557"/>
+                <a:ext cx="7708147" cy="1938992"/>
+              </a:xfrm>
+              <a:prstGeom prst="rect">
+                <a:avLst/>
+              </a:prstGeom>
+              <a:noFill/>
+            </p:spPr>
+            <p:txBody>
+              <a:bodyPr wrap="square" rtlCol="0">
+                <a:spAutoFit/>
+              </a:bodyPr>
+              <a:lstStyle/>
+              <a:p>
+                <a:r>
+                  <a:rPr lang="en-US" sz="12000" dirty="0" err="1" smtClean="0">
+                    <a:solidFill>
                       <a:srgbClr val="14C7AF"/>
                     </a:solidFill>
                     <a:latin typeface=".VnBodoni" panose="020B7200000000000000" pitchFamily="34" charset="0"/>
@@ -3947,7 +4189,7 @@
 </p:sld>
 </file>
 
-<file path=ppt/slides/slide11.xml><?xml version="1.0" encoding="utf-8"?>
+<file path=ppt/slides/slide12.xml><?xml version="1.0" encoding="utf-8"?>
 <p:sld xmlns:a="http://schemas.openxmlformats.org/drawingml/2006/main" xmlns:r="http://schemas.openxmlformats.org/officeDocument/2006/relationships" xmlns:p="http://schemas.openxmlformats.org/presentationml/2006/main">
   <p:cSld>
     <p:spTree>
@@ -4181,7 +4423,7 @@
 </p:sld>
 </file>
 
-<file path=ppt/slides/slide12.xml><?xml version="1.0" encoding="utf-8"?>
+<file path=ppt/slides/slide13.xml><?xml version="1.0" encoding="utf-8"?>
 <p:sld xmlns:a="http://schemas.openxmlformats.org/drawingml/2006/main" xmlns:r="http://schemas.openxmlformats.org/officeDocument/2006/relationships" xmlns:p="http://schemas.openxmlformats.org/presentationml/2006/main">
   <p:cSld>
     <p:spTree>
@@ -4415,7 +4657,7 @@
 </p:sld>
 </file>
 
-<file path=ppt/slides/slide13.xml><?xml version="1.0" encoding="utf-8"?>
+<file path=ppt/slides/slide14.xml><?xml version="1.0" encoding="utf-8"?>
 <p:sld xmlns:a="http://schemas.openxmlformats.org/drawingml/2006/main" xmlns:r="http://schemas.openxmlformats.org/officeDocument/2006/relationships" xmlns:p="http://schemas.openxmlformats.org/presentationml/2006/main">
   <p:cSld>
     <p:spTree>
@@ -4662,8 +4904,8 @@
         </p:blipFill>
         <p:spPr>
           <a:xfrm>
-            <a:off x="561421" y="359078"/>
-            <a:ext cx="2857143" cy="952381"/>
+            <a:off x="561421" y="154061"/>
+            <a:ext cx="3813291" cy="1271097"/>
           </a:xfrm>
           <a:prstGeom prst="rect">
             <a:avLst/>
@@ -4672,52 +4914,18 @@
       </p:pic>
       <p:grpSp>
         <p:nvGrpSpPr>
-          <p:cNvPr id="3" name="Group 2"/>
+          <p:cNvPr id="10" name="Group 9"/>
           <p:cNvGrpSpPr/>
           <p:nvPr/>
         </p:nvGrpSpPr>
         <p:grpSpPr>
           <a:xfrm>
-            <a:off x="561421" y="1425158"/>
-            <a:ext cx="4439757" cy="1631216"/>
-            <a:chOff x="561421" y="1425158"/>
-            <a:chExt cx="4439757" cy="1631216"/>
+            <a:off x="392162" y="1645599"/>
+            <a:ext cx="4521268" cy="1631216"/>
+            <a:chOff x="253617" y="3400508"/>
+            <a:chExt cx="4521268" cy="1631216"/>
           </a:xfrm>
         </p:grpSpPr>
-        <p:pic>
-          <p:nvPicPr>
-            <p:cNvPr id="4" name="Picture 3"/>
-            <p:cNvPicPr>
-              <a:picLocks noChangeAspect="1"/>
-            </p:cNvPicPr>
-            <p:nvPr/>
-          </p:nvPicPr>
-          <p:blipFill>
-            <a:blip r:embed="rId3" cstate="print">
-              <a:extLst>
-                <a:ext uri="{28A0092B-C50C-407E-A947-70E740481C1C}">
-                  <a14:useLocalDpi xmlns:a14="http://schemas.microsoft.com/office/drawing/2010/main" val="0"/>
-                </a:ext>
-              </a:extLst>
-            </a:blip>
-            <a:stretch>
-              <a:fillRect/>
-            </a:stretch>
-          </p:blipFill>
-          <p:spPr>
-            <a:xfrm>
-              <a:off x="561421" y="1584516"/>
-              <a:ext cx="1205834" cy="1312500"/>
-            </a:xfrm>
-            <a:prstGeom prst="rect">
-              <a:avLst/>
-            </a:prstGeom>
-            <a:noFill/>
-            <a:ln>
-              <a:noFill/>
-            </a:ln>
-          </p:spPr>
-        </p:pic>
         <p:sp>
           <p:nvSpPr>
             <p:cNvPr id="5" name="TextBox 4">
@@ -4732,7 +4940,7 @@
           </p:nvSpPr>
           <p:spPr>
             <a:xfrm>
-              <a:off x="1642516" y="1425158"/>
+              <a:off x="1416223" y="3400508"/>
               <a:ext cx="3358662" cy="1631216"/>
             </a:xfrm>
             <a:prstGeom prst="rect">
@@ -4764,6 +4972,90 @@
             </a:p>
           </p:txBody>
         </p:sp>
+        <p:sp>
+          <p:nvSpPr>
+            <p:cNvPr id="6" name="Rectangle 5"/>
+            <p:cNvSpPr>
+              <a:spLocks noChangeAspect="1"/>
+            </p:cNvSpPr>
+            <p:nvPr/>
+          </p:nvSpPr>
+          <p:spPr>
+            <a:xfrm>
+              <a:off x="253617" y="3400508"/>
+              <a:ext cx="4428897" cy="1476292"/>
+            </a:xfrm>
+            <a:prstGeom prst="rect">
+              <a:avLst/>
+            </a:prstGeom>
+            <a:noFill/>
+            <a:ln>
+              <a:noFill/>
+            </a:ln>
+          </p:spPr>
+          <p:style>
+            <a:lnRef idx="2">
+              <a:schemeClr val="accent6"/>
+            </a:lnRef>
+            <a:fillRef idx="1">
+              <a:schemeClr val="lt1"/>
+            </a:fillRef>
+            <a:effectRef idx="0">
+              <a:schemeClr val="accent6"/>
+            </a:effectRef>
+            <a:fontRef idx="minor">
+              <a:schemeClr val="dk1"/>
+            </a:fontRef>
+          </p:style>
+          <p:txBody>
+            <a:bodyPr rtlCol="0" anchor="ctr"/>
+            <a:lstStyle/>
+            <a:p>
+              <a:pPr algn="ctr"/>
+              <a:endParaRPr lang="en-US"/>
+            </a:p>
+          </p:txBody>
+        </p:sp>
+        <p:pic>
+          <p:nvPicPr>
+            <p:cNvPr id="9" name="Picture 8"/>
+            <p:cNvPicPr>
+              <a:picLocks noChangeAspect="1"/>
+            </p:cNvPicPr>
+            <p:nvPr/>
+          </p:nvPicPr>
+          <p:blipFill>
+            <a:blip r:embed="rId3" cstate="hqprint">
+              <a:duotone>
+                <a:schemeClr val="accent6">
+                  <a:shade val="45000"/>
+                  <a:satMod val="135000"/>
+                </a:schemeClr>
+                <a:prstClr val="white"/>
+              </a:duotone>
+              <a:extLst>
+                <a:ext uri="{28A0092B-C50C-407E-A947-70E740481C1C}">
+                  <a14:useLocalDpi xmlns:a14="http://schemas.microsoft.com/office/drawing/2010/main" val="0"/>
+                </a:ext>
+              </a:extLst>
+            </a:blip>
+            <a:stretch>
+              <a:fillRect/>
+            </a:stretch>
+          </p:blipFill>
+          <p:spPr>
+            <a:xfrm>
+              <a:off x="443389" y="3594944"/>
+              <a:ext cx="1055646" cy="1149026"/>
+            </a:xfrm>
+            <a:prstGeom prst="rect">
+              <a:avLst/>
+            </a:prstGeom>
+            <a:ln>
+              <a:noFill/>
+            </a:ln>
+          </p:spPr>
+        </p:pic>
       </p:grpSp>
     </p:spTree>
     <p:extLst>
@@ -4786,6 +5078,223 @@
 </file>
 
 <file path=ppt/slides/slide3.xml><?xml version="1.0" encoding="utf-8"?>
+<p:sld xmlns:a="http://schemas.openxmlformats.org/drawingml/2006/main" xmlns:r="http://schemas.openxmlformats.org/officeDocument/2006/relationships" xmlns:p="http://schemas.openxmlformats.org/presentationml/2006/main">
+  <p:cSld>
+    <p:spTree>
+      <p:nvGrpSpPr>
+        <p:cNvPr id="1" name=""/>
+        <p:cNvGrpSpPr/>
+        <p:nvPr/>
+      </p:nvGrpSpPr>
+      <p:grpSpPr>
+        <a:xfrm>
+          <a:off x="0" y="0"/>
+          <a:ext cx="0" cy="0"/>
+          <a:chOff x="0" y="0"/>
+          <a:chExt cx="0" cy="0"/>
+        </a:xfrm>
+      </p:grpSpPr>
+      <p:grpSp>
+        <p:nvGrpSpPr>
+          <p:cNvPr id="2" name="Group 1"/>
+          <p:cNvGrpSpPr/>
+          <p:nvPr/>
+        </p:nvGrpSpPr>
+        <p:grpSpPr>
+          <a:xfrm>
+            <a:off x="569078" y="1093703"/>
+            <a:ext cx="7708147" cy="3452699"/>
+            <a:chOff x="569078" y="433654"/>
+            <a:chExt cx="7708147" cy="3452699"/>
+          </a:xfrm>
+        </p:grpSpPr>
+        <p:pic>
+          <p:nvPicPr>
+            <p:cNvPr id="13" name="Picture 12"/>
+            <p:cNvPicPr>
+              <a:picLocks noChangeAspect="1"/>
+            </p:cNvPicPr>
+            <p:nvPr/>
+          </p:nvPicPr>
+          <p:blipFill>
+            <a:blip r:embed="rId2" cstate="print">
+              <a:extLst>
+                <a:ext uri="{28A0092B-C50C-407E-A947-70E740481C1C}">
+                  <a14:useLocalDpi xmlns:a14="http://schemas.microsoft.com/office/drawing/2010/main" val="0"/>
+                </a:ext>
+              </a:extLst>
+            </a:blip>
+            <a:stretch>
+              <a:fillRect/>
+            </a:stretch>
+          </p:blipFill>
+          <p:spPr>
+            <a:xfrm>
+              <a:off x="2552802" y="433654"/>
+              <a:ext cx="1870349" cy="2035796"/>
+            </a:xfrm>
+            <a:prstGeom prst="rect">
+              <a:avLst/>
+            </a:prstGeom>
+            <a:noFill/>
+            <a:ln>
+              <a:noFill/>
+            </a:ln>
+          </p:spPr>
+        </p:pic>
+        <p:sp>
+          <p:nvSpPr>
+            <p:cNvPr id="6" name="TextBox 5">
+              <a:extLst>
+                <a:ext uri="{FF2B5EF4-FFF2-40B4-BE49-F238E27FC236}">
+                  <a16:creationId xmlns:a16="http://schemas.microsoft.com/office/drawing/2014/main" id="{03E543EE-9D45-0E84-BBDF-F53D4E3F3461}"/>
+                </a:ext>
+              </a:extLst>
+            </p:cNvPr>
+            <p:cNvSpPr txBox="1"/>
+            <p:nvPr/>
+          </p:nvSpPr>
+          <p:spPr>
+            <a:xfrm>
+              <a:off x="569078" y="1850557"/>
+              <a:ext cx="7708147" cy="1938992"/>
+            </a:xfrm>
+            <a:prstGeom prst="rect">
+              <a:avLst/>
+            </a:prstGeom>
+            <a:noFill/>
+          </p:spPr>
+          <p:txBody>
+            <a:bodyPr wrap="square" rtlCol="0">
+              <a:spAutoFit/>
+            </a:bodyPr>
+            <a:lstStyle/>
+            <a:p>
+              <a:r>
+                <a:rPr lang="en-US" sz="12000" dirty="0" err="1" smtClean="0">
+                  <a:solidFill>
+                    <a:srgbClr val="B5292F"/>
+                  </a:solidFill>
+                  <a:latin typeface=".VnBodoni" panose="020B7200000000000000" pitchFamily="34" charset="0"/>
+                </a:rPr>
+                <a:t>BomBig</a:t>
+              </a:r>
+              <a:endParaRPr lang="en-US" sz="12000" dirty="0">
+                <a:solidFill>
+                  <a:srgbClr val="B5292F"/>
+                </a:solidFill>
+                <a:latin typeface=".VnBodoni" panose="020B7200000000000000" pitchFamily="34" charset="0"/>
+              </a:endParaRPr>
+            </a:p>
+          </p:txBody>
+        </p:sp>
+        <p:sp>
+          <p:nvSpPr>
+            <p:cNvPr id="8" name="TextBox 7">
+              <a:extLst>
+                <a:ext uri="{FF2B5EF4-FFF2-40B4-BE49-F238E27FC236}">
+                  <a16:creationId xmlns:a16="http://schemas.microsoft.com/office/drawing/2014/main" id="{7E1D8D22-5B5E-ADA3-6AB5-76CC9922C173}"/>
+                </a:ext>
+              </a:extLst>
+            </p:cNvPr>
+            <p:cNvSpPr txBox="1"/>
+            <p:nvPr/>
+          </p:nvSpPr>
+          <p:spPr>
+            <a:xfrm>
+              <a:off x="3269621" y="3301578"/>
+              <a:ext cx="3126177" cy="584775"/>
+            </a:xfrm>
+            <a:prstGeom prst="rect">
+              <a:avLst/>
+            </a:prstGeom>
+            <a:noFill/>
+          </p:spPr>
+          <p:txBody>
+            <a:bodyPr wrap="none" rtlCol="0">
+              <a:spAutoFit/>
+            </a:bodyPr>
+            <a:lstStyle/>
+            <a:p>
+              <a:r>
+                <a:rPr lang="en-US" sz="3200" dirty="0" smtClean="0">
+                  <a:solidFill>
+                    <a:srgbClr val="B5292F"/>
+                  </a:solidFill>
+                  <a:latin typeface=".VnBodoni" panose="020B7200000000000000" pitchFamily="34" charset="0"/>
+                </a:rPr>
+                <a:t>Sexy All Day</a:t>
+              </a:r>
+              <a:endParaRPr lang="en-US" sz="3200" dirty="0">
+                <a:solidFill>
+                  <a:srgbClr val="B5292F"/>
+                </a:solidFill>
+                <a:latin typeface=".VnBodoni" panose="020B7200000000000000" pitchFamily="34" charset="0"/>
+              </a:endParaRPr>
+            </a:p>
+          </p:txBody>
+        </p:sp>
+      </p:grpSp>
+      <p:sp>
+        <p:nvSpPr>
+          <p:cNvPr id="3" name="Rectangle 2"/>
+          <p:cNvSpPr/>
+          <p:nvPr/>
+        </p:nvSpPr>
+        <p:spPr>
+          <a:xfrm>
+            <a:off x="177889" y="965377"/>
+            <a:ext cx="11887200" cy="3657600"/>
+          </a:xfrm>
+          <a:prstGeom prst="rect">
+            <a:avLst/>
+          </a:prstGeom>
+          <a:noFill/>
+        </p:spPr>
+        <p:style>
+          <a:lnRef idx="2">
+            <a:schemeClr val="accent6"/>
+          </a:lnRef>
+          <a:fillRef idx="1">
+            <a:schemeClr val="lt1"/>
+          </a:fillRef>
+          <a:effectRef idx="0">
+            <a:schemeClr val="accent6"/>
+          </a:effectRef>
+          <a:fontRef idx="minor">
+            <a:schemeClr val="dk1"/>
+          </a:fontRef>
+        </p:style>
+        <p:txBody>
+          <a:bodyPr rtlCol="0" anchor="ctr"/>
+          <a:lstStyle/>
+          <a:p>
+            <a:pPr algn="ctr"/>
+            <a:endParaRPr lang="en-US"/>
+          </a:p>
+        </p:txBody>
+      </p:sp>
+    </p:spTree>
+    <p:extLst>
+      <p:ext uri="{BB962C8B-B14F-4D97-AF65-F5344CB8AC3E}">
+        <p14:creationId xmlns:p14="http://schemas.microsoft.com/office/powerpoint/2010/main" val="3444732832"/>
+      </p:ext>
+    </p:extLst>
+  </p:cSld>
+  <p:clrMapOvr>
+    <a:masterClrMapping/>
+  </p:clrMapOvr>
+  <p:timing>
+    <p:tnLst>
+      <p:par>
+        <p:cTn id="1" dur="indefinite" restart="never" nodeType="tmRoot"/>
+      </p:par>
+    </p:tnLst>
+  </p:timing>
+</p:sld>
+</file>
+
+<file path=ppt/slides/slide4.xml><?xml version="1.0" encoding="utf-8"?>
 <p:sld xmlns:a="http://schemas.openxmlformats.org/drawingml/2006/main" xmlns:r="http://schemas.openxmlformats.org/officeDocument/2006/relationships" xmlns:p="http://schemas.openxmlformats.org/presentationml/2006/main">
   <p:cSld>
     <p:spTree>
@@ -5023,7 +5532,7 @@
 </p:sld>
 </file>
 
-<file path=ppt/slides/slide4.xml><?xml version="1.0" encoding="utf-8"?>
+<file path=ppt/slides/slide5.xml><?xml version="1.0" encoding="utf-8"?>
 <p:sld xmlns:a="http://schemas.openxmlformats.org/drawingml/2006/main" xmlns:r="http://schemas.openxmlformats.org/officeDocument/2006/relationships" xmlns:p="http://schemas.openxmlformats.org/presentationml/2006/main">
   <p:cSld>
     <p:spTree>
@@ -5271,7 +5780,7 @@
 </p:sld>
 </file>
 
-<file path=ppt/slides/slide5.xml><?xml version="1.0" encoding="utf-8"?>
+<file path=ppt/slides/slide6.xml><?xml version="1.0" encoding="utf-8"?>
 <p:sld xmlns:a="http://schemas.openxmlformats.org/drawingml/2006/main" xmlns:r="http://schemas.openxmlformats.org/officeDocument/2006/relationships" xmlns:p="http://schemas.openxmlformats.org/presentationml/2006/main">
   <p:cSld>
     <p:spTree>
@@ -5522,7 +6031,7 @@
 </p:sld>
 </file>
 
-<file path=ppt/slides/slide6.xml><?xml version="1.0" encoding="utf-8"?>
+<file path=ppt/slides/slide7.xml><?xml version="1.0" encoding="utf-8"?>
 <p:sld xmlns:a="http://schemas.openxmlformats.org/drawingml/2006/main" xmlns:r="http://schemas.openxmlformats.org/officeDocument/2006/relationships" xmlns:p="http://schemas.openxmlformats.org/presentationml/2006/main">
   <p:cSld>
     <p:spTree>
@@ -5695,7 +6204,7 @@
 </p:sld>
 </file>
 
-<file path=ppt/slides/slide7.xml><?xml version="1.0" encoding="utf-8"?>
+<file path=ppt/slides/slide8.xml><?xml version="1.0" encoding="utf-8"?>
 <p:sld xmlns:a="http://schemas.openxmlformats.org/drawingml/2006/main" xmlns:r="http://schemas.openxmlformats.org/officeDocument/2006/relationships" xmlns:p="http://schemas.openxmlformats.org/presentationml/2006/main">
   <p:cSld>
     <p:spTree>
@@ -5938,7 +6447,7 @@
 </p:sld>
 </file>
 
-<file path=ppt/slides/slide8.xml><?xml version="1.0" encoding="utf-8"?>
+<file path=ppt/slides/slide9.xml><?xml version="1.0" encoding="utf-8"?>
 <p:sld xmlns:a="http://schemas.openxmlformats.org/drawingml/2006/main" xmlns:r="http://schemas.openxmlformats.org/officeDocument/2006/relationships" xmlns:p="http://schemas.openxmlformats.org/presentationml/2006/main">
   <p:cSld>
     <p:spTree>
@@ -6163,247 +6672,6 @@
     <p:extLst>
       <p:ext uri="{BB962C8B-B14F-4D97-AF65-F5344CB8AC3E}">
         <p14:creationId xmlns:p14="http://schemas.microsoft.com/office/powerpoint/2010/main" val="3750084381"/>
-      </p:ext>
-    </p:extLst>
-  </p:cSld>
-  <p:clrMapOvr>
-    <a:masterClrMapping/>
-  </p:clrMapOvr>
-  <p:timing>
-    <p:tnLst>
-      <p:par>
-        <p:cTn id="1" dur="indefinite" restart="never" nodeType="tmRoot"/>
-      </p:par>
-    </p:tnLst>
-  </p:timing>
-</p:sld>
-</file>
-
-<file path=ppt/slides/slide9.xml><?xml version="1.0" encoding="utf-8"?>
-<p:sld xmlns:a="http://schemas.openxmlformats.org/drawingml/2006/main" xmlns:r="http://schemas.openxmlformats.org/officeDocument/2006/relationships" xmlns:p="http://schemas.openxmlformats.org/presentationml/2006/main">
-  <p:cSld>
-    <p:spTree>
-      <p:nvGrpSpPr>
-        <p:cNvPr id="1" name=""/>
-        <p:cNvGrpSpPr/>
-        <p:nvPr/>
-      </p:nvGrpSpPr>
-      <p:grpSpPr>
-        <a:xfrm>
-          <a:off x="0" y="0"/>
-          <a:ext cx="0" cy="0"/>
-          <a:chOff x="0" y="0"/>
-          <a:chExt cx="0" cy="0"/>
-        </a:xfrm>
-      </p:grpSpPr>
-      <p:grpSp>
-        <p:nvGrpSpPr>
-          <p:cNvPr id="4" name="Group 3"/>
-          <p:cNvGrpSpPr/>
-          <p:nvPr/>
-        </p:nvGrpSpPr>
-        <p:grpSpPr>
-          <a:xfrm>
-            <a:off x="226178" y="-297772"/>
-            <a:ext cx="8051047" cy="7555747"/>
-            <a:chOff x="226178" y="-297772"/>
-            <a:chExt cx="8051047" cy="7555747"/>
-          </a:xfrm>
-        </p:grpSpPr>
-        <p:grpSp>
-          <p:nvGrpSpPr>
-            <p:cNvPr id="2" name="Group 1"/>
-            <p:cNvGrpSpPr/>
-            <p:nvPr/>
-          </p:nvGrpSpPr>
-          <p:grpSpPr>
-            <a:xfrm>
-              <a:off x="569078" y="1093703"/>
-              <a:ext cx="7708147" cy="3452699"/>
-              <a:chOff x="569078" y="433654"/>
-              <a:chExt cx="7708147" cy="3452699"/>
-            </a:xfrm>
-          </p:grpSpPr>
-          <p:pic>
-            <p:nvPicPr>
-              <p:cNvPr id="13" name="Picture 12"/>
-              <p:cNvPicPr>
-                <a:picLocks noChangeAspect="1"/>
-              </p:cNvPicPr>
-              <p:nvPr/>
-            </p:nvPicPr>
-            <p:blipFill>
-              <a:blip r:embed="rId2" cstate="print">
-                <a:extLst>
-                  <a:ext uri="{28A0092B-C50C-407E-A947-70E740481C1C}">
-                    <a14:useLocalDpi xmlns:a14="http://schemas.microsoft.com/office/drawing/2010/main" val="0"/>
-                  </a:ext>
-                </a:extLst>
-              </a:blip>
-              <a:stretch>
-                <a:fillRect/>
-              </a:stretch>
-            </p:blipFill>
-            <p:spPr>
-              <a:xfrm>
-                <a:off x="2552802" y="433654"/>
-                <a:ext cx="1870349" cy="2035795"/>
-              </a:xfrm>
-              <a:prstGeom prst="rect">
-                <a:avLst/>
-              </a:prstGeom>
-              <a:noFill/>
-              <a:ln>
-                <a:noFill/>
-              </a:ln>
-            </p:spPr>
-          </p:pic>
-          <p:sp>
-            <p:nvSpPr>
-              <p:cNvPr id="6" name="TextBox 5">
-                <a:extLst>
-                  <a:ext uri="{FF2B5EF4-FFF2-40B4-BE49-F238E27FC236}">
-                    <a16:creationId xmlns:a16="http://schemas.microsoft.com/office/drawing/2014/main" id="{03E543EE-9D45-0E84-BBDF-F53D4E3F3461}"/>
-                  </a:ext>
-                </a:extLst>
-              </p:cNvPr>
-              <p:cNvSpPr txBox="1"/>
-              <p:nvPr/>
-            </p:nvSpPr>
-            <p:spPr>
-              <a:xfrm>
-                <a:off x="569078" y="1850557"/>
-                <a:ext cx="7708147" cy="1938992"/>
-              </a:xfrm>
-              <a:prstGeom prst="rect">
-                <a:avLst/>
-              </a:prstGeom>
-              <a:noFill/>
-            </p:spPr>
-            <p:txBody>
-              <a:bodyPr wrap="square" rtlCol="0">
-                <a:spAutoFit/>
-              </a:bodyPr>
-              <a:lstStyle/>
-              <a:p>
-                <a:r>
-                  <a:rPr lang="en-US" sz="12000" dirty="0" err="1" smtClean="0">
-                    <a:solidFill>
-                      <a:srgbClr val="FFB6E2"/>
-                    </a:solidFill>
-                    <a:latin typeface=".VnBodoni" panose="020B7200000000000000" pitchFamily="34" charset="0"/>
-                  </a:rPr>
-                  <a:t>BomBig</a:t>
-                </a:r>
-                <a:endParaRPr lang="en-US" sz="12000" dirty="0">
-                  <a:solidFill>
-                    <a:srgbClr val="FFB6E2"/>
-                  </a:solidFill>
-                  <a:latin typeface=".VnBodoni" panose="020B7200000000000000" pitchFamily="34" charset="0"/>
-                </a:endParaRPr>
-              </a:p>
-            </p:txBody>
-          </p:sp>
-          <p:sp>
-            <p:nvSpPr>
-              <p:cNvPr id="8" name="TextBox 7">
-                <a:extLst>
-                  <a:ext uri="{FF2B5EF4-FFF2-40B4-BE49-F238E27FC236}">
-                    <a16:creationId xmlns:a16="http://schemas.microsoft.com/office/drawing/2014/main" id="{7E1D8D22-5B5E-ADA3-6AB5-76CC9922C173}"/>
-                  </a:ext>
-                </a:extLst>
-              </p:cNvPr>
-              <p:cNvSpPr txBox="1"/>
-              <p:nvPr/>
-            </p:nvSpPr>
-            <p:spPr>
-              <a:xfrm>
-                <a:off x="3269621" y="3301578"/>
-                <a:ext cx="3126177" cy="584775"/>
-              </a:xfrm>
-              <a:prstGeom prst="rect">
-                <a:avLst/>
-              </a:prstGeom>
-              <a:noFill/>
-            </p:spPr>
-            <p:txBody>
-              <a:bodyPr wrap="none" rtlCol="0">
-                <a:spAutoFit/>
-              </a:bodyPr>
-              <a:lstStyle/>
-              <a:p>
-                <a:r>
-                  <a:rPr lang="en-US" sz="3200" dirty="0" smtClean="0">
-                    <a:solidFill>
-                      <a:srgbClr val="FFB6E2"/>
-                    </a:solidFill>
-                    <a:latin typeface=".VnBodoni" panose="020B7200000000000000" pitchFamily="34" charset="0"/>
-                  </a:rPr>
-                  <a:t>Sexy All Day</a:t>
-                </a:r>
-                <a:endParaRPr lang="en-US" sz="3200" dirty="0">
-                  <a:solidFill>
-                    <a:srgbClr val="FFB6E2"/>
-                  </a:solidFill>
-                  <a:latin typeface=".VnBodoni" panose="020B7200000000000000" pitchFamily="34" charset="0"/>
-                </a:endParaRPr>
-              </a:p>
-            </p:txBody>
-          </p:sp>
-        </p:grpSp>
-        <p:sp>
-          <p:nvSpPr>
-            <p:cNvPr id="12" name="Oval 11">
-              <a:extLst>
-                <a:ext uri="{FF2B5EF4-FFF2-40B4-BE49-F238E27FC236}">
-                  <a16:creationId xmlns:a16="http://schemas.microsoft.com/office/drawing/2014/main" id="{8749CE16-9F32-9064-81C4-96E69F1C86BD}"/>
-                </a:ext>
-              </a:extLst>
-            </p:cNvPr>
-            <p:cNvSpPr/>
-            <p:nvPr/>
-          </p:nvSpPr>
-          <p:spPr>
-            <a:xfrm>
-              <a:off x="226178" y="-297772"/>
-              <a:ext cx="7555747" cy="7555747"/>
-            </a:xfrm>
-            <a:prstGeom prst="ellipse">
-              <a:avLst/>
-            </a:prstGeom>
-            <a:noFill/>
-            <a:ln>
-              <a:noFill/>
-            </a:ln>
-          </p:spPr>
-          <p:style>
-            <a:lnRef idx="2">
-              <a:schemeClr val="accent2"/>
-            </a:lnRef>
-            <a:fillRef idx="1">
-              <a:schemeClr val="lt1"/>
-            </a:fillRef>
-            <a:effectRef idx="0">
-              <a:schemeClr val="accent2"/>
-            </a:effectRef>
-            <a:fontRef idx="minor">
-              <a:schemeClr val="dk1"/>
-            </a:fontRef>
-          </p:style>
-          <p:txBody>
-            <a:bodyPr rtlCol="0" anchor="ctr"/>
-            <a:lstStyle/>
-            <a:p>
-              <a:pPr algn="ctr"/>
-              <a:endParaRPr lang="en-US"/>
-            </a:p>
-          </p:txBody>
-        </p:sp>
-      </p:grpSp>
-    </p:spTree>
-    <p:extLst>
-      <p:ext uri="{BB962C8B-B14F-4D97-AF65-F5344CB8AC3E}">
-        <p14:creationId xmlns:p14="http://schemas.microsoft.com/office/powerpoint/2010/main" val="3394723697"/>
       </p:ext>
     </p:extLst>
   </p:cSld>

--- a/JS05_WEB_TRANGDIEMCODAU_DEMO/DESIGNER/BOMBIG_SEXY_ALL_DAY.pptx
+++ b/JS05_WEB_TRANGDIEMCODAU_DEMO/DESIGNER/BOMBIG_SEXY_ALL_DAY.pptx
@@ -5,20 +5,24 @@
     <p:sldMasterId id="2147483648" r:id="rId1"/>
   </p:sldMasterIdLst>
   <p:sldIdLst>
-    <p:sldId id="270" r:id="rId2"/>
-    <p:sldId id="271" r:id="rId3"/>
-    <p:sldId id="272" r:id="rId4"/>
-    <p:sldId id="258" r:id="rId5"/>
-    <p:sldId id="259" r:id="rId6"/>
-    <p:sldId id="260" r:id="rId7"/>
-    <p:sldId id="261" r:id="rId8"/>
-    <p:sldId id="264" r:id="rId9"/>
-    <p:sldId id="267" r:id="rId10"/>
-    <p:sldId id="268" r:id="rId11"/>
-    <p:sldId id="269" r:id="rId12"/>
-    <p:sldId id="266" r:id="rId13"/>
-    <p:sldId id="265" r:id="rId14"/>
-    <p:sldId id="256" r:id="rId15"/>
+    <p:sldId id="266" r:id="rId2"/>
+    <p:sldId id="275" r:id="rId3"/>
+    <p:sldId id="276" r:id="rId4"/>
+    <p:sldId id="270" r:id="rId5"/>
+    <p:sldId id="273" r:id="rId6"/>
+    <p:sldId id="274" r:id="rId7"/>
+    <p:sldId id="265" r:id="rId8"/>
+    <p:sldId id="267" r:id="rId9"/>
+    <p:sldId id="268" r:id="rId10"/>
+    <p:sldId id="269" r:id="rId11"/>
+    <p:sldId id="264" r:id="rId12"/>
+    <p:sldId id="271" r:id="rId13"/>
+    <p:sldId id="272" r:id="rId14"/>
+    <p:sldId id="258" r:id="rId15"/>
+    <p:sldId id="259" r:id="rId16"/>
+    <p:sldId id="260" r:id="rId17"/>
+    <p:sldId id="261" r:id="rId18"/>
+    <p:sldId id="256" r:id="rId19"/>
   </p:sldIdLst>
   <p:sldSz cx="12192000" cy="6858000"/>
   <p:notesSz cx="6858000" cy="9144000"/>
@@ -272,7 +276,7 @@
           <a:p>
             <a:fld id="{41AE6BA5-1B2D-41F4-9900-921111E035AB}" type="datetimeFigureOut">
               <a:rPr lang="en-US" smtClean="0"/>
-              <a:t>09-Sep-24</a:t>
+              <a:t>10-Sep-24</a:t>
             </a:fld>
             <a:endParaRPr lang="en-US"/>
           </a:p>
@@ -470,7 +474,7 @@
           <a:p>
             <a:fld id="{41AE6BA5-1B2D-41F4-9900-921111E035AB}" type="datetimeFigureOut">
               <a:rPr lang="en-US" smtClean="0"/>
-              <a:t>09-Sep-24</a:t>
+              <a:t>10-Sep-24</a:t>
             </a:fld>
             <a:endParaRPr lang="en-US"/>
           </a:p>
@@ -678,7 +682,7 @@
           <a:p>
             <a:fld id="{41AE6BA5-1B2D-41F4-9900-921111E035AB}" type="datetimeFigureOut">
               <a:rPr lang="en-US" smtClean="0"/>
-              <a:t>09-Sep-24</a:t>
+              <a:t>10-Sep-24</a:t>
             </a:fld>
             <a:endParaRPr lang="en-US"/>
           </a:p>
@@ -876,7 +880,7 @@
           <a:p>
             <a:fld id="{41AE6BA5-1B2D-41F4-9900-921111E035AB}" type="datetimeFigureOut">
               <a:rPr lang="en-US" smtClean="0"/>
-              <a:t>09-Sep-24</a:t>
+              <a:t>10-Sep-24</a:t>
             </a:fld>
             <a:endParaRPr lang="en-US"/>
           </a:p>
@@ -1151,7 +1155,7 @@
           <a:p>
             <a:fld id="{41AE6BA5-1B2D-41F4-9900-921111E035AB}" type="datetimeFigureOut">
               <a:rPr lang="en-US" smtClean="0"/>
-              <a:t>09-Sep-24</a:t>
+              <a:t>10-Sep-24</a:t>
             </a:fld>
             <a:endParaRPr lang="en-US"/>
           </a:p>
@@ -1416,7 +1420,7 @@
           <a:p>
             <a:fld id="{41AE6BA5-1B2D-41F4-9900-921111E035AB}" type="datetimeFigureOut">
               <a:rPr lang="en-US" smtClean="0"/>
-              <a:t>09-Sep-24</a:t>
+              <a:t>10-Sep-24</a:t>
             </a:fld>
             <a:endParaRPr lang="en-US"/>
           </a:p>
@@ -1828,7 +1832,7 @@
           <a:p>
             <a:fld id="{41AE6BA5-1B2D-41F4-9900-921111E035AB}" type="datetimeFigureOut">
               <a:rPr lang="en-US" smtClean="0"/>
-              <a:t>09-Sep-24</a:t>
+              <a:t>10-Sep-24</a:t>
             </a:fld>
             <a:endParaRPr lang="en-US"/>
           </a:p>
@@ -1969,7 +1973,7 @@
           <a:p>
             <a:fld id="{41AE6BA5-1B2D-41F4-9900-921111E035AB}" type="datetimeFigureOut">
               <a:rPr lang="en-US" smtClean="0"/>
-              <a:t>09-Sep-24</a:t>
+              <a:t>10-Sep-24</a:t>
             </a:fld>
             <a:endParaRPr lang="en-US"/>
           </a:p>
@@ -2082,7 +2086,7 @@
           <a:p>
             <a:fld id="{41AE6BA5-1B2D-41F4-9900-921111E035AB}" type="datetimeFigureOut">
               <a:rPr lang="en-US" smtClean="0"/>
-              <a:t>09-Sep-24</a:t>
+              <a:t>10-Sep-24</a:t>
             </a:fld>
             <a:endParaRPr lang="en-US"/>
           </a:p>
@@ -2393,7 +2397,7 @@
           <a:p>
             <a:fld id="{41AE6BA5-1B2D-41F4-9900-921111E035AB}" type="datetimeFigureOut">
               <a:rPr lang="en-US" smtClean="0"/>
-              <a:t>09-Sep-24</a:t>
+              <a:t>10-Sep-24</a:t>
             </a:fld>
             <a:endParaRPr lang="en-US"/>
           </a:p>
@@ -2681,7 +2685,7 @@
           <a:p>
             <a:fld id="{41AE6BA5-1B2D-41F4-9900-921111E035AB}" type="datetimeFigureOut">
               <a:rPr lang="en-US" smtClean="0"/>
-              <a:t>09-Sep-24</a:t>
+              <a:t>10-Sep-24</a:t>
             </a:fld>
             <a:endParaRPr lang="en-US"/>
           </a:p>
@@ -2922,7 +2926,7 @@
           <a:p>
             <a:fld id="{41AE6BA5-1B2D-41F4-9900-921111E035AB}" type="datetimeFigureOut">
               <a:rPr lang="en-US" smtClean="0"/>
-              <a:t>09-Sep-24</a:t>
+              <a:t>10-Sep-24</a:t>
             </a:fld>
             <a:endParaRPr lang="en-US"/>
           </a:p>
@@ -3339,179 +3343,74 @@
           <a:chExt cx="0" cy="0"/>
         </a:xfrm>
       </p:grpSpPr>
+      <p:sp>
+        <p:nvSpPr>
+          <p:cNvPr id="10" name="Rectangle 9"/>
+          <p:cNvSpPr/>
+          <p:nvPr/>
+        </p:nvSpPr>
+        <p:spPr>
+          <a:xfrm>
+            <a:off x="7599879" y="6488668"/>
+            <a:ext cx="4486613" cy="369332"/>
+          </a:xfrm>
+          <a:prstGeom prst="rect">
+            <a:avLst/>
+          </a:prstGeom>
+        </p:spPr>
+        <p:txBody>
+          <a:bodyPr wrap="none">
+            <a:spAutoFit/>
+          </a:bodyPr>
+          <a:lstStyle/>
+          <a:p>
+            <a:r>
+              <a:rPr lang="en-US" dirty="0"/>
+              <a:t>https://onlinepngtools.com/change-png-color</a:t>
+            </a:r>
+          </a:p>
+        </p:txBody>
+      </p:sp>
       <p:grpSp>
         <p:nvGrpSpPr>
-          <p:cNvPr id="4" name="Group 3"/>
+          <p:cNvPr id="2" name="Group 1"/>
           <p:cNvGrpSpPr/>
           <p:nvPr/>
         </p:nvGrpSpPr>
         <p:grpSpPr>
           <a:xfrm>
-            <a:off x="226178" y="-297772"/>
-            <a:ext cx="8051047" cy="7555747"/>
-            <a:chOff x="226178" y="-297772"/>
-            <a:chExt cx="8051047" cy="7555747"/>
+            <a:off x="569078" y="1093703"/>
+            <a:ext cx="7708147" cy="3452699"/>
+            <a:chOff x="569078" y="433654"/>
+            <a:chExt cx="7708147" cy="3452699"/>
           </a:xfrm>
         </p:grpSpPr>
-        <p:grpSp>
-          <p:nvGrpSpPr>
-            <p:cNvPr id="2" name="Group 1"/>
-            <p:cNvGrpSpPr/>
+        <p:pic>
+          <p:nvPicPr>
+            <p:cNvPr id="13" name="Picture 12"/>
+            <p:cNvPicPr>
+              <a:picLocks noChangeAspect="1"/>
+            </p:cNvPicPr>
             <p:nvPr/>
-          </p:nvGrpSpPr>
-          <p:grpSpPr>
-            <a:xfrm>
-              <a:off x="569078" y="1093703"/>
-              <a:ext cx="7708147" cy="3452699"/>
-              <a:chOff x="569078" y="433654"/>
-              <a:chExt cx="7708147" cy="3452699"/>
-            </a:xfrm>
-          </p:grpSpPr>
-          <p:pic>
-            <p:nvPicPr>
-              <p:cNvPr id="13" name="Picture 12"/>
-              <p:cNvPicPr>
-                <a:picLocks noChangeAspect="1"/>
-              </p:cNvPicPr>
-              <p:nvPr/>
-            </p:nvPicPr>
-            <p:blipFill>
-              <a:blip r:embed="rId2" cstate="print">
-                <a:extLst>
-                  <a:ext uri="{28A0092B-C50C-407E-A947-70E740481C1C}">
-                    <a14:useLocalDpi xmlns:a14="http://schemas.microsoft.com/office/drawing/2010/main" val="0"/>
-                  </a:ext>
-                </a:extLst>
-              </a:blip>
-              <a:stretch>
-                <a:fillRect/>
-              </a:stretch>
-            </p:blipFill>
-            <p:spPr>
-              <a:xfrm>
-                <a:off x="2552802" y="433654"/>
-                <a:ext cx="1870348" cy="2035795"/>
-              </a:xfrm>
-              <a:prstGeom prst="rect">
-                <a:avLst/>
-              </a:prstGeom>
-              <a:noFill/>
-              <a:ln>
-                <a:noFill/>
-              </a:ln>
-            </p:spPr>
-          </p:pic>
-          <p:sp>
-            <p:nvSpPr>
-              <p:cNvPr id="6" name="TextBox 5">
-                <a:extLst>
-                  <a:ext uri="{FF2B5EF4-FFF2-40B4-BE49-F238E27FC236}">
-                    <a16:creationId xmlns:a16="http://schemas.microsoft.com/office/drawing/2014/main" id="{03E543EE-9D45-0E84-BBDF-F53D4E3F3461}"/>
-                  </a:ext>
-                </a:extLst>
-              </p:cNvPr>
-              <p:cNvSpPr txBox="1"/>
-              <p:nvPr/>
-            </p:nvSpPr>
-            <p:spPr>
-              <a:xfrm>
-                <a:off x="569078" y="1850557"/>
-                <a:ext cx="7708147" cy="1938992"/>
-              </a:xfrm>
-              <a:prstGeom prst="rect">
-                <a:avLst/>
-              </a:prstGeom>
-              <a:noFill/>
-            </p:spPr>
-            <p:txBody>
-              <a:bodyPr wrap="square" rtlCol="0">
-                <a:spAutoFit/>
-              </a:bodyPr>
-              <a:lstStyle/>
-              <a:p>
-                <a:r>
-                  <a:rPr lang="en-US" sz="12000" dirty="0" err="1" smtClean="0">
-                    <a:solidFill>
-                      <a:srgbClr val="14C7AF"/>
-                    </a:solidFill>
-                    <a:latin typeface=".VnBodoni" panose="020B7200000000000000" pitchFamily="34" charset="0"/>
-                  </a:rPr>
-                  <a:t>BomBig</a:t>
-                </a:r>
-                <a:endParaRPr lang="en-US" sz="12000" dirty="0">
-                  <a:solidFill>
-                    <a:srgbClr val="14C7AF"/>
-                  </a:solidFill>
-                  <a:latin typeface=".VnBodoni" panose="020B7200000000000000" pitchFamily="34" charset="0"/>
-                </a:endParaRPr>
-              </a:p>
-            </p:txBody>
-          </p:sp>
-          <p:sp>
-            <p:nvSpPr>
-              <p:cNvPr id="8" name="TextBox 7">
-                <a:extLst>
-                  <a:ext uri="{FF2B5EF4-FFF2-40B4-BE49-F238E27FC236}">
-                    <a16:creationId xmlns:a16="http://schemas.microsoft.com/office/drawing/2014/main" id="{7E1D8D22-5B5E-ADA3-6AB5-76CC9922C173}"/>
-                  </a:ext>
-                </a:extLst>
-              </p:cNvPr>
-              <p:cNvSpPr txBox="1"/>
-              <p:nvPr/>
-            </p:nvSpPr>
-            <p:spPr>
-              <a:xfrm>
-                <a:off x="3269621" y="3301578"/>
-                <a:ext cx="3126177" cy="584775"/>
-              </a:xfrm>
-              <a:prstGeom prst="rect">
-                <a:avLst/>
-              </a:prstGeom>
-              <a:noFill/>
-            </p:spPr>
-            <p:txBody>
-              <a:bodyPr wrap="none" rtlCol="0">
-                <a:spAutoFit/>
-              </a:bodyPr>
-              <a:lstStyle/>
-              <a:p>
-                <a:r>
-                  <a:rPr lang="en-US" sz="3200" dirty="0" smtClean="0">
-                    <a:solidFill>
-                      <a:srgbClr val="14C7AF"/>
-                    </a:solidFill>
-                    <a:latin typeface=".VnBodoni" panose="020B7200000000000000" pitchFamily="34" charset="0"/>
-                  </a:rPr>
-                  <a:t>Sexy All Day</a:t>
-                </a:r>
-                <a:endParaRPr lang="en-US" sz="3200" dirty="0">
-                  <a:solidFill>
-                    <a:srgbClr val="14C7AF"/>
-                  </a:solidFill>
-                  <a:latin typeface=".VnBodoni" panose="020B7200000000000000" pitchFamily="34" charset="0"/>
-                </a:endParaRPr>
-              </a:p>
-            </p:txBody>
-          </p:sp>
-        </p:grpSp>
-        <p:sp>
-          <p:nvSpPr>
-            <p:cNvPr id="12" name="Oval 11">
+          </p:nvPicPr>
+          <p:blipFill>
+            <a:blip r:embed="rId2" cstate="hqprint">
               <a:extLst>
-                <a:ext uri="{FF2B5EF4-FFF2-40B4-BE49-F238E27FC236}">
-                  <a16:creationId xmlns:a16="http://schemas.microsoft.com/office/drawing/2014/main" id="{8749CE16-9F32-9064-81C4-96E69F1C86BD}"/>
+                <a:ext uri="{28A0092B-C50C-407E-A947-70E740481C1C}">
+                  <a14:useLocalDpi xmlns:a14="http://schemas.microsoft.com/office/drawing/2010/main" val="0"/>
                 </a:ext>
               </a:extLst>
-            </p:cNvPr>
-            <p:cNvSpPr/>
-            <p:nvPr/>
-          </p:nvSpPr>
+            </a:blip>
+            <a:stretch>
+              <a:fillRect/>
+            </a:stretch>
+          </p:blipFill>
           <p:spPr>
             <a:xfrm>
-              <a:off x="226178" y="-297772"/>
-              <a:ext cx="7555747" cy="7555747"/>
+              <a:off x="2552802" y="433654"/>
+              <a:ext cx="1870349" cy="2035795"/>
             </a:xfrm>
-            <a:prstGeom prst="ellipse">
+            <a:prstGeom prst="rect">
               <a:avLst/>
             </a:prstGeom>
             <a:noFill/>
@@ -3519,39 +3418,133 @@
               <a:noFill/>
             </a:ln>
           </p:spPr>
-          <p:style>
-            <a:lnRef idx="2">
-              <a:schemeClr val="accent2"/>
-            </a:lnRef>
-            <a:fillRef idx="1">
-              <a:schemeClr val="lt1"/>
-            </a:fillRef>
-            <a:effectRef idx="0">
-              <a:schemeClr val="accent2"/>
-            </a:effectRef>
-            <a:fontRef idx="minor">
-              <a:schemeClr val="dk1"/>
-            </a:fontRef>
-          </p:style>
+        </p:pic>
+        <p:sp>
+          <p:nvSpPr>
+            <p:cNvPr id="6" name="TextBox 5">
+              <a:extLst>
+                <a:ext uri="{FF2B5EF4-FFF2-40B4-BE49-F238E27FC236}">
+                  <a16:creationId xmlns:a16="http://schemas.microsoft.com/office/drawing/2014/main" id="{03E543EE-9D45-0E84-BBDF-F53D4E3F3461}"/>
+                </a:ext>
+              </a:extLst>
+            </p:cNvPr>
+            <p:cNvSpPr txBox="1"/>
+            <p:nvPr/>
+          </p:nvSpPr>
+          <p:spPr>
+            <a:xfrm>
+              <a:off x="569078" y="1850557"/>
+              <a:ext cx="7708147" cy="1938992"/>
+            </a:xfrm>
+            <a:prstGeom prst="rect">
+              <a:avLst/>
+            </a:prstGeom>
+            <a:noFill/>
+          </p:spPr>
           <p:txBody>
-            <a:bodyPr rtlCol="0" anchor="ctr"/>
+            <a:bodyPr wrap="square" rtlCol="0">
+              <a:spAutoFit/>
+            </a:bodyPr>
             <a:lstStyle/>
             <a:p>
-              <a:pPr algn="ctr"/>
-              <a:endParaRPr lang="en-US"/>
+              <a:r>
+                <a:rPr lang="en-US" sz="12000" dirty="0" err="1" smtClean="0">
+                  <a:solidFill>
+                    <a:srgbClr val="E4748D"/>
+                  </a:solidFill>
+                  <a:latin typeface=".VnBodoni" panose="020B7200000000000000" pitchFamily="34" charset="0"/>
+                </a:rPr>
+                <a:t>BomBig</a:t>
+              </a:r>
+              <a:endParaRPr lang="en-US" sz="12000" dirty="0">
+                <a:solidFill>
+                  <a:srgbClr val="E4748D"/>
+                </a:solidFill>
+                <a:latin typeface=".VnBodoni" panose="020B7200000000000000" pitchFamily="34" charset="0"/>
+              </a:endParaRPr>
+            </a:p>
+          </p:txBody>
+        </p:sp>
+        <p:sp>
+          <p:nvSpPr>
+            <p:cNvPr id="8" name="TextBox 7">
+              <a:extLst>
+                <a:ext uri="{FF2B5EF4-FFF2-40B4-BE49-F238E27FC236}">
+                  <a16:creationId xmlns:a16="http://schemas.microsoft.com/office/drawing/2014/main" id="{7E1D8D22-5B5E-ADA3-6AB5-76CC9922C173}"/>
+                </a:ext>
+              </a:extLst>
+            </p:cNvPr>
+            <p:cNvSpPr txBox="1"/>
+            <p:nvPr/>
+          </p:nvSpPr>
+          <p:spPr>
+            <a:xfrm>
+              <a:off x="3269621" y="3301578"/>
+              <a:ext cx="3126177" cy="584775"/>
+            </a:xfrm>
+            <a:prstGeom prst="rect">
+              <a:avLst/>
+            </a:prstGeom>
+            <a:noFill/>
+          </p:spPr>
+          <p:txBody>
+            <a:bodyPr wrap="none" rtlCol="0">
+              <a:spAutoFit/>
+            </a:bodyPr>
+            <a:lstStyle/>
+            <a:p>
+              <a:r>
+                <a:rPr lang="en-US" sz="3200" dirty="0" smtClean="0">
+                  <a:solidFill>
+                    <a:srgbClr val="E4748D"/>
+                  </a:solidFill>
+                  <a:latin typeface=".VnBodoni" panose="020B7200000000000000" pitchFamily="34" charset="0"/>
+                </a:rPr>
+                <a:t>Sexy All Day</a:t>
+              </a:r>
+              <a:endParaRPr lang="en-US" sz="3200" dirty="0">
+                <a:solidFill>
+                  <a:srgbClr val="E4748D"/>
+                </a:solidFill>
+                <a:latin typeface=".VnBodoni" panose="020B7200000000000000" pitchFamily="34" charset="0"/>
+              </a:endParaRPr>
             </a:p>
           </p:txBody>
         </p:sp>
       </p:grpSp>
+      <p:pic>
+        <p:nvPicPr>
+          <p:cNvPr id="3" name="Picture 2"/>
+          <p:cNvPicPr>
+            <a:picLocks noChangeAspect="1"/>
+          </p:cNvPicPr>
+          <p:nvPr/>
+        </p:nvPicPr>
+        <p:blipFill>
+          <a:blip r:embed="rId3"/>
+          <a:stretch>
+            <a:fillRect/>
+          </a:stretch>
+        </p:blipFill>
+        <p:spPr>
+          <a:xfrm rot="5400000">
+            <a:off x="9465710" y="3845664"/>
+            <a:ext cx="3333334" cy="1742857"/>
+          </a:xfrm>
+          <a:prstGeom prst="rect">
+            <a:avLst/>
+          </a:prstGeom>
+        </p:spPr>
+      </p:pic>
       <p:sp>
         <p:nvSpPr>
-          <p:cNvPr id="3" name="Rounded Rectangle 2"/>
+          <p:cNvPr id="11" name="Rounded Rectangle 10"/>
           <p:cNvSpPr/>
           <p:nvPr/>
         </p:nvSpPr>
         <p:spPr>
           <a:xfrm>
-            <a:off x="9566031" y="879231"/>
+            <a:off x="9583616" y="35488"/>
             <a:ext cx="2259623" cy="2567354"/>
           </a:xfrm>
           <a:prstGeom prst="roundRect">
@@ -3659,14 +3652,14 @@
       </p:sp>
       <p:pic>
         <p:nvPicPr>
-          <p:cNvPr id="9" name="Picture 8"/>
+          <p:cNvPr id="12" name="Picture 11"/>
           <p:cNvPicPr>
             <a:picLocks noChangeAspect="1"/>
           </p:cNvPicPr>
           <p:nvPr/>
         </p:nvPicPr>
         <p:blipFill>
-          <a:blip r:embed="rId3" cstate="hqprint">
+          <a:blip r:embed="rId4" cstate="hqprint">
             <a:extLst>
               <a:ext uri="{28A0092B-C50C-407E-A947-70E740481C1C}">
                 <a14:useLocalDpi xmlns:a14="http://schemas.microsoft.com/office/drawing/2010/main" val="0"/>
@@ -3679,18 +3672,87 @@
         </p:blipFill>
         <p:spPr>
           <a:xfrm>
-            <a:off x="9378461" y="3812929"/>
-            <a:ext cx="2447193" cy="2447193"/>
+            <a:off x="7599879" y="35488"/>
+            <a:ext cx="1834111" cy="1834111"/>
           </a:xfrm>
           <a:prstGeom prst="rect">
             <a:avLst/>
           </a:prstGeom>
         </p:spPr>
       </p:pic>
+      <p:sp>
+        <p:nvSpPr>
+          <p:cNvPr id="4" name="Rectangle 3"/>
+          <p:cNvSpPr/>
+          <p:nvPr/>
+        </p:nvSpPr>
+        <p:spPr>
+          <a:xfrm>
+            <a:off x="9008408" y="2641967"/>
+            <a:ext cx="3128870" cy="369332"/>
+          </a:xfrm>
+          <a:prstGeom prst="rect">
+            <a:avLst/>
+          </a:prstGeom>
+        </p:spPr>
+        <p:txBody>
+          <a:bodyPr wrap="none">
+            <a:spAutoFit/>
+          </a:bodyPr>
+          <a:lstStyle/>
+          <a:p>
+            <a:r>
+              <a:rPr lang="en-US" dirty="0" err="1"/>
+              <a:t>Bảng</a:t>
+            </a:r>
+            <a:r>
+              <a:rPr lang="en-US" dirty="0"/>
+              <a:t> </a:t>
+            </a:r>
+            <a:r>
+              <a:rPr lang="en-US" dirty="0" err="1"/>
+              <a:t>hồng</a:t>
+            </a:r>
+            <a:r>
+              <a:rPr lang="en-US" dirty="0"/>
+              <a:t> </a:t>
+            </a:r>
+            <a:r>
+              <a:rPr lang="en-US" dirty="0" err="1"/>
+              <a:t>kết</a:t>
+            </a:r>
+            <a:r>
+              <a:rPr lang="en-US" dirty="0"/>
+              <a:t> </a:t>
+            </a:r>
+            <a:r>
+              <a:rPr lang="en-US" dirty="0" err="1"/>
+              <a:t>hợp</a:t>
+            </a:r>
+            <a:r>
+              <a:rPr lang="en-US" dirty="0"/>
+              <a:t> </a:t>
+            </a:r>
+            <a:r>
+              <a:rPr lang="en-US" dirty="0" err="1"/>
+              <a:t>xanh</a:t>
+            </a:r>
+            <a:r>
+              <a:rPr lang="en-US" dirty="0"/>
+              <a:t> da </a:t>
+            </a:r>
+            <a:r>
+              <a:rPr lang="en-US" dirty="0" err="1"/>
+              <a:t>trời</a:t>
+            </a:r>
+            <a:endParaRPr lang="en-US" dirty="0"/>
+          </a:p>
+        </p:txBody>
+      </p:sp>
     </p:spTree>
     <p:extLst>
       <p:ext uri="{BB962C8B-B14F-4D97-AF65-F5344CB8AC3E}">
-        <p14:creationId xmlns:p14="http://schemas.microsoft.com/office/powerpoint/2010/main" val="699409700"/>
+        <p14:creationId xmlns:p14="http://schemas.microsoft.com/office/powerpoint/2010/main" val="3702347902"/>
       </p:ext>
     </p:extLst>
   </p:cSld>
@@ -3708,247 +3770,6 @@
 </file>
 
 <file path=ppt/slides/slide10.xml><?xml version="1.0" encoding="utf-8"?>
-<p:sld xmlns:a="http://schemas.openxmlformats.org/drawingml/2006/main" xmlns:r="http://schemas.openxmlformats.org/officeDocument/2006/relationships" xmlns:p="http://schemas.openxmlformats.org/presentationml/2006/main">
-  <p:cSld>
-    <p:spTree>
-      <p:nvGrpSpPr>
-        <p:cNvPr id="1" name=""/>
-        <p:cNvGrpSpPr/>
-        <p:nvPr/>
-      </p:nvGrpSpPr>
-      <p:grpSpPr>
-        <a:xfrm>
-          <a:off x="0" y="0"/>
-          <a:ext cx="0" cy="0"/>
-          <a:chOff x="0" y="0"/>
-          <a:chExt cx="0" cy="0"/>
-        </a:xfrm>
-      </p:grpSpPr>
-      <p:grpSp>
-        <p:nvGrpSpPr>
-          <p:cNvPr id="4" name="Group 3"/>
-          <p:cNvGrpSpPr/>
-          <p:nvPr/>
-        </p:nvGrpSpPr>
-        <p:grpSpPr>
-          <a:xfrm>
-            <a:off x="226178" y="-297772"/>
-            <a:ext cx="8051047" cy="7555747"/>
-            <a:chOff x="226178" y="-297772"/>
-            <a:chExt cx="8051047" cy="7555747"/>
-          </a:xfrm>
-        </p:grpSpPr>
-        <p:grpSp>
-          <p:nvGrpSpPr>
-            <p:cNvPr id="2" name="Group 1"/>
-            <p:cNvGrpSpPr/>
-            <p:nvPr/>
-          </p:nvGrpSpPr>
-          <p:grpSpPr>
-            <a:xfrm>
-              <a:off x="569078" y="1093703"/>
-              <a:ext cx="7708147" cy="3452699"/>
-              <a:chOff x="569078" y="433654"/>
-              <a:chExt cx="7708147" cy="3452699"/>
-            </a:xfrm>
-          </p:grpSpPr>
-          <p:pic>
-            <p:nvPicPr>
-              <p:cNvPr id="13" name="Picture 12"/>
-              <p:cNvPicPr>
-                <a:picLocks noChangeAspect="1"/>
-              </p:cNvPicPr>
-              <p:nvPr/>
-            </p:nvPicPr>
-            <p:blipFill>
-              <a:blip r:embed="rId2" cstate="print">
-                <a:extLst>
-                  <a:ext uri="{28A0092B-C50C-407E-A947-70E740481C1C}">
-                    <a14:useLocalDpi xmlns:a14="http://schemas.microsoft.com/office/drawing/2010/main" val="0"/>
-                  </a:ext>
-                </a:extLst>
-              </a:blip>
-              <a:stretch>
-                <a:fillRect/>
-              </a:stretch>
-            </p:blipFill>
-            <p:spPr>
-              <a:xfrm>
-                <a:off x="2552802" y="433654"/>
-                <a:ext cx="1870349" cy="2035795"/>
-              </a:xfrm>
-              <a:prstGeom prst="rect">
-                <a:avLst/>
-              </a:prstGeom>
-              <a:noFill/>
-              <a:ln>
-                <a:noFill/>
-              </a:ln>
-            </p:spPr>
-          </p:pic>
-          <p:sp>
-            <p:nvSpPr>
-              <p:cNvPr id="6" name="TextBox 5">
-                <a:extLst>
-                  <a:ext uri="{FF2B5EF4-FFF2-40B4-BE49-F238E27FC236}">
-                    <a16:creationId xmlns:a16="http://schemas.microsoft.com/office/drawing/2014/main" id="{03E543EE-9D45-0E84-BBDF-F53D4E3F3461}"/>
-                  </a:ext>
-                </a:extLst>
-              </p:cNvPr>
-              <p:cNvSpPr txBox="1"/>
-              <p:nvPr/>
-            </p:nvSpPr>
-            <p:spPr>
-              <a:xfrm>
-                <a:off x="569078" y="1850557"/>
-                <a:ext cx="7708147" cy="1938992"/>
-              </a:xfrm>
-              <a:prstGeom prst="rect">
-                <a:avLst/>
-              </a:prstGeom>
-              <a:noFill/>
-            </p:spPr>
-            <p:txBody>
-              <a:bodyPr wrap="square" rtlCol="0">
-                <a:spAutoFit/>
-              </a:bodyPr>
-              <a:lstStyle/>
-              <a:p>
-                <a:r>
-                  <a:rPr lang="en-US" sz="12000" dirty="0" err="1" smtClean="0">
-                    <a:solidFill>
-                      <a:srgbClr val="FFB6E2"/>
-                    </a:solidFill>
-                    <a:latin typeface=".VnBodoni" panose="020B7200000000000000" pitchFamily="34" charset="0"/>
-                  </a:rPr>
-                  <a:t>BomBig</a:t>
-                </a:r>
-                <a:endParaRPr lang="en-US" sz="12000" dirty="0">
-                  <a:solidFill>
-                    <a:srgbClr val="FFB6E2"/>
-                  </a:solidFill>
-                  <a:latin typeface=".VnBodoni" panose="020B7200000000000000" pitchFamily="34" charset="0"/>
-                </a:endParaRPr>
-              </a:p>
-            </p:txBody>
-          </p:sp>
-          <p:sp>
-            <p:nvSpPr>
-              <p:cNvPr id="8" name="TextBox 7">
-                <a:extLst>
-                  <a:ext uri="{FF2B5EF4-FFF2-40B4-BE49-F238E27FC236}">
-                    <a16:creationId xmlns:a16="http://schemas.microsoft.com/office/drawing/2014/main" id="{7E1D8D22-5B5E-ADA3-6AB5-76CC9922C173}"/>
-                  </a:ext>
-                </a:extLst>
-              </p:cNvPr>
-              <p:cNvSpPr txBox="1"/>
-              <p:nvPr/>
-            </p:nvSpPr>
-            <p:spPr>
-              <a:xfrm>
-                <a:off x="3269621" y="3301578"/>
-                <a:ext cx="3126177" cy="584775"/>
-              </a:xfrm>
-              <a:prstGeom prst="rect">
-                <a:avLst/>
-              </a:prstGeom>
-              <a:noFill/>
-            </p:spPr>
-            <p:txBody>
-              <a:bodyPr wrap="none" rtlCol="0">
-                <a:spAutoFit/>
-              </a:bodyPr>
-              <a:lstStyle/>
-              <a:p>
-                <a:r>
-                  <a:rPr lang="en-US" sz="3200" dirty="0" smtClean="0">
-                    <a:solidFill>
-                      <a:srgbClr val="FFB6E2"/>
-                    </a:solidFill>
-                    <a:latin typeface=".VnBodoni" panose="020B7200000000000000" pitchFamily="34" charset="0"/>
-                  </a:rPr>
-                  <a:t>Sexy All Day</a:t>
-                </a:r>
-                <a:endParaRPr lang="en-US" sz="3200" dirty="0">
-                  <a:solidFill>
-                    <a:srgbClr val="FFB6E2"/>
-                  </a:solidFill>
-                  <a:latin typeface=".VnBodoni" panose="020B7200000000000000" pitchFamily="34" charset="0"/>
-                </a:endParaRPr>
-              </a:p>
-            </p:txBody>
-          </p:sp>
-        </p:grpSp>
-        <p:sp>
-          <p:nvSpPr>
-            <p:cNvPr id="12" name="Oval 11">
-              <a:extLst>
-                <a:ext uri="{FF2B5EF4-FFF2-40B4-BE49-F238E27FC236}">
-                  <a16:creationId xmlns:a16="http://schemas.microsoft.com/office/drawing/2014/main" id="{8749CE16-9F32-9064-81C4-96E69F1C86BD}"/>
-                </a:ext>
-              </a:extLst>
-            </p:cNvPr>
-            <p:cNvSpPr/>
-            <p:nvPr/>
-          </p:nvSpPr>
-          <p:spPr>
-            <a:xfrm>
-              <a:off x="226178" y="-297772"/>
-              <a:ext cx="7555747" cy="7555747"/>
-            </a:xfrm>
-            <a:prstGeom prst="ellipse">
-              <a:avLst/>
-            </a:prstGeom>
-            <a:noFill/>
-            <a:ln>
-              <a:noFill/>
-            </a:ln>
-          </p:spPr>
-          <p:style>
-            <a:lnRef idx="2">
-              <a:schemeClr val="accent2"/>
-            </a:lnRef>
-            <a:fillRef idx="1">
-              <a:schemeClr val="lt1"/>
-            </a:fillRef>
-            <a:effectRef idx="0">
-              <a:schemeClr val="accent2"/>
-            </a:effectRef>
-            <a:fontRef idx="minor">
-              <a:schemeClr val="dk1"/>
-            </a:fontRef>
-          </p:style>
-          <p:txBody>
-            <a:bodyPr rtlCol="0" anchor="ctr"/>
-            <a:lstStyle/>
-            <a:p>
-              <a:pPr algn="ctr"/>
-              <a:endParaRPr lang="en-US"/>
-            </a:p>
-          </p:txBody>
-        </p:sp>
-      </p:grpSp>
-    </p:spTree>
-    <p:extLst>
-      <p:ext uri="{BB962C8B-B14F-4D97-AF65-F5344CB8AC3E}">
-        <p14:creationId xmlns:p14="http://schemas.microsoft.com/office/powerpoint/2010/main" val="3394723697"/>
-      </p:ext>
-    </p:extLst>
-  </p:cSld>
-  <p:clrMapOvr>
-    <a:masterClrMapping/>
-  </p:clrMapOvr>
-  <p:timing>
-    <p:tnLst>
-      <p:par>
-        <p:cTn id="1" dur="indefinite" restart="never" nodeType="tmRoot"/>
-      </p:par>
-    </p:tnLst>
-  </p:timing>
-</p:sld>
-</file>
-
-<file path=ppt/slides/slide11.xml><?xml version="1.0" encoding="utf-8"?>
 <p:sld xmlns:a="http://schemas.openxmlformats.org/drawingml/2006/main" xmlns:r="http://schemas.openxmlformats.org/officeDocument/2006/relationships" xmlns:p="http://schemas.openxmlformats.org/presentationml/2006/main">
   <p:cSld>
     <p:spTree>
@@ -4189,241 +4010,7 @@
 </p:sld>
 </file>
 
-<file path=ppt/slides/slide12.xml><?xml version="1.0" encoding="utf-8"?>
-<p:sld xmlns:a="http://schemas.openxmlformats.org/drawingml/2006/main" xmlns:r="http://schemas.openxmlformats.org/officeDocument/2006/relationships" xmlns:p="http://schemas.openxmlformats.org/presentationml/2006/main">
-  <p:cSld>
-    <p:spTree>
-      <p:nvGrpSpPr>
-        <p:cNvPr id="1" name=""/>
-        <p:cNvGrpSpPr/>
-        <p:nvPr/>
-      </p:nvGrpSpPr>
-      <p:grpSpPr>
-        <a:xfrm>
-          <a:off x="0" y="0"/>
-          <a:ext cx="0" cy="0"/>
-          <a:chOff x="0" y="0"/>
-          <a:chExt cx="0" cy="0"/>
-        </a:xfrm>
-      </p:grpSpPr>
-      <p:sp>
-        <p:nvSpPr>
-          <p:cNvPr id="9" name="Rectangle 8"/>
-          <p:cNvSpPr/>
-          <p:nvPr/>
-        </p:nvSpPr>
-        <p:spPr>
-          <a:xfrm>
-            <a:off x="8672343" y="2635387"/>
-            <a:ext cx="960519" cy="369332"/>
-          </a:xfrm>
-          <a:prstGeom prst="rect">
-            <a:avLst/>
-          </a:prstGeom>
-        </p:spPr>
-        <p:txBody>
-          <a:bodyPr wrap="none">
-            <a:spAutoFit/>
-          </a:bodyPr>
-          <a:lstStyle/>
-          <a:p>
-            <a:r>
-              <a:rPr lang="en-US" dirty="0"/>
-              <a:t>#b5292f</a:t>
-            </a:r>
-          </a:p>
-        </p:txBody>
-      </p:sp>
-      <p:sp>
-        <p:nvSpPr>
-          <p:cNvPr id="10" name="Rectangle 9"/>
-          <p:cNvSpPr/>
-          <p:nvPr/>
-        </p:nvSpPr>
-        <p:spPr>
-          <a:xfrm>
-            <a:off x="7491243" y="598786"/>
-            <a:ext cx="4486613" cy="369332"/>
-          </a:xfrm>
-          <a:prstGeom prst="rect">
-            <a:avLst/>
-          </a:prstGeom>
-        </p:spPr>
-        <p:txBody>
-          <a:bodyPr wrap="none">
-            <a:spAutoFit/>
-          </a:bodyPr>
-          <a:lstStyle/>
-          <a:p>
-            <a:r>
-              <a:rPr lang="en-US" dirty="0"/>
-              <a:t>https://onlinepngtools.com/change-png-color</a:t>
-            </a:r>
-          </a:p>
-        </p:txBody>
-      </p:sp>
-      <p:grpSp>
-        <p:nvGrpSpPr>
-          <p:cNvPr id="2" name="Group 1"/>
-          <p:cNvGrpSpPr/>
-          <p:nvPr/>
-        </p:nvGrpSpPr>
-        <p:grpSpPr>
-          <a:xfrm>
-            <a:off x="569078" y="1093703"/>
-            <a:ext cx="7708147" cy="3452699"/>
-            <a:chOff x="569078" y="433654"/>
-            <a:chExt cx="7708147" cy="3452699"/>
-          </a:xfrm>
-        </p:grpSpPr>
-        <p:pic>
-          <p:nvPicPr>
-            <p:cNvPr id="13" name="Picture 12"/>
-            <p:cNvPicPr>
-              <a:picLocks noChangeAspect="1"/>
-            </p:cNvPicPr>
-            <p:nvPr/>
-          </p:nvPicPr>
-          <p:blipFill>
-            <a:blip r:embed="rId2" cstate="print">
-              <a:extLst>
-                <a:ext uri="{28A0092B-C50C-407E-A947-70E740481C1C}">
-                  <a14:useLocalDpi xmlns:a14="http://schemas.microsoft.com/office/drawing/2010/main" val="0"/>
-                </a:ext>
-              </a:extLst>
-            </a:blip>
-            <a:stretch>
-              <a:fillRect/>
-            </a:stretch>
-          </p:blipFill>
-          <p:spPr>
-            <a:xfrm>
-              <a:off x="2552802" y="433654"/>
-              <a:ext cx="1870349" cy="2035796"/>
-            </a:xfrm>
-            <a:prstGeom prst="rect">
-              <a:avLst/>
-            </a:prstGeom>
-            <a:noFill/>
-            <a:ln>
-              <a:noFill/>
-            </a:ln>
-          </p:spPr>
-        </p:pic>
-        <p:sp>
-          <p:nvSpPr>
-            <p:cNvPr id="6" name="TextBox 5">
-              <a:extLst>
-                <a:ext uri="{FF2B5EF4-FFF2-40B4-BE49-F238E27FC236}">
-                  <a16:creationId xmlns:a16="http://schemas.microsoft.com/office/drawing/2014/main" id="{03E543EE-9D45-0E84-BBDF-F53D4E3F3461}"/>
-                </a:ext>
-              </a:extLst>
-            </p:cNvPr>
-            <p:cNvSpPr txBox="1"/>
-            <p:nvPr/>
-          </p:nvSpPr>
-          <p:spPr>
-            <a:xfrm>
-              <a:off x="569078" y="1850557"/>
-              <a:ext cx="7708147" cy="1938992"/>
-            </a:xfrm>
-            <a:prstGeom prst="rect">
-              <a:avLst/>
-            </a:prstGeom>
-            <a:noFill/>
-          </p:spPr>
-          <p:txBody>
-            <a:bodyPr wrap="square" rtlCol="0">
-              <a:spAutoFit/>
-            </a:bodyPr>
-            <a:lstStyle/>
-            <a:p>
-              <a:r>
-                <a:rPr lang="en-US" sz="12000" dirty="0" err="1" smtClean="0">
-                  <a:solidFill>
-                    <a:srgbClr val="B5292F"/>
-                  </a:solidFill>
-                  <a:latin typeface=".VnBodoni" panose="020B7200000000000000" pitchFamily="34" charset="0"/>
-                </a:rPr>
-                <a:t>BomBig</a:t>
-              </a:r>
-              <a:endParaRPr lang="en-US" sz="12000" dirty="0">
-                <a:solidFill>
-                  <a:srgbClr val="B5292F"/>
-                </a:solidFill>
-                <a:latin typeface=".VnBodoni" panose="020B7200000000000000" pitchFamily="34" charset="0"/>
-              </a:endParaRPr>
-            </a:p>
-          </p:txBody>
-        </p:sp>
-        <p:sp>
-          <p:nvSpPr>
-            <p:cNvPr id="8" name="TextBox 7">
-              <a:extLst>
-                <a:ext uri="{FF2B5EF4-FFF2-40B4-BE49-F238E27FC236}">
-                  <a16:creationId xmlns:a16="http://schemas.microsoft.com/office/drawing/2014/main" id="{7E1D8D22-5B5E-ADA3-6AB5-76CC9922C173}"/>
-                </a:ext>
-              </a:extLst>
-            </p:cNvPr>
-            <p:cNvSpPr txBox="1"/>
-            <p:nvPr/>
-          </p:nvSpPr>
-          <p:spPr>
-            <a:xfrm>
-              <a:off x="3269621" y="3301578"/>
-              <a:ext cx="3126177" cy="584775"/>
-            </a:xfrm>
-            <a:prstGeom prst="rect">
-              <a:avLst/>
-            </a:prstGeom>
-            <a:noFill/>
-          </p:spPr>
-          <p:txBody>
-            <a:bodyPr wrap="none" rtlCol="0">
-              <a:spAutoFit/>
-            </a:bodyPr>
-            <a:lstStyle/>
-            <a:p>
-              <a:r>
-                <a:rPr lang="en-US" sz="3200" dirty="0" smtClean="0">
-                  <a:solidFill>
-                    <a:srgbClr val="B5292F"/>
-                  </a:solidFill>
-                  <a:latin typeface=".VnBodoni" panose="020B7200000000000000" pitchFamily="34" charset="0"/>
-                </a:rPr>
-                <a:t>Sexy All Day</a:t>
-              </a:r>
-              <a:endParaRPr lang="en-US" sz="3200" dirty="0">
-                <a:solidFill>
-                  <a:srgbClr val="B5292F"/>
-                </a:solidFill>
-                <a:latin typeface=".VnBodoni" panose="020B7200000000000000" pitchFamily="34" charset="0"/>
-              </a:endParaRPr>
-            </a:p>
-          </p:txBody>
-        </p:sp>
-      </p:grpSp>
-    </p:spTree>
-    <p:extLst>
-      <p:ext uri="{BB962C8B-B14F-4D97-AF65-F5344CB8AC3E}">
-        <p14:creationId xmlns:p14="http://schemas.microsoft.com/office/powerpoint/2010/main" val="3702347902"/>
-      </p:ext>
-    </p:extLst>
-  </p:cSld>
-  <p:clrMapOvr>
-    <a:masterClrMapping/>
-  </p:clrMapOvr>
-  <p:timing>
-    <p:tnLst>
-      <p:par>
-        <p:cTn id="1" dur="indefinite" restart="never" nodeType="tmRoot"/>
-      </p:par>
-    </p:tnLst>
-  </p:timing>
-</p:sld>
-</file>
-
-<file path=ppt/slides/slide13.xml><?xml version="1.0" encoding="utf-8"?>
+<file path=ppt/slides/slide11.xml><?xml version="1.0" encoding="utf-8"?>
 <p:sld xmlns:a="http://schemas.openxmlformats.org/drawingml/2006/main" xmlns:r="http://schemas.openxmlformats.org/officeDocument/2006/relationships" xmlns:p="http://schemas.openxmlformats.org/presentationml/2006/main">
   <p:cSld>
     <p:spTree>
@@ -4442,205 +4029,214 @@
       </p:grpSpPr>
       <p:grpSp>
         <p:nvGrpSpPr>
-          <p:cNvPr id="2" name="Group 1"/>
+          <p:cNvPr id="4" name="Group 3"/>
           <p:cNvGrpSpPr/>
           <p:nvPr/>
         </p:nvGrpSpPr>
         <p:grpSpPr>
           <a:xfrm>
-            <a:off x="569078" y="433654"/>
-            <a:ext cx="7708147" cy="3452699"/>
-            <a:chOff x="569078" y="433654"/>
-            <a:chExt cx="7708147" cy="3452699"/>
+            <a:off x="226178" y="-297772"/>
+            <a:ext cx="8051047" cy="7555747"/>
+            <a:chOff x="226178" y="-297772"/>
+            <a:chExt cx="8051047" cy="7555747"/>
           </a:xfrm>
         </p:grpSpPr>
-        <p:pic>
-          <p:nvPicPr>
-            <p:cNvPr id="13" name="Picture 12"/>
-            <p:cNvPicPr>
-              <a:picLocks noChangeAspect="1"/>
-            </p:cNvPicPr>
+        <p:grpSp>
+          <p:nvGrpSpPr>
+            <p:cNvPr id="2" name="Group 1"/>
+            <p:cNvGrpSpPr/>
             <p:nvPr/>
-          </p:nvPicPr>
-          <p:blipFill>
-            <a:blip r:embed="rId2" cstate="hqprint">
+          </p:nvGrpSpPr>
+          <p:grpSpPr>
+            <a:xfrm>
+              <a:off x="569078" y="1093703"/>
+              <a:ext cx="7708147" cy="3452699"/>
+              <a:chOff x="569078" y="433654"/>
+              <a:chExt cx="7708147" cy="3452699"/>
+            </a:xfrm>
+          </p:grpSpPr>
+          <p:pic>
+            <p:nvPicPr>
+              <p:cNvPr id="13" name="Picture 12"/>
+              <p:cNvPicPr>
+                <a:picLocks noChangeAspect="1"/>
+              </p:cNvPicPr>
+              <p:nvPr/>
+            </p:nvPicPr>
+            <p:blipFill>
+              <a:blip r:embed="rId2" cstate="print">
+                <a:extLst>
+                  <a:ext uri="{28A0092B-C50C-407E-A947-70E740481C1C}">
+                    <a14:useLocalDpi xmlns:a14="http://schemas.microsoft.com/office/drawing/2010/main" val="0"/>
+                  </a:ext>
+                </a:extLst>
+              </a:blip>
+              <a:stretch>
+                <a:fillRect/>
+              </a:stretch>
+            </p:blipFill>
+            <p:spPr>
+              <a:xfrm>
+                <a:off x="2552802" y="433654"/>
+                <a:ext cx="1870349" cy="2035796"/>
+              </a:xfrm>
+              <a:prstGeom prst="rect">
+                <a:avLst/>
+              </a:prstGeom>
+              <a:noFill/>
+              <a:ln>
+                <a:noFill/>
+              </a:ln>
+            </p:spPr>
+          </p:pic>
+          <p:sp>
+            <p:nvSpPr>
+              <p:cNvPr id="6" name="TextBox 5">
+                <a:extLst>
+                  <a:ext uri="{FF2B5EF4-FFF2-40B4-BE49-F238E27FC236}">
+                    <a16:creationId xmlns:a16="http://schemas.microsoft.com/office/drawing/2014/main" id="{03E543EE-9D45-0E84-BBDF-F53D4E3F3461}"/>
+                  </a:ext>
+                </a:extLst>
+              </p:cNvPr>
+              <p:cNvSpPr txBox="1"/>
+              <p:nvPr/>
+            </p:nvSpPr>
+            <p:spPr>
+              <a:xfrm>
+                <a:off x="569078" y="1850557"/>
+                <a:ext cx="7708147" cy="1938992"/>
+              </a:xfrm>
+              <a:prstGeom prst="rect">
+                <a:avLst/>
+              </a:prstGeom>
+              <a:noFill/>
+            </p:spPr>
+            <p:txBody>
+              <a:bodyPr wrap="square" rtlCol="0">
+                <a:spAutoFit/>
+              </a:bodyPr>
+              <a:lstStyle/>
+              <a:p>
+                <a:r>
+                  <a:rPr lang="en-US" sz="12000" dirty="0" err="1" smtClean="0">
+                    <a:solidFill>
+                      <a:srgbClr val="B5292F"/>
+                    </a:solidFill>
+                    <a:latin typeface=".VnBodoni" panose="020B7200000000000000" pitchFamily="34" charset="0"/>
+                  </a:rPr>
+                  <a:t>BomBig</a:t>
+                </a:r>
+                <a:endParaRPr lang="en-US" sz="12000" dirty="0">
+                  <a:solidFill>
+                    <a:srgbClr val="B5292F"/>
+                  </a:solidFill>
+                  <a:latin typeface=".VnBodoni" panose="020B7200000000000000" pitchFamily="34" charset="0"/>
+                </a:endParaRPr>
+              </a:p>
+            </p:txBody>
+          </p:sp>
+          <p:sp>
+            <p:nvSpPr>
+              <p:cNvPr id="8" name="TextBox 7">
+                <a:extLst>
+                  <a:ext uri="{FF2B5EF4-FFF2-40B4-BE49-F238E27FC236}">
+                    <a16:creationId xmlns:a16="http://schemas.microsoft.com/office/drawing/2014/main" id="{7E1D8D22-5B5E-ADA3-6AB5-76CC9922C173}"/>
+                  </a:ext>
+                </a:extLst>
+              </p:cNvPr>
+              <p:cNvSpPr txBox="1"/>
+              <p:nvPr/>
+            </p:nvSpPr>
+            <p:spPr>
+              <a:xfrm>
+                <a:off x="3269621" y="3301578"/>
+                <a:ext cx="3126177" cy="584775"/>
+              </a:xfrm>
+              <a:prstGeom prst="rect">
+                <a:avLst/>
+              </a:prstGeom>
+              <a:noFill/>
+            </p:spPr>
+            <p:txBody>
+              <a:bodyPr wrap="none" rtlCol="0">
+                <a:spAutoFit/>
+              </a:bodyPr>
+              <a:lstStyle/>
+              <a:p>
+                <a:r>
+                  <a:rPr lang="en-US" sz="3200" dirty="0" smtClean="0">
+                    <a:solidFill>
+                      <a:srgbClr val="B5292F"/>
+                    </a:solidFill>
+                    <a:latin typeface=".VnBodoni" panose="020B7200000000000000" pitchFamily="34" charset="0"/>
+                  </a:rPr>
+                  <a:t>Sexy All Day</a:t>
+                </a:r>
+                <a:endParaRPr lang="en-US" sz="3200" dirty="0">
+                  <a:solidFill>
+                    <a:srgbClr val="B5292F"/>
+                  </a:solidFill>
+                  <a:latin typeface=".VnBodoni" panose="020B7200000000000000" pitchFamily="34" charset="0"/>
+                </a:endParaRPr>
+              </a:p>
+            </p:txBody>
+          </p:sp>
+        </p:grpSp>
+        <p:sp>
+          <p:nvSpPr>
+            <p:cNvPr id="12" name="Oval 11">
               <a:extLst>
-                <a:ext uri="{28A0092B-C50C-407E-A947-70E740481C1C}">
-                  <a14:useLocalDpi xmlns:a14="http://schemas.microsoft.com/office/drawing/2010/main" val="0"/>
+                <a:ext uri="{FF2B5EF4-FFF2-40B4-BE49-F238E27FC236}">
+                  <a16:creationId xmlns:a16="http://schemas.microsoft.com/office/drawing/2014/main" id="{8749CE16-9F32-9064-81C4-96E69F1C86BD}"/>
                 </a:ext>
               </a:extLst>
-            </a:blip>
-            <a:stretch>
-              <a:fillRect/>
-            </a:stretch>
-          </p:blipFill>
+            </p:cNvPr>
+            <p:cNvSpPr/>
+            <p:nvPr/>
+          </p:nvSpPr>
           <p:spPr>
             <a:xfrm>
-              <a:off x="2552802" y="433654"/>
-              <a:ext cx="1870349" cy="2035795"/>
+              <a:off x="226178" y="-297772"/>
+              <a:ext cx="7555747" cy="7555747"/>
             </a:xfrm>
-            <a:prstGeom prst="rect">
+            <a:prstGeom prst="ellipse">
               <a:avLst/>
             </a:prstGeom>
             <a:noFill/>
             <a:ln>
-              <a:noFill/>
+              <a:solidFill>
+                <a:srgbClr val="B5292F"/>
+              </a:solidFill>
             </a:ln>
           </p:spPr>
-        </p:pic>
-        <p:sp>
-          <p:nvSpPr>
-            <p:cNvPr id="6" name="TextBox 5">
-              <a:extLst>
-                <a:ext uri="{FF2B5EF4-FFF2-40B4-BE49-F238E27FC236}">
-                  <a16:creationId xmlns:a16="http://schemas.microsoft.com/office/drawing/2014/main" id="{03E543EE-9D45-0E84-BBDF-F53D4E3F3461}"/>
-                </a:ext>
-              </a:extLst>
-            </p:cNvPr>
-            <p:cNvSpPr txBox="1"/>
-            <p:nvPr/>
-          </p:nvSpPr>
-          <p:spPr>
-            <a:xfrm>
-              <a:off x="569078" y="1850557"/>
-              <a:ext cx="7708147" cy="1938992"/>
-            </a:xfrm>
-            <a:prstGeom prst="rect">
-              <a:avLst/>
-            </a:prstGeom>
-            <a:noFill/>
-          </p:spPr>
+          <p:style>
+            <a:lnRef idx="2">
+              <a:schemeClr val="accent2"/>
+            </a:lnRef>
+            <a:fillRef idx="1">
+              <a:schemeClr val="lt1"/>
+            </a:fillRef>
+            <a:effectRef idx="0">
+              <a:schemeClr val="accent2"/>
+            </a:effectRef>
+            <a:fontRef idx="minor">
+              <a:schemeClr val="dk1"/>
+            </a:fontRef>
+          </p:style>
           <p:txBody>
-            <a:bodyPr wrap="square" rtlCol="0">
-              <a:spAutoFit/>
-            </a:bodyPr>
+            <a:bodyPr rtlCol="0" anchor="ctr"/>
             <a:lstStyle/>
             <a:p>
-              <a:r>
-                <a:rPr lang="en-US" sz="12000" dirty="0" err="1" smtClean="0">
-                  <a:solidFill>
-                    <a:srgbClr val="FFB6E2"/>
-                  </a:solidFill>
-                  <a:latin typeface=".VnBodoni" panose="020B7200000000000000" pitchFamily="34" charset="0"/>
-                </a:rPr>
-                <a:t>BomBig</a:t>
-              </a:r>
-              <a:endParaRPr lang="en-US" sz="12000" dirty="0">
-                <a:solidFill>
-                  <a:srgbClr val="FFB6E2"/>
-                </a:solidFill>
-                <a:latin typeface=".VnBodoni" panose="020B7200000000000000" pitchFamily="34" charset="0"/>
-              </a:endParaRPr>
-            </a:p>
-          </p:txBody>
-        </p:sp>
-        <p:sp>
-          <p:nvSpPr>
-            <p:cNvPr id="8" name="TextBox 7">
-              <a:extLst>
-                <a:ext uri="{FF2B5EF4-FFF2-40B4-BE49-F238E27FC236}">
-                  <a16:creationId xmlns:a16="http://schemas.microsoft.com/office/drawing/2014/main" id="{7E1D8D22-5B5E-ADA3-6AB5-76CC9922C173}"/>
-                </a:ext>
-              </a:extLst>
-            </p:cNvPr>
-            <p:cNvSpPr txBox="1"/>
-            <p:nvPr/>
-          </p:nvSpPr>
-          <p:spPr>
-            <a:xfrm>
-              <a:off x="3269621" y="3301578"/>
-              <a:ext cx="3126177" cy="584775"/>
-            </a:xfrm>
-            <a:prstGeom prst="rect">
-              <a:avLst/>
-            </a:prstGeom>
-            <a:noFill/>
-          </p:spPr>
-          <p:txBody>
-            <a:bodyPr wrap="none" rtlCol="0">
-              <a:spAutoFit/>
-            </a:bodyPr>
-            <a:lstStyle/>
-            <a:p>
-              <a:r>
-                <a:rPr lang="en-US" sz="3200" dirty="0" smtClean="0">
-                  <a:solidFill>
-                    <a:srgbClr val="FFB6E2"/>
-                  </a:solidFill>
-                  <a:latin typeface=".VnBodoni" panose="020B7200000000000000" pitchFamily="34" charset="0"/>
-                </a:rPr>
-                <a:t>Sexy All Day</a:t>
-              </a:r>
-              <a:endParaRPr lang="en-US" sz="3200" dirty="0">
-                <a:solidFill>
-                  <a:srgbClr val="FFB6E2"/>
-                </a:solidFill>
-                <a:latin typeface=".VnBodoni" panose="020B7200000000000000" pitchFamily="34" charset="0"/>
-              </a:endParaRPr>
+              <a:pPr algn="ctr"/>
+              <a:endParaRPr lang="en-US"/>
             </a:p>
           </p:txBody>
         </p:sp>
       </p:grpSp>
-      <p:sp>
-        <p:nvSpPr>
-          <p:cNvPr id="3" name="Rectangle 2"/>
-          <p:cNvSpPr/>
-          <p:nvPr/>
-        </p:nvSpPr>
-        <p:spPr>
-          <a:xfrm>
-            <a:off x="8672343" y="2635387"/>
-            <a:ext cx="934615" cy="369332"/>
-          </a:xfrm>
-          <a:prstGeom prst="rect">
-            <a:avLst/>
-          </a:prstGeom>
-        </p:spPr>
-        <p:txBody>
-          <a:bodyPr wrap="none">
-            <a:spAutoFit/>
-          </a:bodyPr>
-          <a:lstStyle/>
-          <a:p>
-            <a:r>
-              <a:rPr lang="en-US" dirty="0"/>
-              <a:t>#fcb4e3</a:t>
-            </a:r>
-          </a:p>
-        </p:txBody>
-      </p:sp>
-      <p:sp>
-        <p:nvSpPr>
-          <p:cNvPr id="7" name="Rectangle 6"/>
-          <p:cNvSpPr/>
-          <p:nvPr/>
-        </p:nvSpPr>
-        <p:spPr>
-          <a:xfrm>
-            <a:off x="7491243" y="598786"/>
-            <a:ext cx="4486613" cy="369332"/>
-          </a:xfrm>
-          <a:prstGeom prst="rect">
-            <a:avLst/>
-          </a:prstGeom>
-        </p:spPr>
-        <p:txBody>
-          <a:bodyPr wrap="none">
-            <a:spAutoFit/>
-          </a:bodyPr>
-          <a:lstStyle/>
-          <a:p>
-            <a:r>
-              <a:rPr lang="en-US" dirty="0"/>
-              <a:t>https://onlinepngtools.com/change-png-color</a:t>
-            </a:r>
-          </a:p>
-        </p:txBody>
-      </p:sp>
     </p:spTree>
     <p:extLst>
       <p:ext uri="{BB962C8B-B14F-4D97-AF65-F5344CB8AC3E}">
-        <p14:creationId xmlns:p14="http://schemas.microsoft.com/office/powerpoint/2010/main" val="850656789"/>
+        <p14:creationId xmlns:p14="http://schemas.microsoft.com/office/powerpoint/2010/main" val="2402202301"/>
       </p:ext>
     </p:extLst>
   </p:cSld>
@@ -4657,215 +4253,7 @@
 </p:sld>
 </file>
 
-<file path=ppt/slides/slide14.xml><?xml version="1.0" encoding="utf-8"?>
-<p:sld xmlns:a="http://schemas.openxmlformats.org/drawingml/2006/main" xmlns:r="http://schemas.openxmlformats.org/officeDocument/2006/relationships" xmlns:p="http://schemas.openxmlformats.org/presentationml/2006/main">
-  <p:cSld>
-    <p:spTree>
-      <p:nvGrpSpPr>
-        <p:cNvPr id="1" name=""/>
-        <p:cNvGrpSpPr/>
-        <p:nvPr/>
-      </p:nvGrpSpPr>
-      <p:grpSpPr>
-        <a:xfrm>
-          <a:off x="0" y="0"/>
-          <a:ext cx="0" cy="0"/>
-          <a:chOff x="0" y="0"/>
-          <a:chExt cx="0" cy="0"/>
-        </a:xfrm>
-      </p:grpSpPr>
-      <p:pic>
-        <p:nvPicPr>
-          <p:cNvPr id="6" name="Picture 5"/>
-          <p:cNvPicPr>
-            <a:picLocks noChangeAspect="1"/>
-          </p:cNvPicPr>
-          <p:nvPr/>
-        </p:nvPicPr>
-        <p:blipFill>
-          <a:blip r:embed="rId2">
-            <a:extLst>
-              <a:ext uri="{28A0092B-C50C-407E-A947-70E740481C1C}">
-                <a14:useLocalDpi xmlns:a14="http://schemas.microsoft.com/office/drawing/2010/main" val="0"/>
-              </a:ext>
-            </a:extLst>
-          </a:blip>
-          <a:stretch>
-            <a:fillRect/>
-          </a:stretch>
-        </p:blipFill>
-        <p:spPr>
-          <a:xfrm flipH="1">
-            <a:off x="-1107833" y="-813435"/>
-            <a:ext cx="14633333" cy="9722020"/>
-          </a:xfrm>
-          <a:prstGeom prst="rect">
-            <a:avLst/>
-          </a:prstGeom>
-        </p:spPr>
-      </p:pic>
-      <p:grpSp>
-        <p:nvGrpSpPr>
-          <p:cNvPr id="8" name="Group 7"/>
-          <p:cNvGrpSpPr/>
-          <p:nvPr/>
-        </p:nvGrpSpPr>
-        <p:grpSpPr>
-          <a:xfrm>
-            <a:off x="5213233" y="1501854"/>
-            <a:ext cx="7708147" cy="3369976"/>
-            <a:chOff x="569078" y="516377"/>
-            <a:chExt cx="7708147" cy="3369976"/>
-          </a:xfrm>
-        </p:grpSpPr>
-        <p:pic>
-          <p:nvPicPr>
-            <p:cNvPr id="9" name="Picture 8"/>
-            <p:cNvPicPr>
-              <a:picLocks noChangeAspect="1"/>
-            </p:cNvPicPr>
-            <p:nvPr/>
-          </p:nvPicPr>
-          <p:blipFill>
-            <a:blip r:embed="rId3" cstate="hqprint">
-              <a:extLst>
-                <a:ext uri="{28A0092B-C50C-407E-A947-70E740481C1C}">
-                  <a14:useLocalDpi xmlns:a14="http://schemas.microsoft.com/office/drawing/2010/main" val="0"/>
-                </a:ext>
-              </a:extLst>
-            </a:blip>
-            <a:stretch>
-              <a:fillRect/>
-            </a:stretch>
-          </p:blipFill>
-          <p:spPr>
-            <a:xfrm>
-              <a:off x="2552802" y="516377"/>
-              <a:ext cx="1870349" cy="1870349"/>
-            </a:xfrm>
-            <a:prstGeom prst="rect">
-              <a:avLst/>
-            </a:prstGeom>
-            <a:noFill/>
-            <a:ln>
-              <a:noFill/>
-            </a:ln>
-          </p:spPr>
-        </p:pic>
-        <p:sp>
-          <p:nvSpPr>
-            <p:cNvPr id="10" name="TextBox 9">
-              <a:extLst>
-                <a:ext uri="{FF2B5EF4-FFF2-40B4-BE49-F238E27FC236}">
-                  <a16:creationId xmlns:a16="http://schemas.microsoft.com/office/drawing/2014/main" id="{03E543EE-9D45-0E84-BBDF-F53D4E3F3461}"/>
-                </a:ext>
-              </a:extLst>
-            </p:cNvPr>
-            <p:cNvSpPr txBox="1"/>
-            <p:nvPr/>
-          </p:nvSpPr>
-          <p:spPr>
-            <a:xfrm>
-              <a:off x="569078" y="1850557"/>
-              <a:ext cx="7708147" cy="1938992"/>
-            </a:xfrm>
-            <a:prstGeom prst="rect">
-              <a:avLst/>
-            </a:prstGeom>
-            <a:noFill/>
-          </p:spPr>
-          <p:txBody>
-            <a:bodyPr wrap="square" rtlCol="0">
-              <a:spAutoFit/>
-            </a:bodyPr>
-            <a:lstStyle/>
-            <a:p>
-              <a:r>
-                <a:rPr lang="en-US" sz="12000" dirty="0" err="1" smtClean="0">
-                  <a:solidFill>
-                    <a:srgbClr val="14C7AF"/>
-                  </a:solidFill>
-                  <a:latin typeface=".VnBodoni" panose="020B7200000000000000" pitchFamily="34" charset="0"/>
-                </a:rPr>
-                <a:t>BomBig</a:t>
-              </a:r>
-              <a:endParaRPr lang="en-US" sz="12000" dirty="0">
-                <a:solidFill>
-                  <a:srgbClr val="14C7AF"/>
-                </a:solidFill>
-                <a:latin typeface=".VnBodoni" panose="020B7200000000000000" pitchFamily="34" charset="0"/>
-              </a:endParaRPr>
-            </a:p>
-          </p:txBody>
-        </p:sp>
-        <p:sp>
-          <p:nvSpPr>
-            <p:cNvPr id="11" name="TextBox 10">
-              <a:extLst>
-                <a:ext uri="{FF2B5EF4-FFF2-40B4-BE49-F238E27FC236}">
-                  <a16:creationId xmlns:a16="http://schemas.microsoft.com/office/drawing/2014/main" id="{7E1D8D22-5B5E-ADA3-6AB5-76CC9922C173}"/>
-                </a:ext>
-              </a:extLst>
-            </p:cNvPr>
-            <p:cNvSpPr txBox="1"/>
-            <p:nvPr/>
-          </p:nvSpPr>
-          <p:spPr>
-            <a:xfrm>
-              <a:off x="3269621" y="3301578"/>
-              <a:ext cx="3126177" cy="584775"/>
-            </a:xfrm>
-            <a:prstGeom prst="rect">
-              <a:avLst/>
-            </a:prstGeom>
-            <a:noFill/>
-          </p:spPr>
-          <p:txBody>
-            <a:bodyPr wrap="none" rtlCol="0">
-              <a:spAutoFit/>
-            </a:bodyPr>
-            <a:lstStyle/>
-            <a:p>
-              <a:r>
-                <a:rPr lang="en-US" sz="3200" dirty="0" smtClean="0">
-                  <a:solidFill>
-                    <a:srgbClr val="14C7AF"/>
-                  </a:solidFill>
-                  <a:latin typeface=".VnBodoni" panose="020B7200000000000000" pitchFamily="34" charset="0"/>
-                </a:rPr>
-                <a:t>Sexy All Day</a:t>
-              </a:r>
-              <a:endParaRPr lang="en-US" sz="3200" dirty="0">
-                <a:solidFill>
-                  <a:srgbClr val="14C7AF"/>
-                </a:solidFill>
-                <a:latin typeface=".VnBodoni" panose="020B7200000000000000" pitchFamily="34" charset="0"/>
-              </a:endParaRPr>
-            </a:p>
-          </p:txBody>
-        </p:sp>
-      </p:grpSp>
-    </p:spTree>
-    <p:extLst>
-      <p:ext uri="{BB962C8B-B14F-4D97-AF65-F5344CB8AC3E}">
-        <p14:creationId xmlns:p14="http://schemas.microsoft.com/office/powerpoint/2010/main" val="2126304194"/>
-      </p:ext>
-    </p:extLst>
-  </p:cSld>
-  <p:clrMapOvr>
-    <a:masterClrMapping/>
-  </p:clrMapOvr>
-  <p:timing>
-    <p:tnLst>
-      <p:par>
-        <p:cTn id="1" dur="indefinite" restart="never" nodeType="tmRoot"/>
-      </p:par>
-    </p:tnLst>
-  </p:timing>
-</p:sld>
-</file>
-
-<file path=ppt/slides/slide2.xml><?xml version="1.0" encoding="utf-8"?>
+<file path=ppt/slides/slide12.xml><?xml version="1.0" encoding="utf-8"?>
 <p:sld xmlns:a="http://schemas.openxmlformats.org/drawingml/2006/main" xmlns:r="http://schemas.openxmlformats.org/officeDocument/2006/relationships" xmlns:p="http://schemas.openxmlformats.org/presentationml/2006/main">
   <p:cSld>
     <p:spTree>
@@ -5077,7 +4465,7 @@
 </p:sld>
 </file>
 
-<file path=ppt/slides/slide3.xml><?xml version="1.0" encoding="utf-8"?>
+<file path=ppt/slides/slide13.xml><?xml version="1.0" encoding="utf-8"?>
 <p:sld xmlns:a="http://schemas.openxmlformats.org/drawingml/2006/main" xmlns:r="http://schemas.openxmlformats.org/officeDocument/2006/relationships" xmlns:p="http://schemas.openxmlformats.org/presentationml/2006/main">
   <p:cSld>
     <p:spTree>
@@ -5294,7 +4682,7 @@
 </p:sld>
 </file>
 
-<file path=ppt/slides/slide4.xml><?xml version="1.0" encoding="utf-8"?>
+<file path=ppt/slides/slide14.xml><?xml version="1.0" encoding="utf-8"?>
 <p:sld xmlns:a="http://schemas.openxmlformats.org/drawingml/2006/main" xmlns:r="http://schemas.openxmlformats.org/officeDocument/2006/relationships" xmlns:p="http://schemas.openxmlformats.org/presentationml/2006/main">
   <p:cSld>
     <p:spTree>
@@ -5532,7 +4920,7 @@
 </p:sld>
 </file>
 
-<file path=ppt/slides/slide5.xml><?xml version="1.0" encoding="utf-8"?>
+<file path=ppt/slides/slide15.xml><?xml version="1.0" encoding="utf-8"?>
 <p:sld xmlns:a="http://schemas.openxmlformats.org/drawingml/2006/main" xmlns:r="http://schemas.openxmlformats.org/officeDocument/2006/relationships" xmlns:p="http://schemas.openxmlformats.org/presentationml/2006/main">
   <p:cSld>
     <p:spTree>
@@ -5780,7 +5168,7 @@
 </p:sld>
 </file>
 
-<file path=ppt/slides/slide6.xml><?xml version="1.0" encoding="utf-8"?>
+<file path=ppt/slides/slide16.xml><?xml version="1.0" encoding="utf-8"?>
 <p:sld xmlns:a="http://schemas.openxmlformats.org/drawingml/2006/main" xmlns:r="http://schemas.openxmlformats.org/officeDocument/2006/relationships" xmlns:p="http://schemas.openxmlformats.org/presentationml/2006/main">
   <p:cSld>
     <p:spTree>
@@ -6031,7 +5419,7 @@
 </p:sld>
 </file>
 
-<file path=ppt/slides/slide7.xml><?xml version="1.0" encoding="utf-8"?>
+<file path=ppt/slides/slide17.xml><?xml version="1.0" encoding="utf-8"?>
 <p:sld xmlns:a="http://schemas.openxmlformats.org/drawingml/2006/main" xmlns:r="http://schemas.openxmlformats.org/officeDocument/2006/relationships" xmlns:p="http://schemas.openxmlformats.org/presentationml/2006/main">
   <p:cSld>
     <p:spTree>
@@ -6204,7 +5592,772 @@
 </p:sld>
 </file>
 
-<file path=ppt/slides/slide8.xml><?xml version="1.0" encoding="utf-8"?>
+<file path=ppt/slides/slide18.xml><?xml version="1.0" encoding="utf-8"?>
+<p:sld xmlns:a="http://schemas.openxmlformats.org/drawingml/2006/main" xmlns:r="http://schemas.openxmlformats.org/officeDocument/2006/relationships" xmlns:p="http://schemas.openxmlformats.org/presentationml/2006/main">
+  <p:cSld>
+    <p:spTree>
+      <p:nvGrpSpPr>
+        <p:cNvPr id="1" name=""/>
+        <p:cNvGrpSpPr/>
+        <p:nvPr/>
+      </p:nvGrpSpPr>
+      <p:grpSpPr>
+        <a:xfrm>
+          <a:off x="0" y="0"/>
+          <a:ext cx="0" cy="0"/>
+          <a:chOff x="0" y="0"/>
+          <a:chExt cx="0" cy="0"/>
+        </a:xfrm>
+      </p:grpSpPr>
+      <p:pic>
+        <p:nvPicPr>
+          <p:cNvPr id="6" name="Picture 5"/>
+          <p:cNvPicPr>
+            <a:picLocks noChangeAspect="1"/>
+          </p:cNvPicPr>
+          <p:nvPr/>
+        </p:nvPicPr>
+        <p:blipFill>
+          <a:blip r:embed="rId2">
+            <a:extLst>
+              <a:ext uri="{28A0092B-C50C-407E-A947-70E740481C1C}">
+                <a14:useLocalDpi xmlns:a14="http://schemas.microsoft.com/office/drawing/2010/main" val="0"/>
+              </a:ext>
+            </a:extLst>
+          </a:blip>
+          <a:stretch>
+            <a:fillRect/>
+          </a:stretch>
+        </p:blipFill>
+        <p:spPr>
+          <a:xfrm flipH="1">
+            <a:off x="-1107833" y="-813435"/>
+            <a:ext cx="14633333" cy="9722020"/>
+          </a:xfrm>
+          <a:prstGeom prst="rect">
+            <a:avLst/>
+          </a:prstGeom>
+        </p:spPr>
+      </p:pic>
+      <p:grpSp>
+        <p:nvGrpSpPr>
+          <p:cNvPr id="8" name="Group 7"/>
+          <p:cNvGrpSpPr/>
+          <p:nvPr/>
+        </p:nvGrpSpPr>
+        <p:grpSpPr>
+          <a:xfrm>
+            <a:off x="5213233" y="1501854"/>
+            <a:ext cx="7708147" cy="3369976"/>
+            <a:chOff x="569078" y="516377"/>
+            <a:chExt cx="7708147" cy="3369976"/>
+          </a:xfrm>
+        </p:grpSpPr>
+        <p:pic>
+          <p:nvPicPr>
+            <p:cNvPr id="9" name="Picture 8"/>
+            <p:cNvPicPr>
+              <a:picLocks noChangeAspect="1"/>
+            </p:cNvPicPr>
+            <p:nvPr/>
+          </p:nvPicPr>
+          <p:blipFill>
+            <a:blip r:embed="rId3" cstate="hqprint">
+              <a:extLst>
+                <a:ext uri="{28A0092B-C50C-407E-A947-70E740481C1C}">
+                  <a14:useLocalDpi xmlns:a14="http://schemas.microsoft.com/office/drawing/2010/main" val="0"/>
+                </a:ext>
+              </a:extLst>
+            </a:blip>
+            <a:stretch>
+              <a:fillRect/>
+            </a:stretch>
+          </p:blipFill>
+          <p:spPr>
+            <a:xfrm>
+              <a:off x="2552802" y="516377"/>
+              <a:ext cx="1870349" cy="1870349"/>
+            </a:xfrm>
+            <a:prstGeom prst="rect">
+              <a:avLst/>
+            </a:prstGeom>
+            <a:noFill/>
+            <a:ln>
+              <a:noFill/>
+            </a:ln>
+          </p:spPr>
+        </p:pic>
+        <p:sp>
+          <p:nvSpPr>
+            <p:cNvPr id="10" name="TextBox 9">
+              <a:extLst>
+                <a:ext uri="{FF2B5EF4-FFF2-40B4-BE49-F238E27FC236}">
+                  <a16:creationId xmlns:a16="http://schemas.microsoft.com/office/drawing/2014/main" id="{03E543EE-9D45-0E84-BBDF-F53D4E3F3461}"/>
+                </a:ext>
+              </a:extLst>
+            </p:cNvPr>
+            <p:cNvSpPr txBox="1"/>
+            <p:nvPr/>
+          </p:nvSpPr>
+          <p:spPr>
+            <a:xfrm>
+              <a:off x="569078" y="1850557"/>
+              <a:ext cx="7708147" cy="1938992"/>
+            </a:xfrm>
+            <a:prstGeom prst="rect">
+              <a:avLst/>
+            </a:prstGeom>
+            <a:noFill/>
+          </p:spPr>
+          <p:txBody>
+            <a:bodyPr wrap="square" rtlCol="0">
+              <a:spAutoFit/>
+            </a:bodyPr>
+            <a:lstStyle/>
+            <a:p>
+              <a:r>
+                <a:rPr lang="en-US" sz="12000" dirty="0" err="1" smtClean="0">
+                  <a:solidFill>
+                    <a:srgbClr val="14C7AF"/>
+                  </a:solidFill>
+                  <a:latin typeface=".VnBodoni" panose="020B7200000000000000" pitchFamily="34" charset="0"/>
+                </a:rPr>
+                <a:t>BomBig</a:t>
+              </a:r>
+              <a:endParaRPr lang="en-US" sz="12000" dirty="0">
+                <a:solidFill>
+                  <a:srgbClr val="14C7AF"/>
+                </a:solidFill>
+                <a:latin typeface=".VnBodoni" panose="020B7200000000000000" pitchFamily="34" charset="0"/>
+              </a:endParaRPr>
+            </a:p>
+          </p:txBody>
+        </p:sp>
+        <p:sp>
+          <p:nvSpPr>
+            <p:cNvPr id="11" name="TextBox 10">
+              <a:extLst>
+                <a:ext uri="{FF2B5EF4-FFF2-40B4-BE49-F238E27FC236}">
+                  <a16:creationId xmlns:a16="http://schemas.microsoft.com/office/drawing/2014/main" id="{7E1D8D22-5B5E-ADA3-6AB5-76CC9922C173}"/>
+                </a:ext>
+              </a:extLst>
+            </p:cNvPr>
+            <p:cNvSpPr txBox="1"/>
+            <p:nvPr/>
+          </p:nvSpPr>
+          <p:spPr>
+            <a:xfrm>
+              <a:off x="3269621" y="3301578"/>
+              <a:ext cx="3126177" cy="584775"/>
+            </a:xfrm>
+            <a:prstGeom prst="rect">
+              <a:avLst/>
+            </a:prstGeom>
+            <a:noFill/>
+          </p:spPr>
+          <p:txBody>
+            <a:bodyPr wrap="none" rtlCol="0">
+              <a:spAutoFit/>
+            </a:bodyPr>
+            <a:lstStyle/>
+            <a:p>
+              <a:r>
+                <a:rPr lang="en-US" sz="3200" dirty="0" smtClean="0">
+                  <a:solidFill>
+                    <a:srgbClr val="14C7AF"/>
+                  </a:solidFill>
+                  <a:latin typeface=".VnBodoni" panose="020B7200000000000000" pitchFamily="34" charset="0"/>
+                </a:rPr>
+                <a:t>Sexy All Day</a:t>
+              </a:r>
+              <a:endParaRPr lang="en-US" sz="3200" dirty="0">
+                <a:solidFill>
+                  <a:srgbClr val="14C7AF"/>
+                </a:solidFill>
+                <a:latin typeface=".VnBodoni" panose="020B7200000000000000" pitchFamily="34" charset="0"/>
+              </a:endParaRPr>
+            </a:p>
+          </p:txBody>
+        </p:sp>
+      </p:grpSp>
+    </p:spTree>
+    <p:extLst>
+      <p:ext uri="{BB962C8B-B14F-4D97-AF65-F5344CB8AC3E}">
+        <p14:creationId xmlns:p14="http://schemas.microsoft.com/office/powerpoint/2010/main" val="2126304194"/>
+      </p:ext>
+    </p:extLst>
+  </p:cSld>
+  <p:clrMapOvr>
+    <a:masterClrMapping/>
+  </p:clrMapOvr>
+  <p:timing>
+    <p:tnLst>
+      <p:par>
+        <p:cTn id="1" dur="indefinite" restart="never" nodeType="tmRoot"/>
+      </p:par>
+    </p:tnLst>
+  </p:timing>
+</p:sld>
+</file>
+
+<file path=ppt/slides/slide2.xml><?xml version="1.0" encoding="utf-8"?>
+<p:sld xmlns:a="http://schemas.openxmlformats.org/drawingml/2006/main" xmlns:r="http://schemas.openxmlformats.org/officeDocument/2006/relationships" xmlns:p="http://schemas.openxmlformats.org/presentationml/2006/main">
+  <p:cSld>
+    <p:spTree>
+      <p:nvGrpSpPr>
+        <p:cNvPr id="1" name=""/>
+        <p:cNvGrpSpPr/>
+        <p:nvPr/>
+      </p:nvGrpSpPr>
+      <p:grpSpPr>
+        <a:xfrm>
+          <a:off x="0" y="0"/>
+          <a:ext cx="0" cy="0"/>
+          <a:chOff x="0" y="0"/>
+          <a:chExt cx="0" cy="0"/>
+        </a:xfrm>
+      </p:grpSpPr>
+      <p:sp>
+        <p:nvSpPr>
+          <p:cNvPr id="10" name="Rectangle 9"/>
+          <p:cNvSpPr/>
+          <p:nvPr/>
+        </p:nvSpPr>
+        <p:spPr>
+          <a:xfrm>
+            <a:off x="7599879" y="6488668"/>
+            <a:ext cx="4486613" cy="369332"/>
+          </a:xfrm>
+          <a:prstGeom prst="rect">
+            <a:avLst/>
+          </a:prstGeom>
+        </p:spPr>
+        <p:txBody>
+          <a:bodyPr wrap="none">
+            <a:spAutoFit/>
+          </a:bodyPr>
+          <a:lstStyle/>
+          <a:p>
+            <a:r>
+              <a:rPr lang="en-US" dirty="0"/>
+              <a:t>https://onlinepngtools.com/change-png-color</a:t>
+            </a:r>
+          </a:p>
+        </p:txBody>
+      </p:sp>
+      <p:grpSp>
+        <p:nvGrpSpPr>
+          <p:cNvPr id="2" name="Group 1"/>
+          <p:cNvGrpSpPr/>
+          <p:nvPr/>
+        </p:nvGrpSpPr>
+        <p:grpSpPr>
+          <a:xfrm>
+            <a:off x="569078" y="1093703"/>
+            <a:ext cx="7708147" cy="3452699"/>
+            <a:chOff x="569078" y="433654"/>
+            <a:chExt cx="7708147" cy="3452699"/>
+          </a:xfrm>
+        </p:grpSpPr>
+        <p:pic>
+          <p:nvPicPr>
+            <p:cNvPr id="13" name="Picture 12"/>
+            <p:cNvPicPr>
+              <a:picLocks noChangeAspect="1"/>
+            </p:cNvPicPr>
+            <p:nvPr/>
+          </p:nvPicPr>
+          <p:blipFill>
+            <a:blip r:embed="rId2" cstate="hqprint">
+              <a:extLst>
+                <a:ext uri="{28A0092B-C50C-407E-A947-70E740481C1C}">
+                  <a14:useLocalDpi xmlns:a14="http://schemas.microsoft.com/office/drawing/2010/main" val="0"/>
+                </a:ext>
+              </a:extLst>
+            </a:blip>
+            <a:stretch>
+              <a:fillRect/>
+            </a:stretch>
+          </p:blipFill>
+          <p:spPr>
+            <a:xfrm>
+              <a:off x="2552802" y="433654"/>
+              <a:ext cx="1870348" cy="2035795"/>
+            </a:xfrm>
+            <a:prstGeom prst="rect">
+              <a:avLst/>
+            </a:prstGeom>
+            <a:noFill/>
+            <a:ln>
+              <a:noFill/>
+            </a:ln>
+          </p:spPr>
+        </p:pic>
+        <p:sp>
+          <p:nvSpPr>
+            <p:cNvPr id="6" name="TextBox 5">
+              <a:extLst>
+                <a:ext uri="{FF2B5EF4-FFF2-40B4-BE49-F238E27FC236}">
+                  <a16:creationId xmlns:a16="http://schemas.microsoft.com/office/drawing/2014/main" id="{03E543EE-9D45-0E84-BBDF-F53D4E3F3461}"/>
+                </a:ext>
+              </a:extLst>
+            </p:cNvPr>
+            <p:cNvSpPr txBox="1"/>
+            <p:nvPr/>
+          </p:nvSpPr>
+          <p:spPr>
+            <a:xfrm>
+              <a:off x="569078" y="1850557"/>
+              <a:ext cx="7708147" cy="1938992"/>
+            </a:xfrm>
+            <a:prstGeom prst="rect">
+              <a:avLst/>
+            </a:prstGeom>
+            <a:noFill/>
+          </p:spPr>
+          <p:txBody>
+            <a:bodyPr wrap="square" rtlCol="0">
+              <a:spAutoFit/>
+            </a:bodyPr>
+            <a:lstStyle/>
+            <a:p>
+              <a:r>
+                <a:rPr lang="en-US" sz="12000" dirty="0" err="1" smtClean="0">
+                  <a:solidFill>
+                    <a:srgbClr val="8F85F6"/>
+                  </a:solidFill>
+                  <a:latin typeface=".VnBodoni" panose="020B7200000000000000" pitchFamily="34" charset="0"/>
+                </a:rPr>
+                <a:t>BomBig</a:t>
+              </a:r>
+              <a:endParaRPr lang="en-US" sz="12000" dirty="0">
+                <a:solidFill>
+                  <a:srgbClr val="8F85F6"/>
+                </a:solidFill>
+                <a:latin typeface=".VnBodoni" panose="020B7200000000000000" pitchFamily="34" charset="0"/>
+              </a:endParaRPr>
+            </a:p>
+          </p:txBody>
+        </p:sp>
+        <p:sp>
+          <p:nvSpPr>
+            <p:cNvPr id="8" name="TextBox 7">
+              <a:extLst>
+                <a:ext uri="{FF2B5EF4-FFF2-40B4-BE49-F238E27FC236}">
+                  <a16:creationId xmlns:a16="http://schemas.microsoft.com/office/drawing/2014/main" id="{7E1D8D22-5B5E-ADA3-6AB5-76CC9922C173}"/>
+                </a:ext>
+              </a:extLst>
+            </p:cNvPr>
+            <p:cNvSpPr txBox="1"/>
+            <p:nvPr/>
+          </p:nvSpPr>
+          <p:spPr>
+            <a:xfrm>
+              <a:off x="3269621" y="3301578"/>
+              <a:ext cx="3126177" cy="584775"/>
+            </a:xfrm>
+            <a:prstGeom prst="rect">
+              <a:avLst/>
+            </a:prstGeom>
+            <a:noFill/>
+          </p:spPr>
+          <p:txBody>
+            <a:bodyPr wrap="none" rtlCol="0">
+              <a:spAutoFit/>
+            </a:bodyPr>
+            <a:lstStyle/>
+            <a:p>
+              <a:r>
+                <a:rPr lang="en-US" sz="3200" dirty="0" smtClean="0">
+                  <a:solidFill>
+                    <a:srgbClr val="8F85F6"/>
+                  </a:solidFill>
+                  <a:latin typeface=".VnBodoni" panose="020B7200000000000000" pitchFamily="34" charset="0"/>
+                </a:rPr>
+                <a:t>Sexy All Day</a:t>
+              </a:r>
+              <a:endParaRPr lang="en-US" sz="3200" dirty="0">
+                <a:solidFill>
+                  <a:srgbClr val="8F85F6"/>
+                </a:solidFill>
+                <a:latin typeface=".VnBodoni" panose="020B7200000000000000" pitchFamily="34" charset="0"/>
+              </a:endParaRPr>
+            </a:p>
+          </p:txBody>
+        </p:sp>
+      </p:grpSp>
+      <p:pic>
+        <p:nvPicPr>
+          <p:cNvPr id="4" name="Picture 3"/>
+          <p:cNvPicPr>
+            <a:picLocks noChangeAspect="1"/>
+          </p:cNvPicPr>
+          <p:nvPr/>
+        </p:nvPicPr>
+        <p:blipFill>
+          <a:blip r:embed="rId3"/>
+          <a:stretch>
+            <a:fillRect/>
+          </a:stretch>
+        </p:blipFill>
+        <p:spPr>
+          <a:xfrm rot="5400000">
+            <a:off x="9552473" y="4047887"/>
+            <a:ext cx="2850588" cy="1850545"/>
+          </a:xfrm>
+          <a:prstGeom prst="rect">
+            <a:avLst/>
+          </a:prstGeom>
+        </p:spPr>
+      </p:pic>
+      <p:sp>
+        <p:nvSpPr>
+          <p:cNvPr id="7" name="Rectangle 6"/>
+          <p:cNvSpPr/>
+          <p:nvPr/>
+        </p:nvSpPr>
+        <p:spPr>
+          <a:xfrm>
+            <a:off x="8535230" y="2948760"/>
+            <a:ext cx="3656770" cy="369332"/>
+          </a:xfrm>
+          <a:prstGeom prst="rect">
+            <a:avLst/>
+          </a:prstGeom>
+        </p:spPr>
+        <p:txBody>
+          <a:bodyPr wrap="none">
+            <a:spAutoFit/>
+          </a:bodyPr>
+          <a:lstStyle/>
+          <a:p>
+            <a:r>
+              <a:rPr lang="vi-VN" dirty="0"/>
+              <a:t>Bảng màu tím mộng mơ, trẻ trung</a:t>
+            </a:r>
+            <a:endParaRPr lang="en-US" dirty="0"/>
+          </a:p>
+        </p:txBody>
+      </p:sp>
+    </p:spTree>
+    <p:extLst>
+      <p:ext uri="{BB962C8B-B14F-4D97-AF65-F5344CB8AC3E}">
+        <p14:creationId xmlns:p14="http://schemas.microsoft.com/office/powerpoint/2010/main" val="3091624889"/>
+      </p:ext>
+    </p:extLst>
+  </p:cSld>
+  <p:clrMapOvr>
+    <a:masterClrMapping/>
+  </p:clrMapOvr>
+  <p:timing>
+    <p:tnLst>
+      <p:par>
+        <p:cTn id="1" dur="indefinite" restart="never" nodeType="tmRoot"/>
+      </p:par>
+    </p:tnLst>
+  </p:timing>
+</p:sld>
+</file>
+
+<file path=ppt/slides/slide3.xml><?xml version="1.0" encoding="utf-8"?>
+<p:sld xmlns:a="http://schemas.openxmlformats.org/drawingml/2006/main" xmlns:r="http://schemas.openxmlformats.org/officeDocument/2006/relationships" xmlns:p="http://schemas.openxmlformats.org/presentationml/2006/main">
+  <p:cSld>
+    <p:spTree>
+      <p:nvGrpSpPr>
+        <p:cNvPr id="1" name=""/>
+        <p:cNvGrpSpPr/>
+        <p:nvPr/>
+      </p:nvGrpSpPr>
+      <p:grpSpPr>
+        <a:xfrm>
+          <a:off x="0" y="0"/>
+          <a:ext cx="0" cy="0"/>
+          <a:chOff x="0" y="0"/>
+          <a:chExt cx="0" cy="0"/>
+        </a:xfrm>
+      </p:grpSpPr>
+      <p:sp>
+        <p:nvSpPr>
+          <p:cNvPr id="10" name="Rectangle 9"/>
+          <p:cNvSpPr/>
+          <p:nvPr/>
+        </p:nvSpPr>
+        <p:spPr>
+          <a:xfrm>
+            <a:off x="7599879" y="6488668"/>
+            <a:ext cx="4486613" cy="369332"/>
+          </a:xfrm>
+          <a:prstGeom prst="rect">
+            <a:avLst/>
+          </a:prstGeom>
+        </p:spPr>
+        <p:txBody>
+          <a:bodyPr wrap="none">
+            <a:spAutoFit/>
+          </a:bodyPr>
+          <a:lstStyle/>
+          <a:p>
+            <a:r>
+              <a:rPr lang="en-US" dirty="0"/>
+              <a:t>https://onlinepngtools.com/change-png-color</a:t>
+            </a:r>
+          </a:p>
+        </p:txBody>
+      </p:sp>
+      <p:grpSp>
+        <p:nvGrpSpPr>
+          <p:cNvPr id="2" name="Group 1"/>
+          <p:cNvGrpSpPr/>
+          <p:nvPr/>
+        </p:nvGrpSpPr>
+        <p:grpSpPr>
+          <a:xfrm>
+            <a:off x="569078" y="1093703"/>
+            <a:ext cx="7708147" cy="3452699"/>
+            <a:chOff x="569078" y="433654"/>
+            <a:chExt cx="7708147" cy="3452699"/>
+          </a:xfrm>
+        </p:grpSpPr>
+        <p:pic>
+          <p:nvPicPr>
+            <p:cNvPr id="13" name="Picture 12"/>
+            <p:cNvPicPr>
+              <a:picLocks noChangeAspect="1"/>
+            </p:cNvPicPr>
+            <p:nvPr/>
+          </p:nvPicPr>
+          <p:blipFill>
+            <a:blip r:embed="rId2" cstate="hqprint">
+              <a:extLst>
+                <a:ext uri="{28A0092B-C50C-407E-A947-70E740481C1C}">
+                  <a14:useLocalDpi xmlns:a14="http://schemas.microsoft.com/office/drawing/2010/main" val="0"/>
+                </a:ext>
+              </a:extLst>
+            </a:blip>
+            <a:stretch>
+              <a:fillRect/>
+            </a:stretch>
+          </p:blipFill>
+          <p:spPr>
+            <a:xfrm>
+              <a:off x="2552802" y="433654"/>
+              <a:ext cx="1870348" cy="2035794"/>
+            </a:xfrm>
+            <a:prstGeom prst="rect">
+              <a:avLst/>
+            </a:prstGeom>
+            <a:noFill/>
+            <a:ln>
+              <a:noFill/>
+            </a:ln>
+          </p:spPr>
+        </p:pic>
+        <p:sp>
+          <p:nvSpPr>
+            <p:cNvPr id="6" name="TextBox 5">
+              <a:extLst>
+                <a:ext uri="{FF2B5EF4-FFF2-40B4-BE49-F238E27FC236}">
+                  <a16:creationId xmlns:a16="http://schemas.microsoft.com/office/drawing/2014/main" id="{03E543EE-9D45-0E84-BBDF-F53D4E3F3461}"/>
+                </a:ext>
+              </a:extLst>
+            </p:cNvPr>
+            <p:cNvSpPr txBox="1"/>
+            <p:nvPr/>
+          </p:nvSpPr>
+          <p:spPr>
+            <a:xfrm>
+              <a:off x="569078" y="1850557"/>
+              <a:ext cx="7708147" cy="1938992"/>
+            </a:xfrm>
+            <a:prstGeom prst="rect">
+              <a:avLst/>
+            </a:prstGeom>
+            <a:noFill/>
+          </p:spPr>
+          <p:txBody>
+            <a:bodyPr wrap="square" rtlCol="0">
+              <a:spAutoFit/>
+            </a:bodyPr>
+            <a:lstStyle/>
+            <a:p>
+              <a:r>
+                <a:rPr lang="en-US" sz="12000" dirty="0" err="1" smtClean="0">
+                  <a:solidFill>
+                    <a:srgbClr val="CEACA0"/>
+                  </a:solidFill>
+                  <a:latin typeface=".VnBodoni" panose="020B7200000000000000" pitchFamily="34" charset="0"/>
+                </a:rPr>
+                <a:t>BomBig</a:t>
+              </a:r>
+              <a:endParaRPr lang="en-US" sz="12000" dirty="0">
+                <a:solidFill>
+                  <a:srgbClr val="CEACA0"/>
+                </a:solidFill>
+                <a:latin typeface=".VnBodoni" panose="020B7200000000000000" pitchFamily="34" charset="0"/>
+              </a:endParaRPr>
+            </a:p>
+          </p:txBody>
+        </p:sp>
+        <p:sp>
+          <p:nvSpPr>
+            <p:cNvPr id="8" name="TextBox 7">
+              <a:extLst>
+                <a:ext uri="{FF2B5EF4-FFF2-40B4-BE49-F238E27FC236}">
+                  <a16:creationId xmlns:a16="http://schemas.microsoft.com/office/drawing/2014/main" id="{7E1D8D22-5B5E-ADA3-6AB5-76CC9922C173}"/>
+                </a:ext>
+              </a:extLst>
+            </p:cNvPr>
+            <p:cNvSpPr txBox="1"/>
+            <p:nvPr/>
+          </p:nvSpPr>
+          <p:spPr>
+            <a:xfrm>
+              <a:off x="3269621" y="3301578"/>
+              <a:ext cx="3126177" cy="584775"/>
+            </a:xfrm>
+            <a:prstGeom prst="rect">
+              <a:avLst/>
+            </a:prstGeom>
+            <a:noFill/>
+          </p:spPr>
+          <p:txBody>
+            <a:bodyPr wrap="none" rtlCol="0">
+              <a:spAutoFit/>
+            </a:bodyPr>
+            <a:lstStyle/>
+            <a:p>
+              <a:r>
+                <a:rPr lang="en-US" sz="3200" dirty="0" smtClean="0">
+                  <a:solidFill>
+                    <a:srgbClr val="E5CAC3"/>
+                  </a:solidFill>
+                  <a:latin typeface=".VnBodoni" panose="020B7200000000000000" pitchFamily="34" charset="0"/>
+                </a:rPr>
+                <a:t>Sexy All Day</a:t>
+              </a:r>
+              <a:endParaRPr lang="en-US" sz="3200" dirty="0">
+                <a:solidFill>
+                  <a:srgbClr val="E5CAC3"/>
+                </a:solidFill>
+                <a:latin typeface=".VnBodoni" panose="020B7200000000000000" pitchFamily="34" charset="0"/>
+              </a:endParaRPr>
+            </a:p>
+          </p:txBody>
+        </p:sp>
+      </p:grpSp>
+      <p:pic>
+        <p:nvPicPr>
+          <p:cNvPr id="3" name="Picture 2"/>
+          <p:cNvPicPr>
+            <a:picLocks noChangeAspect="1"/>
+          </p:cNvPicPr>
+          <p:nvPr/>
+        </p:nvPicPr>
+        <p:blipFill>
+          <a:blip r:embed="rId3"/>
+          <a:stretch>
+            <a:fillRect/>
+          </a:stretch>
+        </p:blipFill>
+        <p:spPr>
+          <a:xfrm rot="5400000">
+            <a:off x="9545902" y="3994719"/>
+            <a:ext cx="2863731" cy="1849688"/>
+          </a:xfrm>
+          <a:prstGeom prst="rect">
+            <a:avLst/>
+          </a:prstGeom>
+        </p:spPr>
+      </p:pic>
+      <p:sp>
+        <p:nvSpPr>
+          <p:cNvPr id="5" name="Rectangle 4"/>
+          <p:cNvSpPr/>
+          <p:nvPr/>
+        </p:nvSpPr>
+        <p:spPr>
+          <a:xfrm>
+            <a:off x="9420954" y="4069348"/>
+            <a:ext cx="2665538" cy="369332"/>
+          </a:xfrm>
+          <a:prstGeom prst="rect">
+            <a:avLst/>
+          </a:prstGeom>
+        </p:spPr>
+        <p:txBody>
+          <a:bodyPr wrap="none">
+            <a:spAutoFit/>
+          </a:bodyPr>
+          <a:lstStyle/>
+          <a:p>
+            <a:r>
+              <a:rPr lang="en-US" dirty="0"/>
+              <a:t>RGB(229,202,195) E5CAC3</a:t>
+            </a:r>
+          </a:p>
+        </p:txBody>
+      </p:sp>
+      <p:sp>
+        <p:nvSpPr>
+          <p:cNvPr id="7" name="Rectangle 6"/>
+          <p:cNvSpPr/>
+          <p:nvPr/>
+        </p:nvSpPr>
+        <p:spPr>
+          <a:xfrm>
+            <a:off x="10052923" y="3049746"/>
+            <a:ext cx="1654620" cy="369332"/>
+          </a:xfrm>
+          <a:prstGeom prst="rect">
+            <a:avLst/>
+          </a:prstGeom>
+        </p:spPr>
+        <p:txBody>
+          <a:bodyPr wrap="none">
+            <a:spAutoFit/>
+          </a:bodyPr>
+          <a:lstStyle/>
+          <a:p>
+            <a:r>
+              <a:rPr lang="en-US" dirty="0" err="1"/>
+              <a:t>Bảng</a:t>
+            </a:r>
+            <a:r>
+              <a:rPr lang="en-US" dirty="0"/>
+              <a:t> </a:t>
+            </a:r>
+            <a:r>
+              <a:rPr lang="en-US" dirty="0" err="1"/>
+              <a:t>màu</a:t>
+            </a:r>
+            <a:r>
+              <a:rPr lang="en-US" dirty="0"/>
+              <a:t> nude</a:t>
+            </a:r>
+          </a:p>
+        </p:txBody>
+      </p:sp>
+    </p:spTree>
+    <p:extLst>
+      <p:ext uri="{BB962C8B-B14F-4D97-AF65-F5344CB8AC3E}">
+        <p14:creationId xmlns:p14="http://schemas.microsoft.com/office/powerpoint/2010/main" val="626819904"/>
+      </p:ext>
+    </p:extLst>
+  </p:cSld>
+  <p:clrMapOvr>
+    <a:masterClrMapping/>
+  </p:clrMapOvr>
+  <p:timing>
+    <p:tnLst>
+      <p:par>
+        <p:cTn id="1" dur="indefinite" restart="never" nodeType="tmRoot"/>
+      </p:par>
+    </p:tnLst>
+  </p:timing>
+</p:sld>
+</file>
+
+<file path=ppt/slides/slide4.xml><?xml version="1.0" encoding="utf-8"?>
 <p:sld xmlns:a="http://schemas.openxmlformats.org/drawingml/2006/main" xmlns:r="http://schemas.openxmlformats.org/officeDocument/2006/relationships" xmlns:p="http://schemas.openxmlformats.org/presentationml/2006/main">
   <p:cSld>
     <p:spTree>
@@ -6272,7 +6425,392 @@
             <p:spPr>
               <a:xfrm>
                 <a:off x="2552802" y="433654"/>
-                <a:ext cx="1870349" cy="2035796"/>
+                <a:ext cx="1870348" cy="2035795"/>
+              </a:xfrm>
+              <a:prstGeom prst="rect">
+                <a:avLst/>
+              </a:prstGeom>
+              <a:noFill/>
+              <a:ln>
+                <a:noFill/>
+              </a:ln>
+            </p:spPr>
+          </p:pic>
+          <p:sp>
+            <p:nvSpPr>
+              <p:cNvPr id="6" name="TextBox 5">
+                <a:extLst>
+                  <a:ext uri="{FF2B5EF4-FFF2-40B4-BE49-F238E27FC236}">
+                    <a16:creationId xmlns:a16="http://schemas.microsoft.com/office/drawing/2014/main" id="{03E543EE-9D45-0E84-BBDF-F53D4E3F3461}"/>
+                  </a:ext>
+                </a:extLst>
+              </p:cNvPr>
+              <p:cNvSpPr txBox="1"/>
+              <p:nvPr/>
+            </p:nvSpPr>
+            <p:spPr>
+              <a:xfrm>
+                <a:off x="569078" y="1850557"/>
+                <a:ext cx="7708147" cy="1938992"/>
+              </a:xfrm>
+              <a:prstGeom prst="rect">
+                <a:avLst/>
+              </a:prstGeom>
+              <a:noFill/>
+            </p:spPr>
+            <p:txBody>
+              <a:bodyPr wrap="square" rtlCol="0">
+                <a:spAutoFit/>
+              </a:bodyPr>
+              <a:lstStyle/>
+              <a:p>
+                <a:r>
+                  <a:rPr lang="en-US" sz="12000" dirty="0" err="1" smtClean="0">
+                    <a:solidFill>
+                      <a:srgbClr val="14C7AF"/>
+                    </a:solidFill>
+                    <a:latin typeface=".VnBodoni" panose="020B7200000000000000" pitchFamily="34" charset="0"/>
+                  </a:rPr>
+                  <a:t>BomBig</a:t>
+                </a:r>
+                <a:endParaRPr lang="en-US" sz="12000" dirty="0">
+                  <a:solidFill>
+                    <a:srgbClr val="14C7AF"/>
+                  </a:solidFill>
+                  <a:latin typeface=".VnBodoni" panose="020B7200000000000000" pitchFamily="34" charset="0"/>
+                </a:endParaRPr>
+              </a:p>
+            </p:txBody>
+          </p:sp>
+          <p:sp>
+            <p:nvSpPr>
+              <p:cNvPr id="8" name="TextBox 7">
+                <a:extLst>
+                  <a:ext uri="{FF2B5EF4-FFF2-40B4-BE49-F238E27FC236}">
+                    <a16:creationId xmlns:a16="http://schemas.microsoft.com/office/drawing/2014/main" id="{7E1D8D22-5B5E-ADA3-6AB5-76CC9922C173}"/>
+                  </a:ext>
+                </a:extLst>
+              </p:cNvPr>
+              <p:cNvSpPr txBox="1"/>
+              <p:nvPr/>
+            </p:nvSpPr>
+            <p:spPr>
+              <a:xfrm>
+                <a:off x="3269621" y="3301578"/>
+                <a:ext cx="3126177" cy="584775"/>
+              </a:xfrm>
+              <a:prstGeom prst="rect">
+                <a:avLst/>
+              </a:prstGeom>
+              <a:noFill/>
+            </p:spPr>
+            <p:txBody>
+              <a:bodyPr wrap="none" rtlCol="0">
+                <a:spAutoFit/>
+              </a:bodyPr>
+              <a:lstStyle/>
+              <a:p>
+                <a:r>
+                  <a:rPr lang="en-US" sz="3200" dirty="0" smtClean="0">
+                    <a:solidFill>
+                      <a:srgbClr val="14C7AF"/>
+                    </a:solidFill>
+                    <a:latin typeface=".VnBodoni" panose="020B7200000000000000" pitchFamily="34" charset="0"/>
+                  </a:rPr>
+                  <a:t>Sexy All Day</a:t>
+                </a:r>
+                <a:endParaRPr lang="en-US" sz="3200" dirty="0">
+                  <a:solidFill>
+                    <a:srgbClr val="14C7AF"/>
+                  </a:solidFill>
+                  <a:latin typeface=".VnBodoni" panose="020B7200000000000000" pitchFamily="34" charset="0"/>
+                </a:endParaRPr>
+              </a:p>
+            </p:txBody>
+          </p:sp>
+        </p:grpSp>
+        <p:sp>
+          <p:nvSpPr>
+            <p:cNvPr id="12" name="Oval 11">
+              <a:extLst>
+                <a:ext uri="{FF2B5EF4-FFF2-40B4-BE49-F238E27FC236}">
+                  <a16:creationId xmlns:a16="http://schemas.microsoft.com/office/drawing/2014/main" id="{8749CE16-9F32-9064-81C4-96E69F1C86BD}"/>
+                </a:ext>
+              </a:extLst>
+            </p:cNvPr>
+            <p:cNvSpPr/>
+            <p:nvPr/>
+          </p:nvSpPr>
+          <p:spPr>
+            <a:xfrm>
+              <a:off x="226178" y="-297772"/>
+              <a:ext cx="7555747" cy="7555747"/>
+            </a:xfrm>
+            <a:prstGeom prst="ellipse">
+              <a:avLst/>
+            </a:prstGeom>
+            <a:noFill/>
+            <a:ln>
+              <a:noFill/>
+            </a:ln>
+          </p:spPr>
+          <p:style>
+            <a:lnRef idx="2">
+              <a:schemeClr val="accent2"/>
+            </a:lnRef>
+            <a:fillRef idx="1">
+              <a:schemeClr val="lt1"/>
+            </a:fillRef>
+            <a:effectRef idx="0">
+              <a:schemeClr val="accent2"/>
+            </a:effectRef>
+            <a:fontRef idx="minor">
+              <a:schemeClr val="dk1"/>
+            </a:fontRef>
+          </p:style>
+          <p:txBody>
+            <a:bodyPr rtlCol="0" anchor="ctr"/>
+            <a:lstStyle/>
+            <a:p>
+              <a:pPr algn="ctr"/>
+              <a:endParaRPr lang="en-US"/>
+            </a:p>
+          </p:txBody>
+        </p:sp>
+      </p:grpSp>
+      <p:sp>
+        <p:nvSpPr>
+          <p:cNvPr id="3" name="Rounded Rectangle 2"/>
+          <p:cNvSpPr/>
+          <p:nvPr/>
+        </p:nvSpPr>
+        <p:spPr>
+          <a:xfrm>
+            <a:off x="9566031" y="879231"/>
+            <a:ext cx="2259623" cy="2567354"/>
+          </a:xfrm>
+          <a:prstGeom prst="roundRect">
+            <a:avLst/>
+          </a:prstGeom>
+        </p:spPr>
+        <p:style>
+          <a:lnRef idx="1">
+            <a:schemeClr val="accent5"/>
+          </a:lnRef>
+          <a:fillRef idx="2">
+            <a:schemeClr val="accent5"/>
+          </a:fillRef>
+          <a:effectRef idx="1">
+            <a:schemeClr val="accent5"/>
+          </a:effectRef>
+          <a:fontRef idx="minor">
+            <a:schemeClr val="dk1"/>
+          </a:fontRef>
+        </p:style>
+        <p:txBody>
+          <a:bodyPr rtlCol="0" anchor="ctr"/>
+          <a:lstStyle/>
+          <a:p>
+            <a:r>
+              <a:rPr lang="en-US" dirty="0" err="1" smtClean="0"/>
+              <a:t>BomBig</a:t>
+            </a:r>
+            <a:r>
+              <a:rPr lang="en-US" dirty="0"/>
+              <a:t/>
+            </a:r>
+            <a:br>
+              <a:rPr lang="en-US" dirty="0"/>
+            </a:br>
+            <a:r>
+              <a:rPr lang="en-US" dirty="0"/>
+              <a:t>Font: .</a:t>
+            </a:r>
+            <a:r>
+              <a:rPr lang="en-US" dirty="0" err="1"/>
+              <a:t>VnBodoni</a:t>
+            </a:r>
+            <a:r>
+              <a:rPr lang="en-US" dirty="0" smtClean="0"/>
+              <a:t/>
+            </a:r>
+            <a:br>
+              <a:rPr lang="en-US" dirty="0" smtClean="0"/>
+            </a:br>
+            <a:r>
+              <a:rPr lang="en-US" dirty="0" smtClean="0"/>
+              <a:t>Size: 120</a:t>
+            </a:r>
+            <a:br>
+              <a:rPr lang="en-US" dirty="0" smtClean="0"/>
+            </a:br>
+            <a:r>
+              <a:rPr lang="en-US" dirty="0" smtClean="0"/>
+              <a:t/>
+            </a:r>
+            <a:br>
+              <a:rPr lang="en-US" dirty="0" smtClean="0"/>
+            </a:br>
+            <a:r>
+              <a:rPr lang="en-US" dirty="0" smtClean="0"/>
+              <a:t>Sexy All Day</a:t>
+            </a:r>
+            <a:r>
+              <a:rPr lang="en-US" dirty="0"/>
+              <a:t/>
+            </a:r>
+            <a:br>
+              <a:rPr lang="en-US" dirty="0"/>
+            </a:br>
+            <a:r>
+              <a:rPr lang="en-US" dirty="0"/>
+              <a:t>Font: .</a:t>
+            </a:r>
+            <a:r>
+              <a:rPr lang="en-US" dirty="0" err="1"/>
+              <a:t>VnBodoni</a:t>
+            </a:r>
+            <a:r>
+              <a:rPr lang="en-US" dirty="0"/>
+              <a:t/>
+            </a:r>
+            <a:br>
+              <a:rPr lang="en-US" dirty="0"/>
+            </a:br>
+            <a:r>
+              <a:rPr lang="en-US" dirty="0"/>
+              <a:t>Size: </a:t>
+            </a:r>
+            <a:r>
+              <a:rPr lang="en-US" dirty="0" smtClean="0"/>
+              <a:t>32</a:t>
+            </a:r>
+            <a:endParaRPr lang="en-US" dirty="0"/>
+          </a:p>
+          <a:p>
+            <a:endParaRPr lang="en-US" dirty="0"/>
+          </a:p>
+        </p:txBody>
+      </p:sp>
+      <p:pic>
+        <p:nvPicPr>
+          <p:cNvPr id="9" name="Picture 8"/>
+          <p:cNvPicPr>
+            <a:picLocks noChangeAspect="1"/>
+          </p:cNvPicPr>
+          <p:nvPr/>
+        </p:nvPicPr>
+        <p:blipFill>
+          <a:blip r:embed="rId3" cstate="hqprint">
+            <a:extLst>
+              <a:ext uri="{28A0092B-C50C-407E-A947-70E740481C1C}">
+                <a14:useLocalDpi xmlns:a14="http://schemas.microsoft.com/office/drawing/2010/main" val="0"/>
+              </a:ext>
+            </a:extLst>
+          </a:blip>
+          <a:stretch>
+            <a:fillRect/>
+          </a:stretch>
+        </p:blipFill>
+        <p:spPr>
+          <a:xfrm>
+            <a:off x="9378461" y="3812929"/>
+            <a:ext cx="2447193" cy="2447193"/>
+          </a:xfrm>
+          <a:prstGeom prst="rect">
+            <a:avLst/>
+          </a:prstGeom>
+        </p:spPr>
+      </p:pic>
+    </p:spTree>
+    <p:extLst>
+      <p:ext uri="{BB962C8B-B14F-4D97-AF65-F5344CB8AC3E}">
+        <p14:creationId xmlns:p14="http://schemas.microsoft.com/office/powerpoint/2010/main" val="699409700"/>
+      </p:ext>
+    </p:extLst>
+  </p:cSld>
+  <p:clrMapOvr>
+    <a:masterClrMapping/>
+  </p:clrMapOvr>
+  <p:timing>
+    <p:tnLst>
+      <p:par>
+        <p:cTn id="1" dur="indefinite" restart="never" nodeType="tmRoot"/>
+      </p:par>
+    </p:tnLst>
+  </p:timing>
+</p:sld>
+</file>
+
+<file path=ppt/slides/slide5.xml><?xml version="1.0" encoding="utf-8"?>
+<p:sld xmlns:a="http://schemas.openxmlformats.org/drawingml/2006/main" xmlns:r="http://schemas.openxmlformats.org/officeDocument/2006/relationships" xmlns:p="http://schemas.openxmlformats.org/presentationml/2006/main">
+  <p:cSld>
+    <p:spTree>
+      <p:nvGrpSpPr>
+        <p:cNvPr id="1" name=""/>
+        <p:cNvGrpSpPr/>
+        <p:nvPr/>
+      </p:nvGrpSpPr>
+      <p:grpSpPr>
+        <a:xfrm>
+          <a:off x="0" y="0"/>
+          <a:ext cx="0" cy="0"/>
+          <a:chOff x="0" y="0"/>
+          <a:chExt cx="0" cy="0"/>
+        </a:xfrm>
+      </p:grpSpPr>
+      <p:grpSp>
+        <p:nvGrpSpPr>
+          <p:cNvPr id="4" name="Group 3"/>
+          <p:cNvGrpSpPr/>
+          <p:nvPr/>
+        </p:nvGrpSpPr>
+        <p:grpSpPr>
+          <a:xfrm>
+            <a:off x="226178" y="-297772"/>
+            <a:ext cx="8051047" cy="7555747"/>
+            <a:chOff x="226178" y="-297772"/>
+            <a:chExt cx="8051047" cy="7555747"/>
+          </a:xfrm>
+        </p:grpSpPr>
+        <p:grpSp>
+          <p:nvGrpSpPr>
+            <p:cNvPr id="2" name="Group 1"/>
+            <p:cNvGrpSpPr/>
+            <p:nvPr/>
+          </p:nvGrpSpPr>
+          <p:grpSpPr>
+            <a:xfrm>
+              <a:off x="569078" y="1093703"/>
+              <a:ext cx="7708147" cy="3452699"/>
+              <a:chOff x="569078" y="433654"/>
+              <a:chExt cx="7708147" cy="3452699"/>
+            </a:xfrm>
+          </p:grpSpPr>
+          <p:pic>
+            <p:nvPicPr>
+              <p:cNvPr id="13" name="Picture 12"/>
+              <p:cNvPicPr>
+                <a:picLocks noChangeAspect="1"/>
+              </p:cNvPicPr>
+              <p:nvPr/>
+            </p:nvPicPr>
+            <p:blipFill>
+              <a:blip r:embed="rId2" cstate="print">
+                <a:extLst>
+                  <a:ext uri="{28A0092B-C50C-407E-A947-70E740481C1C}">
+                    <a14:useLocalDpi xmlns:a14="http://schemas.microsoft.com/office/drawing/2010/main" val="0"/>
+                  </a:ext>
+                </a:extLst>
+              </a:blip>
+              <a:stretch>
+                <a:fillRect/>
+              </a:stretch>
+            </p:blipFill>
+            <p:spPr>
+              <a:xfrm>
+                <a:off x="2552802" y="433654"/>
+                <a:ext cx="1870348" cy="2035795"/>
               </a:xfrm>
               <a:prstGeom prst="rect">
                 <a:avLst/>
@@ -6398,9 +6936,7 @@
             </a:prstGeom>
             <a:noFill/>
             <a:ln>
-              <a:solidFill>
-                <a:srgbClr val="B5292F"/>
-              </a:solidFill>
+              <a:noFill/>
             </a:ln>
           </p:spPr>
           <p:style>
@@ -6427,10 +6963,154 @@
           </p:txBody>
         </p:sp>
       </p:grpSp>
+      <p:sp>
+        <p:nvSpPr>
+          <p:cNvPr id="3" name="Rounded Rectangle 2"/>
+          <p:cNvSpPr/>
+          <p:nvPr/>
+        </p:nvSpPr>
+        <p:spPr>
+          <a:xfrm>
+            <a:off x="9566031" y="879231"/>
+            <a:ext cx="2259623" cy="2567354"/>
+          </a:xfrm>
+          <a:prstGeom prst="roundRect">
+            <a:avLst/>
+          </a:prstGeom>
+        </p:spPr>
+        <p:style>
+          <a:lnRef idx="1">
+            <a:schemeClr val="accent5"/>
+          </a:lnRef>
+          <a:fillRef idx="2">
+            <a:schemeClr val="accent5"/>
+          </a:fillRef>
+          <a:effectRef idx="1">
+            <a:schemeClr val="accent5"/>
+          </a:effectRef>
+          <a:fontRef idx="minor">
+            <a:schemeClr val="dk1"/>
+          </a:fontRef>
+        </p:style>
+        <p:txBody>
+          <a:bodyPr rtlCol="0" anchor="ctr"/>
+          <a:lstStyle/>
+          <a:p>
+            <a:r>
+              <a:rPr lang="en-US" dirty="0" err="1" smtClean="0"/>
+              <a:t>BomBig</a:t>
+            </a:r>
+            <a:r>
+              <a:rPr lang="en-US" dirty="0"/>
+              <a:t/>
+            </a:r>
+            <a:br>
+              <a:rPr lang="en-US" dirty="0"/>
+            </a:br>
+            <a:r>
+              <a:rPr lang="en-US" dirty="0"/>
+              <a:t>Font: .</a:t>
+            </a:r>
+            <a:r>
+              <a:rPr lang="en-US" dirty="0" err="1"/>
+              <a:t>VnBodoni</a:t>
+            </a:r>
+            <a:r>
+              <a:rPr lang="en-US" dirty="0" smtClean="0"/>
+              <a:t/>
+            </a:r>
+            <a:br>
+              <a:rPr lang="en-US" dirty="0" smtClean="0"/>
+            </a:br>
+            <a:r>
+              <a:rPr lang="en-US" dirty="0" smtClean="0"/>
+              <a:t>Size: 120</a:t>
+            </a:r>
+            <a:br>
+              <a:rPr lang="en-US" dirty="0" smtClean="0"/>
+            </a:br>
+            <a:r>
+              <a:rPr lang="en-US" dirty="0" smtClean="0"/>
+              <a:t/>
+            </a:r>
+            <a:br>
+              <a:rPr lang="en-US" dirty="0" smtClean="0"/>
+            </a:br>
+            <a:r>
+              <a:rPr lang="en-US" dirty="0" smtClean="0"/>
+              <a:t>Sexy All Day</a:t>
+            </a:r>
+            <a:r>
+              <a:rPr lang="en-US" dirty="0"/>
+              <a:t/>
+            </a:r>
+            <a:br>
+              <a:rPr lang="en-US" dirty="0"/>
+            </a:br>
+            <a:r>
+              <a:rPr lang="en-US" dirty="0"/>
+              <a:t>Font: .</a:t>
+            </a:r>
+            <a:r>
+              <a:rPr lang="en-US" dirty="0" err="1"/>
+              <a:t>VnBodoni</a:t>
+            </a:r>
+            <a:r>
+              <a:rPr lang="en-US" dirty="0"/>
+              <a:t/>
+            </a:r>
+            <a:br>
+              <a:rPr lang="en-US" dirty="0"/>
+            </a:br>
+            <a:r>
+              <a:rPr lang="en-US" dirty="0"/>
+              <a:t>Size: </a:t>
+            </a:r>
+            <a:r>
+              <a:rPr lang="en-US" dirty="0" smtClean="0"/>
+              <a:t>32</a:t>
+            </a:r>
+            <a:endParaRPr lang="en-US" dirty="0"/>
+          </a:p>
+          <a:p>
+            <a:endParaRPr lang="en-US" dirty="0"/>
+          </a:p>
+        </p:txBody>
+      </p:sp>
+      <p:pic>
+        <p:nvPicPr>
+          <p:cNvPr id="9" name="Picture 8"/>
+          <p:cNvPicPr>
+            <a:picLocks noChangeAspect="1"/>
+          </p:cNvPicPr>
+          <p:nvPr/>
+        </p:nvPicPr>
+        <p:blipFill>
+          <a:blip r:embed="rId3" cstate="hqprint">
+            <a:extLst>
+              <a:ext uri="{28A0092B-C50C-407E-A947-70E740481C1C}">
+                <a14:useLocalDpi xmlns:a14="http://schemas.microsoft.com/office/drawing/2010/main" val="0"/>
+              </a:ext>
+            </a:extLst>
+          </a:blip>
+          <a:stretch>
+            <a:fillRect/>
+          </a:stretch>
+        </p:blipFill>
+        <p:spPr>
+          <a:xfrm>
+            <a:off x="9378461" y="3812929"/>
+            <a:ext cx="2447193" cy="2447193"/>
+          </a:xfrm>
+          <a:prstGeom prst="rect">
+            <a:avLst/>
+          </a:prstGeom>
+        </p:spPr>
+      </p:pic>
     </p:spTree>
     <p:extLst>
       <p:ext uri="{BB962C8B-B14F-4D97-AF65-F5344CB8AC3E}">
-        <p14:creationId xmlns:p14="http://schemas.microsoft.com/office/powerpoint/2010/main" val="2402202301"/>
+        <p14:creationId xmlns:p14="http://schemas.microsoft.com/office/powerpoint/2010/main" val="2239280020"/>
       </p:ext>
     </p:extLst>
   </p:cSld>
@@ -6447,7 +7127,626 @@
 </p:sld>
 </file>
 
-<file path=ppt/slides/slide9.xml><?xml version="1.0" encoding="utf-8"?>
+<file path=ppt/slides/slide6.xml><?xml version="1.0" encoding="utf-8"?>
+<p:sld xmlns:a="http://schemas.openxmlformats.org/drawingml/2006/main" xmlns:r="http://schemas.openxmlformats.org/officeDocument/2006/relationships" xmlns:p="http://schemas.openxmlformats.org/presentationml/2006/main">
+  <p:cSld>
+    <p:spTree>
+      <p:nvGrpSpPr>
+        <p:cNvPr id="1" name=""/>
+        <p:cNvGrpSpPr/>
+        <p:nvPr/>
+      </p:nvGrpSpPr>
+      <p:grpSpPr>
+        <a:xfrm>
+          <a:off x="0" y="0"/>
+          <a:ext cx="0" cy="0"/>
+          <a:chOff x="0" y="0"/>
+          <a:chExt cx="0" cy="0"/>
+        </a:xfrm>
+      </p:grpSpPr>
+      <p:grpSp>
+        <p:nvGrpSpPr>
+          <p:cNvPr id="4" name="Group 3"/>
+          <p:cNvGrpSpPr/>
+          <p:nvPr/>
+        </p:nvGrpSpPr>
+        <p:grpSpPr>
+          <a:xfrm>
+            <a:off x="226178" y="-297772"/>
+            <a:ext cx="8051047" cy="7555747"/>
+            <a:chOff x="226178" y="-297772"/>
+            <a:chExt cx="8051047" cy="7555747"/>
+          </a:xfrm>
+        </p:grpSpPr>
+        <p:grpSp>
+          <p:nvGrpSpPr>
+            <p:cNvPr id="2" name="Group 1"/>
+            <p:cNvGrpSpPr/>
+            <p:nvPr/>
+          </p:nvGrpSpPr>
+          <p:grpSpPr>
+            <a:xfrm>
+              <a:off x="569078" y="1093703"/>
+              <a:ext cx="7708147" cy="3452699"/>
+              <a:chOff x="569078" y="433654"/>
+              <a:chExt cx="7708147" cy="3452699"/>
+            </a:xfrm>
+          </p:grpSpPr>
+          <p:pic>
+            <p:nvPicPr>
+              <p:cNvPr id="13" name="Picture 12"/>
+              <p:cNvPicPr>
+                <a:picLocks noChangeAspect="1"/>
+              </p:cNvPicPr>
+              <p:nvPr/>
+            </p:nvPicPr>
+            <p:blipFill>
+              <a:blip r:embed="rId2" cstate="print">
+                <a:extLst>
+                  <a:ext uri="{28A0092B-C50C-407E-A947-70E740481C1C}">
+                    <a14:useLocalDpi xmlns:a14="http://schemas.microsoft.com/office/drawing/2010/main" val="0"/>
+                  </a:ext>
+                </a:extLst>
+              </a:blip>
+              <a:stretch>
+                <a:fillRect/>
+              </a:stretch>
+            </p:blipFill>
+            <p:spPr>
+              <a:xfrm>
+                <a:off x="2552802" y="433654"/>
+                <a:ext cx="1870348" cy="2035795"/>
+              </a:xfrm>
+              <a:prstGeom prst="rect">
+                <a:avLst/>
+              </a:prstGeom>
+              <a:noFill/>
+              <a:ln>
+                <a:noFill/>
+              </a:ln>
+            </p:spPr>
+          </p:pic>
+          <p:sp>
+            <p:nvSpPr>
+              <p:cNvPr id="6" name="TextBox 5">
+                <a:extLst>
+                  <a:ext uri="{FF2B5EF4-FFF2-40B4-BE49-F238E27FC236}">
+                    <a16:creationId xmlns:a16="http://schemas.microsoft.com/office/drawing/2014/main" id="{03E543EE-9D45-0E84-BBDF-F53D4E3F3461}"/>
+                  </a:ext>
+                </a:extLst>
+              </p:cNvPr>
+              <p:cNvSpPr txBox="1"/>
+              <p:nvPr/>
+            </p:nvSpPr>
+            <p:spPr>
+              <a:xfrm>
+                <a:off x="569078" y="1850557"/>
+                <a:ext cx="7708147" cy="1938992"/>
+              </a:xfrm>
+              <a:prstGeom prst="rect">
+                <a:avLst/>
+              </a:prstGeom>
+              <a:noFill/>
+            </p:spPr>
+            <p:txBody>
+              <a:bodyPr wrap="square" rtlCol="0">
+                <a:spAutoFit/>
+              </a:bodyPr>
+              <a:lstStyle/>
+              <a:p>
+                <a:r>
+                  <a:rPr lang="en-US" sz="12000" dirty="0" err="1" smtClean="0">
+                    <a:solidFill>
+                      <a:srgbClr val="B5292F"/>
+                    </a:solidFill>
+                    <a:latin typeface=".VnBodoni" panose="020B7200000000000000" pitchFamily="34" charset="0"/>
+                  </a:rPr>
+                  <a:t>BomBig</a:t>
+                </a:r>
+                <a:endParaRPr lang="en-US" sz="12000" dirty="0">
+                  <a:solidFill>
+                    <a:srgbClr val="B5292F"/>
+                  </a:solidFill>
+                  <a:latin typeface=".VnBodoni" panose="020B7200000000000000" pitchFamily="34" charset="0"/>
+                </a:endParaRPr>
+              </a:p>
+            </p:txBody>
+          </p:sp>
+          <p:sp>
+            <p:nvSpPr>
+              <p:cNvPr id="8" name="TextBox 7">
+                <a:extLst>
+                  <a:ext uri="{FF2B5EF4-FFF2-40B4-BE49-F238E27FC236}">
+                    <a16:creationId xmlns:a16="http://schemas.microsoft.com/office/drawing/2014/main" id="{7E1D8D22-5B5E-ADA3-6AB5-76CC9922C173}"/>
+                  </a:ext>
+                </a:extLst>
+              </p:cNvPr>
+              <p:cNvSpPr txBox="1"/>
+              <p:nvPr/>
+            </p:nvSpPr>
+            <p:spPr>
+              <a:xfrm>
+                <a:off x="3269621" y="3301578"/>
+                <a:ext cx="3126177" cy="584775"/>
+              </a:xfrm>
+              <a:prstGeom prst="rect">
+                <a:avLst/>
+              </a:prstGeom>
+              <a:noFill/>
+            </p:spPr>
+            <p:txBody>
+              <a:bodyPr wrap="none" rtlCol="0">
+                <a:spAutoFit/>
+              </a:bodyPr>
+              <a:lstStyle/>
+              <a:p>
+                <a:r>
+                  <a:rPr lang="en-US" sz="3200" dirty="0" smtClean="0">
+                    <a:solidFill>
+                      <a:srgbClr val="B5292F"/>
+                    </a:solidFill>
+                    <a:latin typeface=".VnBodoni" panose="020B7200000000000000" pitchFamily="34" charset="0"/>
+                  </a:rPr>
+                  <a:t>Sexy All Day</a:t>
+                </a:r>
+                <a:endParaRPr lang="en-US" sz="3200" dirty="0">
+                  <a:solidFill>
+                    <a:srgbClr val="B5292F"/>
+                  </a:solidFill>
+                  <a:latin typeface=".VnBodoni" panose="020B7200000000000000" pitchFamily="34" charset="0"/>
+                </a:endParaRPr>
+              </a:p>
+            </p:txBody>
+          </p:sp>
+        </p:grpSp>
+        <p:sp>
+          <p:nvSpPr>
+            <p:cNvPr id="12" name="Oval 11">
+              <a:extLst>
+                <a:ext uri="{FF2B5EF4-FFF2-40B4-BE49-F238E27FC236}">
+                  <a16:creationId xmlns:a16="http://schemas.microsoft.com/office/drawing/2014/main" id="{8749CE16-9F32-9064-81C4-96E69F1C86BD}"/>
+                </a:ext>
+              </a:extLst>
+            </p:cNvPr>
+            <p:cNvSpPr/>
+            <p:nvPr/>
+          </p:nvSpPr>
+          <p:spPr>
+            <a:xfrm>
+              <a:off x="226178" y="-297772"/>
+              <a:ext cx="7555747" cy="7555747"/>
+            </a:xfrm>
+            <a:prstGeom prst="ellipse">
+              <a:avLst/>
+            </a:prstGeom>
+            <a:noFill/>
+            <a:ln>
+              <a:noFill/>
+            </a:ln>
+          </p:spPr>
+          <p:style>
+            <a:lnRef idx="2">
+              <a:schemeClr val="accent2"/>
+            </a:lnRef>
+            <a:fillRef idx="1">
+              <a:schemeClr val="lt1"/>
+            </a:fillRef>
+            <a:effectRef idx="0">
+              <a:schemeClr val="accent2"/>
+            </a:effectRef>
+            <a:fontRef idx="minor">
+              <a:schemeClr val="dk1"/>
+            </a:fontRef>
+          </p:style>
+          <p:txBody>
+            <a:bodyPr rtlCol="0" anchor="ctr"/>
+            <a:lstStyle/>
+            <a:p>
+              <a:pPr algn="ctr"/>
+              <a:endParaRPr lang="en-US"/>
+            </a:p>
+          </p:txBody>
+        </p:sp>
+      </p:grpSp>
+      <p:sp>
+        <p:nvSpPr>
+          <p:cNvPr id="3" name="Rounded Rectangle 2"/>
+          <p:cNvSpPr/>
+          <p:nvPr/>
+        </p:nvSpPr>
+        <p:spPr>
+          <a:xfrm>
+            <a:off x="9566031" y="879231"/>
+            <a:ext cx="2259623" cy="2567354"/>
+          </a:xfrm>
+          <a:prstGeom prst="roundRect">
+            <a:avLst/>
+          </a:prstGeom>
+        </p:spPr>
+        <p:style>
+          <a:lnRef idx="1">
+            <a:schemeClr val="accent5"/>
+          </a:lnRef>
+          <a:fillRef idx="2">
+            <a:schemeClr val="accent5"/>
+          </a:fillRef>
+          <a:effectRef idx="1">
+            <a:schemeClr val="accent5"/>
+          </a:effectRef>
+          <a:fontRef idx="minor">
+            <a:schemeClr val="dk1"/>
+          </a:fontRef>
+        </p:style>
+        <p:txBody>
+          <a:bodyPr rtlCol="0" anchor="ctr"/>
+          <a:lstStyle/>
+          <a:p>
+            <a:r>
+              <a:rPr lang="en-US" dirty="0" err="1" smtClean="0"/>
+              <a:t>BomBig</a:t>
+            </a:r>
+            <a:r>
+              <a:rPr lang="en-US" dirty="0"/>
+              <a:t/>
+            </a:r>
+            <a:br>
+              <a:rPr lang="en-US" dirty="0"/>
+            </a:br>
+            <a:r>
+              <a:rPr lang="en-US" dirty="0"/>
+              <a:t>Font: .</a:t>
+            </a:r>
+            <a:r>
+              <a:rPr lang="en-US" dirty="0" err="1"/>
+              <a:t>VnBodoni</a:t>
+            </a:r>
+            <a:r>
+              <a:rPr lang="en-US" dirty="0" smtClean="0"/>
+              <a:t/>
+            </a:r>
+            <a:br>
+              <a:rPr lang="en-US" dirty="0" smtClean="0"/>
+            </a:br>
+            <a:r>
+              <a:rPr lang="en-US" dirty="0" smtClean="0"/>
+              <a:t>Size: 120</a:t>
+            </a:r>
+            <a:br>
+              <a:rPr lang="en-US" dirty="0" smtClean="0"/>
+            </a:br>
+            <a:r>
+              <a:rPr lang="en-US" dirty="0" smtClean="0"/>
+              <a:t/>
+            </a:r>
+            <a:br>
+              <a:rPr lang="en-US" dirty="0" smtClean="0"/>
+            </a:br>
+            <a:r>
+              <a:rPr lang="en-US" dirty="0" smtClean="0"/>
+              <a:t>Sexy All Day</a:t>
+            </a:r>
+            <a:r>
+              <a:rPr lang="en-US" dirty="0"/>
+              <a:t/>
+            </a:r>
+            <a:br>
+              <a:rPr lang="en-US" dirty="0"/>
+            </a:br>
+            <a:r>
+              <a:rPr lang="en-US" dirty="0"/>
+              <a:t>Font: .</a:t>
+            </a:r>
+            <a:r>
+              <a:rPr lang="en-US" dirty="0" err="1"/>
+              <a:t>VnBodoni</a:t>
+            </a:r>
+            <a:r>
+              <a:rPr lang="en-US" dirty="0"/>
+              <a:t/>
+            </a:r>
+            <a:br>
+              <a:rPr lang="en-US" dirty="0"/>
+            </a:br>
+            <a:r>
+              <a:rPr lang="en-US" dirty="0"/>
+              <a:t>Size: </a:t>
+            </a:r>
+            <a:r>
+              <a:rPr lang="en-US" dirty="0" smtClean="0"/>
+              <a:t>32</a:t>
+            </a:r>
+            <a:endParaRPr lang="en-US" dirty="0"/>
+          </a:p>
+          <a:p>
+            <a:endParaRPr lang="en-US" dirty="0"/>
+          </a:p>
+        </p:txBody>
+      </p:sp>
+      <p:pic>
+        <p:nvPicPr>
+          <p:cNvPr id="9" name="Picture 8"/>
+          <p:cNvPicPr>
+            <a:picLocks noChangeAspect="1"/>
+          </p:cNvPicPr>
+          <p:nvPr/>
+        </p:nvPicPr>
+        <p:blipFill>
+          <a:blip r:embed="rId3" cstate="hqprint">
+            <a:extLst>
+              <a:ext uri="{28A0092B-C50C-407E-A947-70E740481C1C}">
+                <a14:useLocalDpi xmlns:a14="http://schemas.microsoft.com/office/drawing/2010/main" val="0"/>
+              </a:ext>
+            </a:extLst>
+          </a:blip>
+          <a:stretch>
+            <a:fillRect/>
+          </a:stretch>
+        </p:blipFill>
+        <p:spPr>
+          <a:xfrm>
+            <a:off x="9378461" y="3812929"/>
+            <a:ext cx="2447193" cy="2447193"/>
+          </a:xfrm>
+          <a:prstGeom prst="rect">
+            <a:avLst/>
+          </a:prstGeom>
+        </p:spPr>
+      </p:pic>
+    </p:spTree>
+    <p:extLst>
+      <p:ext uri="{BB962C8B-B14F-4D97-AF65-F5344CB8AC3E}">
+        <p14:creationId xmlns:p14="http://schemas.microsoft.com/office/powerpoint/2010/main" val="2484359989"/>
+      </p:ext>
+    </p:extLst>
+  </p:cSld>
+  <p:clrMapOvr>
+    <a:masterClrMapping/>
+  </p:clrMapOvr>
+  <p:timing>
+    <p:tnLst>
+      <p:par>
+        <p:cTn id="1" dur="indefinite" restart="never" nodeType="tmRoot"/>
+      </p:par>
+    </p:tnLst>
+  </p:timing>
+</p:sld>
+</file>
+
+<file path=ppt/slides/slide7.xml><?xml version="1.0" encoding="utf-8"?>
+<p:sld xmlns:a="http://schemas.openxmlformats.org/drawingml/2006/main" xmlns:r="http://schemas.openxmlformats.org/officeDocument/2006/relationships" xmlns:p="http://schemas.openxmlformats.org/presentationml/2006/main">
+  <p:cSld>
+    <p:spTree>
+      <p:nvGrpSpPr>
+        <p:cNvPr id="1" name=""/>
+        <p:cNvGrpSpPr/>
+        <p:nvPr/>
+      </p:nvGrpSpPr>
+      <p:grpSpPr>
+        <a:xfrm>
+          <a:off x="0" y="0"/>
+          <a:ext cx="0" cy="0"/>
+          <a:chOff x="0" y="0"/>
+          <a:chExt cx="0" cy="0"/>
+        </a:xfrm>
+      </p:grpSpPr>
+      <p:grpSp>
+        <p:nvGrpSpPr>
+          <p:cNvPr id="2" name="Group 1"/>
+          <p:cNvGrpSpPr/>
+          <p:nvPr/>
+        </p:nvGrpSpPr>
+        <p:grpSpPr>
+          <a:xfrm>
+            <a:off x="569078" y="433654"/>
+            <a:ext cx="7708147" cy="3452699"/>
+            <a:chOff x="569078" y="433654"/>
+            <a:chExt cx="7708147" cy="3452699"/>
+          </a:xfrm>
+        </p:grpSpPr>
+        <p:pic>
+          <p:nvPicPr>
+            <p:cNvPr id="13" name="Picture 12"/>
+            <p:cNvPicPr>
+              <a:picLocks noChangeAspect="1"/>
+            </p:cNvPicPr>
+            <p:nvPr/>
+          </p:nvPicPr>
+          <p:blipFill>
+            <a:blip r:embed="rId2" cstate="hqprint">
+              <a:extLst>
+                <a:ext uri="{28A0092B-C50C-407E-A947-70E740481C1C}">
+                  <a14:useLocalDpi xmlns:a14="http://schemas.microsoft.com/office/drawing/2010/main" val="0"/>
+                </a:ext>
+              </a:extLst>
+            </a:blip>
+            <a:stretch>
+              <a:fillRect/>
+            </a:stretch>
+          </p:blipFill>
+          <p:spPr>
+            <a:xfrm>
+              <a:off x="2552802" y="433654"/>
+              <a:ext cx="1870349" cy="2035795"/>
+            </a:xfrm>
+            <a:prstGeom prst="rect">
+              <a:avLst/>
+            </a:prstGeom>
+            <a:noFill/>
+            <a:ln>
+              <a:noFill/>
+            </a:ln>
+          </p:spPr>
+        </p:pic>
+        <p:sp>
+          <p:nvSpPr>
+            <p:cNvPr id="6" name="TextBox 5">
+              <a:extLst>
+                <a:ext uri="{FF2B5EF4-FFF2-40B4-BE49-F238E27FC236}">
+                  <a16:creationId xmlns:a16="http://schemas.microsoft.com/office/drawing/2014/main" id="{03E543EE-9D45-0E84-BBDF-F53D4E3F3461}"/>
+                </a:ext>
+              </a:extLst>
+            </p:cNvPr>
+            <p:cNvSpPr txBox="1"/>
+            <p:nvPr/>
+          </p:nvSpPr>
+          <p:spPr>
+            <a:xfrm>
+              <a:off x="569078" y="1850557"/>
+              <a:ext cx="7708147" cy="1938992"/>
+            </a:xfrm>
+            <a:prstGeom prst="rect">
+              <a:avLst/>
+            </a:prstGeom>
+            <a:noFill/>
+          </p:spPr>
+          <p:txBody>
+            <a:bodyPr wrap="square" rtlCol="0">
+              <a:spAutoFit/>
+            </a:bodyPr>
+            <a:lstStyle/>
+            <a:p>
+              <a:r>
+                <a:rPr lang="en-US" sz="12000" dirty="0" err="1" smtClean="0">
+                  <a:solidFill>
+                    <a:srgbClr val="FFB6E2"/>
+                  </a:solidFill>
+                  <a:latin typeface=".VnBodoni" panose="020B7200000000000000" pitchFamily="34" charset="0"/>
+                </a:rPr>
+                <a:t>BomBig</a:t>
+              </a:r>
+              <a:endParaRPr lang="en-US" sz="12000" dirty="0">
+                <a:solidFill>
+                  <a:srgbClr val="FFB6E2"/>
+                </a:solidFill>
+                <a:latin typeface=".VnBodoni" panose="020B7200000000000000" pitchFamily="34" charset="0"/>
+              </a:endParaRPr>
+            </a:p>
+          </p:txBody>
+        </p:sp>
+        <p:sp>
+          <p:nvSpPr>
+            <p:cNvPr id="8" name="TextBox 7">
+              <a:extLst>
+                <a:ext uri="{FF2B5EF4-FFF2-40B4-BE49-F238E27FC236}">
+                  <a16:creationId xmlns:a16="http://schemas.microsoft.com/office/drawing/2014/main" id="{7E1D8D22-5B5E-ADA3-6AB5-76CC9922C173}"/>
+                </a:ext>
+              </a:extLst>
+            </p:cNvPr>
+            <p:cNvSpPr txBox="1"/>
+            <p:nvPr/>
+          </p:nvSpPr>
+          <p:spPr>
+            <a:xfrm>
+              <a:off x="3269621" y="3301578"/>
+              <a:ext cx="3126177" cy="584775"/>
+            </a:xfrm>
+            <a:prstGeom prst="rect">
+              <a:avLst/>
+            </a:prstGeom>
+            <a:noFill/>
+          </p:spPr>
+          <p:txBody>
+            <a:bodyPr wrap="none" rtlCol="0">
+              <a:spAutoFit/>
+            </a:bodyPr>
+            <a:lstStyle/>
+            <a:p>
+              <a:r>
+                <a:rPr lang="en-US" sz="3200" dirty="0" smtClean="0">
+                  <a:solidFill>
+                    <a:srgbClr val="FFB6E2"/>
+                  </a:solidFill>
+                  <a:latin typeface=".VnBodoni" panose="020B7200000000000000" pitchFamily="34" charset="0"/>
+                </a:rPr>
+                <a:t>Sexy All Day</a:t>
+              </a:r>
+              <a:endParaRPr lang="en-US" sz="3200" dirty="0">
+                <a:solidFill>
+                  <a:srgbClr val="FFB6E2"/>
+                </a:solidFill>
+                <a:latin typeface=".VnBodoni" panose="020B7200000000000000" pitchFamily="34" charset="0"/>
+              </a:endParaRPr>
+            </a:p>
+          </p:txBody>
+        </p:sp>
+      </p:grpSp>
+      <p:sp>
+        <p:nvSpPr>
+          <p:cNvPr id="3" name="Rectangle 2"/>
+          <p:cNvSpPr/>
+          <p:nvPr/>
+        </p:nvSpPr>
+        <p:spPr>
+          <a:xfrm>
+            <a:off x="8672343" y="2635387"/>
+            <a:ext cx="934615" cy="369332"/>
+          </a:xfrm>
+          <a:prstGeom prst="rect">
+            <a:avLst/>
+          </a:prstGeom>
+        </p:spPr>
+        <p:txBody>
+          <a:bodyPr wrap="none">
+            <a:spAutoFit/>
+          </a:bodyPr>
+          <a:lstStyle/>
+          <a:p>
+            <a:r>
+              <a:rPr lang="en-US" dirty="0"/>
+              <a:t>#fcb4e3</a:t>
+            </a:r>
+          </a:p>
+        </p:txBody>
+      </p:sp>
+      <p:sp>
+        <p:nvSpPr>
+          <p:cNvPr id="7" name="Rectangle 6"/>
+          <p:cNvSpPr/>
+          <p:nvPr/>
+        </p:nvSpPr>
+        <p:spPr>
+          <a:xfrm>
+            <a:off x="7491243" y="598786"/>
+            <a:ext cx="4486613" cy="369332"/>
+          </a:xfrm>
+          <a:prstGeom prst="rect">
+            <a:avLst/>
+          </a:prstGeom>
+        </p:spPr>
+        <p:txBody>
+          <a:bodyPr wrap="none">
+            <a:spAutoFit/>
+          </a:bodyPr>
+          <a:lstStyle/>
+          <a:p>
+            <a:r>
+              <a:rPr lang="en-US" dirty="0"/>
+              <a:t>https://onlinepngtools.com/change-png-color</a:t>
+            </a:r>
+          </a:p>
+        </p:txBody>
+      </p:sp>
+    </p:spTree>
+    <p:extLst>
+      <p:ext uri="{BB962C8B-B14F-4D97-AF65-F5344CB8AC3E}">
+        <p14:creationId xmlns:p14="http://schemas.microsoft.com/office/powerpoint/2010/main" val="850656789"/>
+      </p:ext>
+    </p:extLst>
+  </p:cSld>
+  <p:clrMapOvr>
+    <a:masterClrMapping/>
+  </p:clrMapOvr>
+  <p:timing>
+    <p:tnLst>
+      <p:par>
+        <p:cTn id="1" dur="indefinite" restart="never" nodeType="tmRoot"/>
+      </p:par>
+    </p:tnLst>
+  </p:timing>
+</p:sld>
+</file>
+
+<file path=ppt/slides/slide8.xml><?xml version="1.0" encoding="utf-8"?>
 <p:sld xmlns:a="http://schemas.openxmlformats.org/drawingml/2006/main" xmlns:r="http://schemas.openxmlformats.org/officeDocument/2006/relationships" xmlns:p="http://schemas.openxmlformats.org/presentationml/2006/main">
   <p:cSld>
     <p:spTree>
@@ -6672,6 +7971,247 @@
     <p:extLst>
       <p:ext uri="{BB962C8B-B14F-4D97-AF65-F5344CB8AC3E}">
         <p14:creationId xmlns:p14="http://schemas.microsoft.com/office/powerpoint/2010/main" val="3750084381"/>
+      </p:ext>
+    </p:extLst>
+  </p:cSld>
+  <p:clrMapOvr>
+    <a:masterClrMapping/>
+  </p:clrMapOvr>
+  <p:timing>
+    <p:tnLst>
+      <p:par>
+        <p:cTn id="1" dur="indefinite" restart="never" nodeType="tmRoot"/>
+      </p:par>
+    </p:tnLst>
+  </p:timing>
+</p:sld>
+</file>
+
+<file path=ppt/slides/slide9.xml><?xml version="1.0" encoding="utf-8"?>
+<p:sld xmlns:a="http://schemas.openxmlformats.org/drawingml/2006/main" xmlns:r="http://schemas.openxmlformats.org/officeDocument/2006/relationships" xmlns:p="http://schemas.openxmlformats.org/presentationml/2006/main">
+  <p:cSld>
+    <p:spTree>
+      <p:nvGrpSpPr>
+        <p:cNvPr id="1" name=""/>
+        <p:cNvGrpSpPr/>
+        <p:nvPr/>
+      </p:nvGrpSpPr>
+      <p:grpSpPr>
+        <a:xfrm>
+          <a:off x="0" y="0"/>
+          <a:ext cx="0" cy="0"/>
+          <a:chOff x="0" y="0"/>
+          <a:chExt cx="0" cy="0"/>
+        </a:xfrm>
+      </p:grpSpPr>
+      <p:grpSp>
+        <p:nvGrpSpPr>
+          <p:cNvPr id="4" name="Group 3"/>
+          <p:cNvGrpSpPr/>
+          <p:nvPr/>
+        </p:nvGrpSpPr>
+        <p:grpSpPr>
+          <a:xfrm>
+            <a:off x="226178" y="-297772"/>
+            <a:ext cx="8051047" cy="7555747"/>
+            <a:chOff x="226178" y="-297772"/>
+            <a:chExt cx="8051047" cy="7555747"/>
+          </a:xfrm>
+        </p:grpSpPr>
+        <p:grpSp>
+          <p:nvGrpSpPr>
+            <p:cNvPr id="2" name="Group 1"/>
+            <p:cNvGrpSpPr/>
+            <p:nvPr/>
+          </p:nvGrpSpPr>
+          <p:grpSpPr>
+            <a:xfrm>
+              <a:off x="569078" y="1093703"/>
+              <a:ext cx="7708147" cy="3452699"/>
+              <a:chOff x="569078" y="433654"/>
+              <a:chExt cx="7708147" cy="3452699"/>
+            </a:xfrm>
+          </p:grpSpPr>
+          <p:pic>
+            <p:nvPicPr>
+              <p:cNvPr id="13" name="Picture 12"/>
+              <p:cNvPicPr>
+                <a:picLocks noChangeAspect="1"/>
+              </p:cNvPicPr>
+              <p:nvPr/>
+            </p:nvPicPr>
+            <p:blipFill>
+              <a:blip r:embed="rId2" cstate="print">
+                <a:extLst>
+                  <a:ext uri="{28A0092B-C50C-407E-A947-70E740481C1C}">
+                    <a14:useLocalDpi xmlns:a14="http://schemas.microsoft.com/office/drawing/2010/main" val="0"/>
+                  </a:ext>
+                </a:extLst>
+              </a:blip>
+              <a:stretch>
+                <a:fillRect/>
+              </a:stretch>
+            </p:blipFill>
+            <p:spPr>
+              <a:xfrm>
+                <a:off x="2552802" y="433654"/>
+                <a:ext cx="1870349" cy="2035795"/>
+              </a:xfrm>
+              <a:prstGeom prst="rect">
+                <a:avLst/>
+              </a:prstGeom>
+              <a:noFill/>
+              <a:ln>
+                <a:noFill/>
+              </a:ln>
+            </p:spPr>
+          </p:pic>
+          <p:sp>
+            <p:nvSpPr>
+              <p:cNvPr id="6" name="TextBox 5">
+                <a:extLst>
+                  <a:ext uri="{FF2B5EF4-FFF2-40B4-BE49-F238E27FC236}">
+                    <a16:creationId xmlns:a16="http://schemas.microsoft.com/office/drawing/2014/main" id="{03E543EE-9D45-0E84-BBDF-F53D4E3F3461}"/>
+                  </a:ext>
+                </a:extLst>
+              </p:cNvPr>
+              <p:cNvSpPr txBox="1"/>
+              <p:nvPr/>
+            </p:nvSpPr>
+            <p:spPr>
+              <a:xfrm>
+                <a:off x="569078" y="1850557"/>
+                <a:ext cx="7708147" cy="1938992"/>
+              </a:xfrm>
+              <a:prstGeom prst="rect">
+                <a:avLst/>
+              </a:prstGeom>
+              <a:noFill/>
+            </p:spPr>
+            <p:txBody>
+              <a:bodyPr wrap="square" rtlCol="0">
+                <a:spAutoFit/>
+              </a:bodyPr>
+              <a:lstStyle/>
+              <a:p>
+                <a:r>
+                  <a:rPr lang="en-US" sz="12000" dirty="0" err="1" smtClean="0">
+                    <a:solidFill>
+                      <a:srgbClr val="FFB6E2"/>
+                    </a:solidFill>
+                    <a:latin typeface=".VnBodoni" panose="020B7200000000000000" pitchFamily="34" charset="0"/>
+                  </a:rPr>
+                  <a:t>BomBig</a:t>
+                </a:r>
+                <a:endParaRPr lang="en-US" sz="12000" dirty="0">
+                  <a:solidFill>
+                    <a:srgbClr val="FFB6E2"/>
+                  </a:solidFill>
+                  <a:latin typeface=".VnBodoni" panose="020B7200000000000000" pitchFamily="34" charset="0"/>
+                </a:endParaRPr>
+              </a:p>
+            </p:txBody>
+          </p:sp>
+          <p:sp>
+            <p:nvSpPr>
+              <p:cNvPr id="8" name="TextBox 7">
+                <a:extLst>
+                  <a:ext uri="{FF2B5EF4-FFF2-40B4-BE49-F238E27FC236}">
+                    <a16:creationId xmlns:a16="http://schemas.microsoft.com/office/drawing/2014/main" id="{7E1D8D22-5B5E-ADA3-6AB5-76CC9922C173}"/>
+                  </a:ext>
+                </a:extLst>
+              </p:cNvPr>
+              <p:cNvSpPr txBox="1"/>
+              <p:nvPr/>
+            </p:nvSpPr>
+            <p:spPr>
+              <a:xfrm>
+                <a:off x="3269621" y="3301578"/>
+                <a:ext cx="3126177" cy="584775"/>
+              </a:xfrm>
+              <a:prstGeom prst="rect">
+                <a:avLst/>
+              </a:prstGeom>
+              <a:noFill/>
+            </p:spPr>
+            <p:txBody>
+              <a:bodyPr wrap="none" rtlCol="0">
+                <a:spAutoFit/>
+              </a:bodyPr>
+              <a:lstStyle/>
+              <a:p>
+                <a:r>
+                  <a:rPr lang="en-US" sz="3200" dirty="0" smtClean="0">
+                    <a:solidFill>
+                      <a:srgbClr val="FFB6E2"/>
+                    </a:solidFill>
+                    <a:latin typeface=".VnBodoni" panose="020B7200000000000000" pitchFamily="34" charset="0"/>
+                  </a:rPr>
+                  <a:t>Sexy All Day</a:t>
+                </a:r>
+                <a:endParaRPr lang="en-US" sz="3200" dirty="0">
+                  <a:solidFill>
+                    <a:srgbClr val="FFB6E2"/>
+                  </a:solidFill>
+                  <a:latin typeface=".VnBodoni" panose="020B7200000000000000" pitchFamily="34" charset="0"/>
+                </a:endParaRPr>
+              </a:p>
+            </p:txBody>
+          </p:sp>
+        </p:grpSp>
+        <p:sp>
+          <p:nvSpPr>
+            <p:cNvPr id="12" name="Oval 11">
+              <a:extLst>
+                <a:ext uri="{FF2B5EF4-FFF2-40B4-BE49-F238E27FC236}">
+                  <a16:creationId xmlns:a16="http://schemas.microsoft.com/office/drawing/2014/main" id="{8749CE16-9F32-9064-81C4-96E69F1C86BD}"/>
+                </a:ext>
+              </a:extLst>
+            </p:cNvPr>
+            <p:cNvSpPr/>
+            <p:nvPr/>
+          </p:nvSpPr>
+          <p:spPr>
+            <a:xfrm>
+              <a:off x="226178" y="-297772"/>
+              <a:ext cx="7555747" cy="7555747"/>
+            </a:xfrm>
+            <a:prstGeom prst="ellipse">
+              <a:avLst/>
+            </a:prstGeom>
+            <a:noFill/>
+            <a:ln>
+              <a:noFill/>
+            </a:ln>
+          </p:spPr>
+          <p:style>
+            <a:lnRef idx="2">
+              <a:schemeClr val="accent2"/>
+            </a:lnRef>
+            <a:fillRef idx="1">
+              <a:schemeClr val="lt1"/>
+            </a:fillRef>
+            <a:effectRef idx="0">
+              <a:schemeClr val="accent2"/>
+            </a:effectRef>
+            <a:fontRef idx="minor">
+              <a:schemeClr val="dk1"/>
+            </a:fontRef>
+          </p:style>
+          <p:txBody>
+            <a:bodyPr rtlCol="0" anchor="ctr"/>
+            <a:lstStyle/>
+            <a:p>
+              <a:pPr algn="ctr"/>
+              <a:endParaRPr lang="en-US"/>
+            </a:p>
+          </p:txBody>
+        </p:sp>
+      </p:grpSp>
+    </p:spTree>
+    <p:extLst>
+      <p:ext uri="{BB962C8B-B14F-4D97-AF65-F5344CB8AC3E}">
+        <p14:creationId xmlns:p14="http://schemas.microsoft.com/office/powerpoint/2010/main" val="3394723697"/>
       </p:ext>
     </p:extLst>
   </p:cSld>

--- a/JS05_WEB_TRANGDIEMCODAU_DEMO/DESIGNER/BOMBIG_SEXY_ALL_DAY.pptx
+++ b/JS05_WEB_TRANGDIEMCODAU_DEMO/DESIGNER/BOMBIG_SEXY_ALL_DAY.pptx
@@ -6,23 +6,27 @@
   </p:sldMasterIdLst>
   <p:sldIdLst>
     <p:sldId id="266" r:id="rId2"/>
-    <p:sldId id="275" r:id="rId3"/>
-    <p:sldId id="276" r:id="rId4"/>
-    <p:sldId id="270" r:id="rId5"/>
-    <p:sldId id="273" r:id="rId6"/>
-    <p:sldId id="274" r:id="rId7"/>
-    <p:sldId id="265" r:id="rId8"/>
-    <p:sldId id="267" r:id="rId9"/>
-    <p:sldId id="268" r:id="rId10"/>
-    <p:sldId id="269" r:id="rId11"/>
-    <p:sldId id="264" r:id="rId12"/>
-    <p:sldId id="271" r:id="rId13"/>
-    <p:sldId id="272" r:id="rId14"/>
-    <p:sldId id="258" r:id="rId15"/>
-    <p:sldId id="259" r:id="rId16"/>
-    <p:sldId id="260" r:id="rId17"/>
-    <p:sldId id="261" r:id="rId18"/>
-    <p:sldId id="256" r:id="rId19"/>
+    <p:sldId id="277" r:id="rId3"/>
+    <p:sldId id="275" r:id="rId4"/>
+    <p:sldId id="276" r:id="rId5"/>
+    <p:sldId id="278" r:id="rId6"/>
+    <p:sldId id="279" r:id="rId7"/>
+    <p:sldId id="270" r:id="rId8"/>
+    <p:sldId id="273" r:id="rId9"/>
+    <p:sldId id="274" r:id="rId10"/>
+    <p:sldId id="265" r:id="rId11"/>
+    <p:sldId id="267" r:id="rId12"/>
+    <p:sldId id="268" r:id="rId13"/>
+    <p:sldId id="269" r:id="rId14"/>
+    <p:sldId id="264" r:id="rId15"/>
+    <p:sldId id="271" r:id="rId16"/>
+    <p:sldId id="272" r:id="rId17"/>
+    <p:sldId id="258" r:id="rId18"/>
+    <p:sldId id="259" r:id="rId19"/>
+    <p:sldId id="260" r:id="rId20"/>
+    <p:sldId id="261" r:id="rId21"/>
+    <p:sldId id="256" r:id="rId22"/>
+    <p:sldId id="280" r:id="rId23"/>
   </p:sldIdLst>
   <p:sldSz cx="12192000" cy="6858000"/>
   <p:notesSz cx="6858000" cy="9144000"/>
@@ -3496,7 +3500,7 @@
               <a:r>
                 <a:rPr lang="en-US" sz="3200" dirty="0" smtClean="0">
                   <a:solidFill>
-                    <a:srgbClr val="E4748D"/>
+                    <a:srgbClr val="E9A0BB"/>
                   </a:solidFill>
                   <a:latin typeface=".VnBodoni" panose="020B7200000000000000" pitchFamily="34" charset="0"/>
                 </a:rPr>
@@ -3504,7 +3508,7 @@
               </a:r>
               <a:endParaRPr lang="en-US" sz="3200" dirty="0">
                 <a:solidFill>
-                  <a:srgbClr val="E4748D"/>
+                  <a:srgbClr val="E9A0BB"/>
                 </a:solidFill>
                 <a:latin typeface=".VnBodoni" panose="020B7200000000000000" pitchFamily="34" charset="0"/>
               </a:endParaRPr>
@@ -3770,6 +3774,722 @@
 </file>
 
 <file path=ppt/slides/slide10.xml><?xml version="1.0" encoding="utf-8"?>
+<p:sld xmlns:a="http://schemas.openxmlformats.org/drawingml/2006/main" xmlns:r="http://schemas.openxmlformats.org/officeDocument/2006/relationships" xmlns:p="http://schemas.openxmlformats.org/presentationml/2006/main">
+  <p:cSld>
+    <p:spTree>
+      <p:nvGrpSpPr>
+        <p:cNvPr id="1" name=""/>
+        <p:cNvGrpSpPr/>
+        <p:nvPr/>
+      </p:nvGrpSpPr>
+      <p:grpSpPr>
+        <a:xfrm>
+          <a:off x="0" y="0"/>
+          <a:ext cx="0" cy="0"/>
+          <a:chOff x="0" y="0"/>
+          <a:chExt cx="0" cy="0"/>
+        </a:xfrm>
+      </p:grpSpPr>
+      <p:grpSp>
+        <p:nvGrpSpPr>
+          <p:cNvPr id="2" name="Group 1"/>
+          <p:cNvGrpSpPr/>
+          <p:nvPr/>
+        </p:nvGrpSpPr>
+        <p:grpSpPr>
+          <a:xfrm>
+            <a:off x="569078" y="433654"/>
+            <a:ext cx="7708147" cy="3452699"/>
+            <a:chOff x="569078" y="433654"/>
+            <a:chExt cx="7708147" cy="3452699"/>
+          </a:xfrm>
+        </p:grpSpPr>
+        <p:pic>
+          <p:nvPicPr>
+            <p:cNvPr id="13" name="Picture 12"/>
+            <p:cNvPicPr>
+              <a:picLocks noChangeAspect="1"/>
+            </p:cNvPicPr>
+            <p:nvPr/>
+          </p:nvPicPr>
+          <p:blipFill>
+            <a:blip r:embed="rId2" cstate="hqprint">
+              <a:extLst>
+                <a:ext uri="{28A0092B-C50C-407E-A947-70E740481C1C}">
+                  <a14:useLocalDpi xmlns:a14="http://schemas.microsoft.com/office/drawing/2010/main" val="0"/>
+                </a:ext>
+              </a:extLst>
+            </a:blip>
+            <a:stretch>
+              <a:fillRect/>
+            </a:stretch>
+          </p:blipFill>
+          <p:spPr>
+            <a:xfrm>
+              <a:off x="2552802" y="433654"/>
+              <a:ext cx="1870349" cy="2035795"/>
+            </a:xfrm>
+            <a:prstGeom prst="rect">
+              <a:avLst/>
+            </a:prstGeom>
+            <a:noFill/>
+            <a:ln>
+              <a:noFill/>
+            </a:ln>
+          </p:spPr>
+        </p:pic>
+        <p:sp>
+          <p:nvSpPr>
+            <p:cNvPr id="6" name="TextBox 5">
+              <a:extLst>
+                <a:ext uri="{FF2B5EF4-FFF2-40B4-BE49-F238E27FC236}">
+                  <a16:creationId xmlns:a16="http://schemas.microsoft.com/office/drawing/2014/main" id="{03E543EE-9D45-0E84-BBDF-F53D4E3F3461}"/>
+                </a:ext>
+              </a:extLst>
+            </p:cNvPr>
+            <p:cNvSpPr txBox="1"/>
+            <p:nvPr/>
+          </p:nvSpPr>
+          <p:spPr>
+            <a:xfrm>
+              <a:off x="569078" y="1850557"/>
+              <a:ext cx="7708147" cy="1938992"/>
+            </a:xfrm>
+            <a:prstGeom prst="rect">
+              <a:avLst/>
+            </a:prstGeom>
+            <a:noFill/>
+          </p:spPr>
+          <p:txBody>
+            <a:bodyPr wrap="square" rtlCol="0">
+              <a:spAutoFit/>
+            </a:bodyPr>
+            <a:lstStyle/>
+            <a:p>
+              <a:r>
+                <a:rPr lang="en-US" sz="12000" dirty="0" err="1" smtClean="0">
+                  <a:solidFill>
+                    <a:srgbClr val="FFB6E2"/>
+                  </a:solidFill>
+                  <a:latin typeface=".VnBodoni" panose="020B7200000000000000" pitchFamily="34" charset="0"/>
+                </a:rPr>
+                <a:t>BomBig</a:t>
+              </a:r>
+              <a:endParaRPr lang="en-US" sz="12000" dirty="0">
+                <a:solidFill>
+                  <a:srgbClr val="FFB6E2"/>
+                </a:solidFill>
+                <a:latin typeface=".VnBodoni" panose="020B7200000000000000" pitchFamily="34" charset="0"/>
+              </a:endParaRPr>
+            </a:p>
+          </p:txBody>
+        </p:sp>
+        <p:sp>
+          <p:nvSpPr>
+            <p:cNvPr id="8" name="TextBox 7">
+              <a:extLst>
+                <a:ext uri="{FF2B5EF4-FFF2-40B4-BE49-F238E27FC236}">
+                  <a16:creationId xmlns:a16="http://schemas.microsoft.com/office/drawing/2014/main" id="{7E1D8D22-5B5E-ADA3-6AB5-76CC9922C173}"/>
+                </a:ext>
+              </a:extLst>
+            </p:cNvPr>
+            <p:cNvSpPr txBox="1"/>
+            <p:nvPr/>
+          </p:nvSpPr>
+          <p:spPr>
+            <a:xfrm>
+              <a:off x="3269621" y="3301578"/>
+              <a:ext cx="3126177" cy="584775"/>
+            </a:xfrm>
+            <a:prstGeom prst="rect">
+              <a:avLst/>
+            </a:prstGeom>
+            <a:noFill/>
+          </p:spPr>
+          <p:txBody>
+            <a:bodyPr wrap="none" rtlCol="0">
+              <a:spAutoFit/>
+            </a:bodyPr>
+            <a:lstStyle/>
+            <a:p>
+              <a:r>
+                <a:rPr lang="en-US" sz="3200" dirty="0" smtClean="0">
+                  <a:solidFill>
+                    <a:srgbClr val="FFB6E2"/>
+                  </a:solidFill>
+                  <a:latin typeface=".VnBodoni" panose="020B7200000000000000" pitchFamily="34" charset="0"/>
+                </a:rPr>
+                <a:t>Sexy All Day</a:t>
+              </a:r>
+              <a:endParaRPr lang="en-US" sz="3200" dirty="0">
+                <a:solidFill>
+                  <a:srgbClr val="FFB6E2"/>
+                </a:solidFill>
+                <a:latin typeface=".VnBodoni" panose="020B7200000000000000" pitchFamily="34" charset="0"/>
+              </a:endParaRPr>
+            </a:p>
+          </p:txBody>
+        </p:sp>
+      </p:grpSp>
+      <p:sp>
+        <p:nvSpPr>
+          <p:cNvPr id="3" name="Rectangle 2"/>
+          <p:cNvSpPr/>
+          <p:nvPr/>
+        </p:nvSpPr>
+        <p:spPr>
+          <a:xfrm>
+            <a:off x="8672343" y="2635387"/>
+            <a:ext cx="934615" cy="369332"/>
+          </a:xfrm>
+          <a:prstGeom prst="rect">
+            <a:avLst/>
+          </a:prstGeom>
+        </p:spPr>
+        <p:txBody>
+          <a:bodyPr wrap="none">
+            <a:spAutoFit/>
+          </a:bodyPr>
+          <a:lstStyle/>
+          <a:p>
+            <a:r>
+              <a:rPr lang="en-US" dirty="0"/>
+              <a:t>#fcb4e3</a:t>
+            </a:r>
+          </a:p>
+        </p:txBody>
+      </p:sp>
+      <p:sp>
+        <p:nvSpPr>
+          <p:cNvPr id="7" name="Rectangle 6"/>
+          <p:cNvSpPr/>
+          <p:nvPr/>
+        </p:nvSpPr>
+        <p:spPr>
+          <a:xfrm>
+            <a:off x="7491243" y="598786"/>
+            <a:ext cx="4486613" cy="369332"/>
+          </a:xfrm>
+          <a:prstGeom prst="rect">
+            <a:avLst/>
+          </a:prstGeom>
+        </p:spPr>
+        <p:txBody>
+          <a:bodyPr wrap="none">
+            <a:spAutoFit/>
+          </a:bodyPr>
+          <a:lstStyle/>
+          <a:p>
+            <a:r>
+              <a:rPr lang="en-US" dirty="0"/>
+              <a:t>https://onlinepngtools.com/change-png-color</a:t>
+            </a:r>
+          </a:p>
+        </p:txBody>
+      </p:sp>
+    </p:spTree>
+    <p:extLst>
+      <p:ext uri="{BB962C8B-B14F-4D97-AF65-F5344CB8AC3E}">
+        <p14:creationId xmlns:p14="http://schemas.microsoft.com/office/powerpoint/2010/main" val="850656789"/>
+      </p:ext>
+    </p:extLst>
+  </p:cSld>
+  <p:clrMapOvr>
+    <a:masterClrMapping/>
+  </p:clrMapOvr>
+  <p:timing>
+    <p:tnLst>
+      <p:par>
+        <p:cTn id="1" dur="indefinite" restart="never" nodeType="tmRoot"/>
+      </p:par>
+    </p:tnLst>
+  </p:timing>
+</p:sld>
+</file>
+
+<file path=ppt/slides/slide11.xml><?xml version="1.0" encoding="utf-8"?>
+<p:sld xmlns:a="http://schemas.openxmlformats.org/drawingml/2006/main" xmlns:r="http://schemas.openxmlformats.org/officeDocument/2006/relationships" xmlns:p="http://schemas.openxmlformats.org/presentationml/2006/main">
+  <p:cSld>
+    <p:spTree>
+      <p:nvGrpSpPr>
+        <p:cNvPr id="1" name=""/>
+        <p:cNvGrpSpPr/>
+        <p:nvPr/>
+      </p:nvGrpSpPr>
+      <p:grpSpPr>
+        <a:xfrm>
+          <a:off x="0" y="0"/>
+          <a:ext cx="0" cy="0"/>
+          <a:chOff x="0" y="0"/>
+          <a:chExt cx="0" cy="0"/>
+        </a:xfrm>
+      </p:grpSpPr>
+      <p:grpSp>
+        <p:nvGrpSpPr>
+          <p:cNvPr id="4" name="Group 3"/>
+          <p:cNvGrpSpPr/>
+          <p:nvPr/>
+        </p:nvGrpSpPr>
+        <p:grpSpPr>
+          <a:xfrm>
+            <a:off x="226178" y="-297772"/>
+            <a:ext cx="8051047" cy="7555747"/>
+            <a:chOff x="226178" y="-297772"/>
+            <a:chExt cx="8051047" cy="7555747"/>
+          </a:xfrm>
+        </p:grpSpPr>
+        <p:grpSp>
+          <p:nvGrpSpPr>
+            <p:cNvPr id="2" name="Group 1"/>
+            <p:cNvGrpSpPr/>
+            <p:nvPr/>
+          </p:nvGrpSpPr>
+          <p:grpSpPr>
+            <a:xfrm>
+              <a:off x="569078" y="1093703"/>
+              <a:ext cx="7708147" cy="3452699"/>
+              <a:chOff x="569078" y="433654"/>
+              <a:chExt cx="7708147" cy="3452699"/>
+            </a:xfrm>
+          </p:grpSpPr>
+          <p:pic>
+            <p:nvPicPr>
+              <p:cNvPr id="13" name="Picture 12"/>
+              <p:cNvPicPr>
+                <a:picLocks noChangeAspect="1"/>
+              </p:cNvPicPr>
+              <p:nvPr/>
+            </p:nvPicPr>
+            <p:blipFill>
+              <a:blip r:embed="rId2" cstate="print">
+                <a:extLst>
+                  <a:ext uri="{28A0092B-C50C-407E-A947-70E740481C1C}">
+                    <a14:useLocalDpi xmlns:a14="http://schemas.microsoft.com/office/drawing/2010/main" val="0"/>
+                  </a:ext>
+                </a:extLst>
+              </a:blip>
+              <a:stretch>
+                <a:fillRect/>
+              </a:stretch>
+            </p:blipFill>
+            <p:spPr>
+              <a:xfrm>
+                <a:off x="2552802" y="433654"/>
+                <a:ext cx="1870349" cy="2035796"/>
+              </a:xfrm>
+              <a:prstGeom prst="rect">
+                <a:avLst/>
+              </a:prstGeom>
+              <a:noFill/>
+              <a:ln>
+                <a:noFill/>
+              </a:ln>
+            </p:spPr>
+          </p:pic>
+          <p:sp>
+            <p:nvSpPr>
+              <p:cNvPr id="6" name="TextBox 5">
+                <a:extLst>
+                  <a:ext uri="{FF2B5EF4-FFF2-40B4-BE49-F238E27FC236}">
+                    <a16:creationId xmlns:a16="http://schemas.microsoft.com/office/drawing/2014/main" id="{03E543EE-9D45-0E84-BBDF-F53D4E3F3461}"/>
+                  </a:ext>
+                </a:extLst>
+              </p:cNvPr>
+              <p:cNvSpPr txBox="1"/>
+              <p:nvPr/>
+            </p:nvSpPr>
+            <p:spPr>
+              <a:xfrm>
+                <a:off x="569078" y="1850557"/>
+                <a:ext cx="7708147" cy="1938992"/>
+              </a:xfrm>
+              <a:prstGeom prst="rect">
+                <a:avLst/>
+              </a:prstGeom>
+              <a:noFill/>
+            </p:spPr>
+            <p:txBody>
+              <a:bodyPr wrap="square" rtlCol="0">
+                <a:spAutoFit/>
+              </a:bodyPr>
+              <a:lstStyle/>
+              <a:p>
+                <a:r>
+                  <a:rPr lang="en-US" sz="12000" dirty="0" err="1" smtClean="0">
+                    <a:solidFill>
+                      <a:srgbClr val="B5292F"/>
+                    </a:solidFill>
+                    <a:latin typeface=".VnBodoni" panose="020B7200000000000000" pitchFamily="34" charset="0"/>
+                  </a:rPr>
+                  <a:t>BomBig</a:t>
+                </a:r>
+                <a:endParaRPr lang="en-US" sz="12000" dirty="0">
+                  <a:solidFill>
+                    <a:srgbClr val="B5292F"/>
+                  </a:solidFill>
+                  <a:latin typeface=".VnBodoni" panose="020B7200000000000000" pitchFamily="34" charset="0"/>
+                </a:endParaRPr>
+              </a:p>
+            </p:txBody>
+          </p:sp>
+          <p:sp>
+            <p:nvSpPr>
+              <p:cNvPr id="8" name="TextBox 7">
+                <a:extLst>
+                  <a:ext uri="{FF2B5EF4-FFF2-40B4-BE49-F238E27FC236}">
+                    <a16:creationId xmlns:a16="http://schemas.microsoft.com/office/drawing/2014/main" id="{7E1D8D22-5B5E-ADA3-6AB5-76CC9922C173}"/>
+                  </a:ext>
+                </a:extLst>
+              </p:cNvPr>
+              <p:cNvSpPr txBox="1"/>
+              <p:nvPr/>
+            </p:nvSpPr>
+            <p:spPr>
+              <a:xfrm>
+                <a:off x="3269621" y="3301578"/>
+                <a:ext cx="3126177" cy="584775"/>
+              </a:xfrm>
+              <a:prstGeom prst="rect">
+                <a:avLst/>
+              </a:prstGeom>
+              <a:noFill/>
+            </p:spPr>
+            <p:txBody>
+              <a:bodyPr wrap="none" rtlCol="0">
+                <a:spAutoFit/>
+              </a:bodyPr>
+              <a:lstStyle/>
+              <a:p>
+                <a:r>
+                  <a:rPr lang="en-US" sz="3200" dirty="0" smtClean="0">
+                    <a:solidFill>
+                      <a:srgbClr val="B5292F"/>
+                    </a:solidFill>
+                    <a:latin typeface=".VnBodoni" panose="020B7200000000000000" pitchFamily="34" charset="0"/>
+                  </a:rPr>
+                  <a:t>Sexy All Day</a:t>
+                </a:r>
+                <a:endParaRPr lang="en-US" sz="3200" dirty="0">
+                  <a:solidFill>
+                    <a:srgbClr val="B5292F"/>
+                  </a:solidFill>
+                  <a:latin typeface=".VnBodoni" panose="020B7200000000000000" pitchFamily="34" charset="0"/>
+                </a:endParaRPr>
+              </a:p>
+            </p:txBody>
+          </p:sp>
+        </p:grpSp>
+        <p:sp>
+          <p:nvSpPr>
+            <p:cNvPr id="12" name="Oval 11">
+              <a:extLst>
+                <a:ext uri="{FF2B5EF4-FFF2-40B4-BE49-F238E27FC236}">
+                  <a16:creationId xmlns:a16="http://schemas.microsoft.com/office/drawing/2014/main" id="{8749CE16-9F32-9064-81C4-96E69F1C86BD}"/>
+                </a:ext>
+              </a:extLst>
+            </p:cNvPr>
+            <p:cNvSpPr/>
+            <p:nvPr/>
+          </p:nvSpPr>
+          <p:spPr>
+            <a:xfrm>
+              <a:off x="226178" y="-297772"/>
+              <a:ext cx="7555747" cy="7555747"/>
+            </a:xfrm>
+            <a:prstGeom prst="ellipse">
+              <a:avLst/>
+            </a:prstGeom>
+            <a:noFill/>
+            <a:ln>
+              <a:noFill/>
+            </a:ln>
+          </p:spPr>
+          <p:style>
+            <a:lnRef idx="2">
+              <a:schemeClr val="accent2"/>
+            </a:lnRef>
+            <a:fillRef idx="1">
+              <a:schemeClr val="lt1"/>
+            </a:fillRef>
+            <a:effectRef idx="0">
+              <a:schemeClr val="accent2"/>
+            </a:effectRef>
+            <a:fontRef idx="minor">
+              <a:schemeClr val="dk1"/>
+            </a:fontRef>
+          </p:style>
+          <p:txBody>
+            <a:bodyPr rtlCol="0" anchor="ctr"/>
+            <a:lstStyle/>
+            <a:p>
+              <a:pPr algn="ctr"/>
+              <a:endParaRPr lang="en-US"/>
+            </a:p>
+          </p:txBody>
+        </p:sp>
+      </p:grpSp>
+    </p:spTree>
+    <p:extLst>
+      <p:ext uri="{BB962C8B-B14F-4D97-AF65-F5344CB8AC3E}">
+        <p14:creationId xmlns:p14="http://schemas.microsoft.com/office/powerpoint/2010/main" val="3750084381"/>
+      </p:ext>
+    </p:extLst>
+  </p:cSld>
+  <p:clrMapOvr>
+    <a:masterClrMapping/>
+  </p:clrMapOvr>
+  <p:timing>
+    <p:tnLst>
+      <p:par>
+        <p:cTn id="1" dur="indefinite" restart="never" nodeType="tmRoot"/>
+      </p:par>
+    </p:tnLst>
+  </p:timing>
+</p:sld>
+</file>
+
+<file path=ppt/slides/slide12.xml><?xml version="1.0" encoding="utf-8"?>
+<p:sld xmlns:a="http://schemas.openxmlformats.org/drawingml/2006/main" xmlns:r="http://schemas.openxmlformats.org/officeDocument/2006/relationships" xmlns:p="http://schemas.openxmlformats.org/presentationml/2006/main">
+  <p:cSld>
+    <p:spTree>
+      <p:nvGrpSpPr>
+        <p:cNvPr id="1" name=""/>
+        <p:cNvGrpSpPr/>
+        <p:nvPr/>
+      </p:nvGrpSpPr>
+      <p:grpSpPr>
+        <a:xfrm>
+          <a:off x="0" y="0"/>
+          <a:ext cx="0" cy="0"/>
+          <a:chOff x="0" y="0"/>
+          <a:chExt cx="0" cy="0"/>
+        </a:xfrm>
+      </p:grpSpPr>
+      <p:grpSp>
+        <p:nvGrpSpPr>
+          <p:cNvPr id="4" name="Group 3"/>
+          <p:cNvGrpSpPr/>
+          <p:nvPr/>
+        </p:nvGrpSpPr>
+        <p:grpSpPr>
+          <a:xfrm>
+            <a:off x="226178" y="-297772"/>
+            <a:ext cx="8051047" cy="7555747"/>
+            <a:chOff x="226178" y="-297772"/>
+            <a:chExt cx="8051047" cy="7555747"/>
+          </a:xfrm>
+        </p:grpSpPr>
+        <p:grpSp>
+          <p:nvGrpSpPr>
+            <p:cNvPr id="2" name="Group 1"/>
+            <p:cNvGrpSpPr/>
+            <p:nvPr/>
+          </p:nvGrpSpPr>
+          <p:grpSpPr>
+            <a:xfrm>
+              <a:off x="569078" y="1093703"/>
+              <a:ext cx="7708147" cy="3452699"/>
+              <a:chOff x="569078" y="433654"/>
+              <a:chExt cx="7708147" cy="3452699"/>
+            </a:xfrm>
+          </p:grpSpPr>
+          <p:pic>
+            <p:nvPicPr>
+              <p:cNvPr id="13" name="Picture 12"/>
+              <p:cNvPicPr>
+                <a:picLocks noChangeAspect="1"/>
+              </p:cNvPicPr>
+              <p:nvPr/>
+            </p:nvPicPr>
+            <p:blipFill>
+              <a:blip r:embed="rId2" cstate="print">
+                <a:extLst>
+                  <a:ext uri="{28A0092B-C50C-407E-A947-70E740481C1C}">
+                    <a14:useLocalDpi xmlns:a14="http://schemas.microsoft.com/office/drawing/2010/main" val="0"/>
+                  </a:ext>
+                </a:extLst>
+              </a:blip>
+              <a:stretch>
+                <a:fillRect/>
+              </a:stretch>
+            </p:blipFill>
+            <p:spPr>
+              <a:xfrm>
+                <a:off x="2552802" y="433654"/>
+                <a:ext cx="1870349" cy="2035795"/>
+              </a:xfrm>
+              <a:prstGeom prst="rect">
+                <a:avLst/>
+              </a:prstGeom>
+              <a:noFill/>
+              <a:ln>
+                <a:noFill/>
+              </a:ln>
+            </p:spPr>
+          </p:pic>
+          <p:sp>
+            <p:nvSpPr>
+              <p:cNvPr id="6" name="TextBox 5">
+                <a:extLst>
+                  <a:ext uri="{FF2B5EF4-FFF2-40B4-BE49-F238E27FC236}">
+                    <a16:creationId xmlns:a16="http://schemas.microsoft.com/office/drawing/2014/main" id="{03E543EE-9D45-0E84-BBDF-F53D4E3F3461}"/>
+                  </a:ext>
+                </a:extLst>
+              </p:cNvPr>
+              <p:cNvSpPr txBox="1"/>
+              <p:nvPr/>
+            </p:nvSpPr>
+            <p:spPr>
+              <a:xfrm>
+                <a:off x="569078" y="1850557"/>
+                <a:ext cx="7708147" cy="1938992"/>
+              </a:xfrm>
+              <a:prstGeom prst="rect">
+                <a:avLst/>
+              </a:prstGeom>
+              <a:noFill/>
+            </p:spPr>
+            <p:txBody>
+              <a:bodyPr wrap="square" rtlCol="0">
+                <a:spAutoFit/>
+              </a:bodyPr>
+              <a:lstStyle/>
+              <a:p>
+                <a:r>
+                  <a:rPr lang="en-US" sz="12000" dirty="0" err="1" smtClean="0">
+                    <a:solidFill>
+                      <a:srgbClr val="FFB6E2"/>
+                    </a:solidFill>
+                    <a:latin typeface=".VnBodoni" panose="020B7200000000000000" pitchFamily="34" charset="0"/>
+                  </a:rPr>
+                  <a:t>BomBig</a:t>
+                </a:r>
+                <a:endParaRPr lang="en-US" sz="12000" dirty="0">
+                  <a:solidFill>
+                    <a:srgbClr val="FFB6E2"/>
+                  </a:solidFill>
+                  <a:latin typeface=".VnBodoni" panose="020B7200000000000000" pitchFamily="34" charset="0"/>
+                </a:endParaRPr>
+              </a:p>
+            </p:txBody>
+          </p:sp>
+          <p:sp>
+            <p:nvSpPr>
+              <p:cNvPr id="8" name="TextBox 7">
+                <a:extLst>
+                  <a:ext uri="{FF2B5EF4-FFF2-40B4-BE49-F238E27FC236}">
+                    <a16:creationId xmlns:a16="http://schemas.microsoft.com/office/drawing/2014/main" id="{7E1D8D22-5B5E-ADA3-6AB5-76CC9922C173}"/>
+                  </a:ext>
+                </a:extLst>
+              </p:cNvPr>
+              <p:cNvSpPr txBox="1"/>
+              <p:nvPr/>
+            </p:nvSpPr>
+            <p:spPr>
+              <a:xfrm>
+                <a:off x="3269621" y="3301578"/>
+                <a:ext cx="3126177" cy="584775"/>
+              </a:xfrm>
+              <a:prstGeom prst="rect">
+                <a:avLst/>
+              </a:prstGeom>
+              <a:noFill/>
+            </p:spPr>
+            <p:txBody>
+              <a:bodyPr wrap="none" rtlCol="0">
+                <a:spAutoFit/>
+              </a:bodyPr>
+              <a:lstStyle/>
+              <a:p>
+                <a:r>
+                  <a:rPr lang="en-US" sz="3200" dirty="0" smtClean="0">
+                    <a:solidFill>
+                      <a:srgbClr val="FFB6E2"/>
+                    </a:solidFill>
+                    <a:latin typeface=".VnBodoni" panose="020B7200000000000000" pitchFamily="34" charset="0"/>
+                  </a:rPr>
+                  <a:t>Sexy All Day</a:t>
+                </a:r>
+                <a:endParaRPr lang="en-US" sz="3200" dirty="0">
+                  <a:solidFill>
+                    <a:srgbClr val="FFB6E2"/>
+                  </a:solidFill>
+                  <a:latin typeface=".VnBodoni" panose="020B7200000000000000" pitchFamily="34" charset="0"/>
+                </a:endParaRPr>
+              </a:p>
+            </p:txBody>
+          </p:sp>
+        </p:grpSp>
+        <p:sp>
+          <p:nvSpPr>
+            <p:cNvPr id="12" name="Oval 11">
+              <a:extLst>
+                <a:ext uri="{FF2B5EF4-FFF2-40B4-BE49-F238E27FC236}">
+                  <a16:creationId xmlns:a16="http://schemas.microsoft.com/office/drawing/2014/main" id="{8749CE16-9F32-9064-81C4-96E69F1C86BD}"/>
+                </a:ext>
+              </a:extLst>
+            </p:cNvPr>
+            <p:cNvSpPr/>
+            <p:nvPr/>
+          </p:nvSpPr>
+          <p:spPr>
+            <a:xfrm>
+              <a:off x="226178" y="-297772"/>
+              <a:ext cx="7555747" cy="7555747"/>
+            </a:xfrm>
+            <a:prstGeom prst="ellipse">
+              <a:avLst/>
+            </a:prstGeom>
+            <a:noFill/>
+            <a:ln>
+              <a:noFill/>
+            </a:ln>
+          </p:spPr>
+          <p:style>
+            <a:lnRef idx="2">
+              <a:schemeClr val="accent2"/>
+            </a:lnRef>
+            <a:fillRef idx="1">
+              <a:schemeClr val="lt1"/>
+            </a:fillRef>
+            <a:effectRef idx="0">
+              <a:schemeClr val="accent2"/>
+            </a:effectRef>
+            <a:fontRef idx="minor">
+              <a:schemeClr val="dk1"/>
+            </a:fontRef>
+          </p:style>
+          <p:txBody>
+            <a:bodyPr rtlCol="0" anchor="ctr"/>
+            <a:lstStyle/>
+            <a:p>
+              <a:pPr algn="ctr"/>
+              <a:endParaRPr lang="en-US"/>
+            </a:p>
+          </p:txBody>
+        </p:sp>
+      </p:grpSp>
+    </p:spTree>
+    <p:extLst>
+      <p:ext uri="{BB962C8B-B14F-4D97-AF65-F5344CB8AC3E}">
+        <p14:creationId xmlns:p14="http://schemas.microsoft.com/office/powerpoint/2010/main" val="3394723697"/>
+      </p:ext>
+    </p:extLst>
+  </p:cSld>
+  <p:clrMapOvr>
+    <a:masterClrMapping/>
+  </p:clrMapOvr>
+  <p:timing>
+    <p:tnLst>
+      <p:par>
+        <p:cTn id="1" dur="indefinite" restart="never" nodeType="tmRoot"/>
+      </p:par>
+    </p:tnLst>
+  </p:timing>
+</p:sld>
+</file>
+
+<file path=ppt/slides/slide13.xml><?xml version="1.0" encoding="utf-8"?>
 <p:sld xmlns:a="http://schemas.openxmlformats.org/drawingml/2006/main" xmlns:r="http://schemas.openxmlformats.org/officeDocument/2006/relationships" xmlns:p="http://schemas.openxmlformats.org/presentationml/2006/main">
   <p:cSld>
     <p:spTree>
@@ -4010,7 +4730,7 @@
 </p:sld>
 </file>
 
-<file path=ppt/slides/slide11.xml><?xml version="1.0" encoding="utf-8"?>
+<file path=ppt/slides/slide14.xml><?xml version="1.0" encoding="utf-8"?>
 <p:sld xmlns:a="http://schemas.openxmlformats.org/drawingml/2006/main" xmlns:r="http://schemas.openxmlformats.org/officeDocument/2006/relationships" xmlns:p="http://schemas.openxmlformats.org/presentationml/2006/main">
   <p:cSld>
     <p:spTree>
@@ -4253,7 +4973,7 @@
 </p:sld>
 </file>
 
-<file path=ppt/slides/slide12.xml><?xml version="1.0" encoding="utf-8"?>
+<file path=ppt/slides/slide15.xml><?xml version="1.0" encoding="utf-8"?>
 <p:sld xmlns:a="http://schemas.openxmlformats.org/drawingml/2006/main" xmlns:r="http://schemas.openxmlformats.org/officeDocument/2006/relationships" xmlns:p="http://schemas.openxmlformats.org/presentationml/2006/main">
   <p:cSld>
     <p:spTree>
@@ -4465,7 +5185,7 @@
 </p:sld>
 </file>
 
-<file path=ppt/slides/slide13.xml><?xml version="1.0" encoding="utf-8"?>
+<file path=ppt/slides/slide16.xml><?xml version="1.0" encoding="utf-8"?>
 <p:sld xmlns:a="http://schemas.openxmlformats.org/drawingml/2006/main" xmlns:r="http://schemas.openxmlformats.org/officeDocument/2006/relationships" xmlns:p="http://schemas.openxmlformats.org/presentationml/2006/main">
   <p:cSld>
     <p:spTree>
@@ -4682,7 +5402,7 @@
 </p:sld>
 </file>
 
-<file path=ppt/slides/slide14.xml><?xml version="1.0" encoding="utf-8"?>
+<file path=ppt/slides/slide17.xml><?xml version="1.0" encoding="utf-8"?>
 <p:sld xmlns:a="http://schemas.openxmlformats.org/drawingml/2006/main" xmlns:r="http://schemas.openxmlformats.org/officeDocument/2006/relationships" xmlns:p="http://schemas.openxmlformats.org/presentationml/2006/main">
   <p:cSld>
     <p:spTree>
@@ -4920,7 +5640,7 @@
 </p:sld>
 </file>
 
-<file path=ppt/slides/slide15.xml><?xml version="1.0" encoding="utf-8"?>
+<file path=ppt/slides/slide18.xml><?xml version="1.0" encoding="utf-8"?>
 <p:sld xmlns:a="http://schemas.openxmlformats.org/drawingml/2006/main" xmlns:r="http://schemas.openxmlformats.org/officeDocument/2006/relationships" xmlns:p="http://schemas.openxmlformats.org/presentationml/2006/main">
   <p:cSld>
     <p:spTree>
@@ -5168,7 +5888,7 @@
 </p:sld>
 </file>
 
-<file path=ppt/slides/slide16.xml><?xml version="1.0" encoding="utf-8"?>
+<file path=ppt/slides/slide19.xml><?xml version="1.0" encoding="utf-8"?>
 <p:sld xmlns:a="http://schemas.openxmlformats.org/drawingml/2006/main" xmlns:r="http://schemas.openxmlformats.org/officeDocument/2006/relationships" xmlns:p="http://schemas.openxmlformats.org/presentationml/2006/main">
   <p:cSld>
     <p:spTree>
@@ -5419,7 +6139,248 @@
 </p:sld>
 </file>
 
-<file path=ppt/slides/slide17.xml><?xml version="1.0" encoding="utf-8"?>
+<file path=ppt/slides/slide2.xml><?xml version="1.0" encoding="utf-8"?>
+<p:sld xmlns:a="http://schemas.openxmlformats.org/drawingml/2006/main" xmlns:r="http://schemas.openxmlformats.org/officeDocument/2006/relationships" xmlns:p="http://schemas.openxmlformats.org/presentationml/2006/main">
+  <p:cSld>
+    <p:spTree>
+      <p:nvGrpSpPr>
+        <p:cNvPr id="1" name=""/>
+        <p:cNvGrpSpPr/>
+        <p:nvPr/>
+      </p:nvGrpSpPr>
+      <p:grpSpPr>
+        <a:xfrm>
+          <a:off x="0" y="0"/>
+          <a:ext cx="0" cy="0"/>
+          <a:chOff x="0" y="0"/>
+          <a:chExt cx="0" cy="0"/>
+        </a:xfrm>
+      </p:grpSpPr>
+      <p:grpSp>
+        <p:nvGrpSpPr>
+          <p:cNvPr id="5" name="Group 4"/>
+          <p:cNvGrpSpPr/>
+          <p:nvPr/>
+        </p:nvGrpSpPr>
+        <p:grpSpPr>
+          <a:xfrm>
+            <a:off x="226178" y="-297772"/>
+            <a:ext cx="8051047" cy="7555747"/>
+            <a:chOff x="226178" y="-297772"/>
+            <a:chExt cx="8051047" cy="7555747"/>
+          </a:xfrm>
+        </p:grpSpPr>
+        <p:grpSp>
+          <p:nvGrpSpPr>
+            <p:cNvPr id="2" name="Group 1"/>
+            <p:cNvGrpSpPr/>
+            <p:nvPr/>
+          </p:nvGrpSpPr>
+          <p:grpSpPr>
+            <a:xfrm>
+              <a:off x="569078" y="1093703"/>
+              <a:ext cx="7708147" cy="3452699"/>
+              <a:chOff x="569078" y="433654"/>
+              <a:chExt cx="7708147" cy="3452699"/>
+            </a:xfrm>
+          </p:grpSpPr>
+          <p:pic>
+            <p:nvPicPr>
+              <p:cNvPr id="13" name="Picture 12"/>
+              <p:cNvPicPr>
+                <a:picLocks noChangeAspect="1"/>
+              </p:cNvPicPr>
+              <p:nvPr/>
+            </p:nvPicPr>
+            <p:blipFill>
+              <a:blip r:embed="rId2" cstate="hqprint">
+                <a:extLst>
+                  <a:ext uri="{28A0092B-C50C-407E-A947-70E740481C1C}">
+                    <a14:useLocalDpi xmlns:a14="http://schemas.microsoft.com/office/drawing/2010/main" val="0"/>
+                  </a:ext>
+                </a:extLst>
+              </a:blip>
+              <a:stretch>
+                <a:fillRect/>
+              </a:stretch>
+            </p:blipFill>
+            <p:spPr>
+              <a:xfrm>
+                <a:off x="2552802" y="433654"/>
+                <a:ext cx="1870349" cy="2035795"/>
+              </a:xfrm>
+              <a:prstGeom prst="rect">
+                <a:avLst/>
+              </a:prstGeom>
+              <a:noFill/>
+              <a:ln>
+                <a:noFill/>
+              </a:ln>
+            </p:spPr>
+          </p:pic>
+          <p:sp>
+            <p:nvSpPr>
+              <p:cNvPr id="6" name="TextBox 5">
+                <a:extLst>
+                  <a:ext uri="{FF2B5EF4-FFF2-40B4-BE49-F238E27FC236}">
+                    <a16:creationId xmlns:a16="http://schemas.microsoft.com/office/drawing/2014/main" id="{03E543EE-9D45-0E84-BBDF-F53D4E3F3461}"/>
+                  </a:ext>
+                </a:extLst>
+              </p:cNvPr>
+              <p:cNvSpPr txBox="1"/>
+              <p:nvPr/>
+            </p:nvSpPr>
+            <p:spPr>
+              <a:xfrm>
+                <a:off x="569078" y="1850557"/>
+                <a:ext cx="7708147" cy="1938992"/>
+              </a:xfrm>
+              <a:prstGeom prst="rect">
+                <a:avLst/>
+              </a:prstGeom>
+              <a:noFill/>
+            </p:spPr>
+            <p:txBody>
+              <a:bodyPr wrap="square" rtlCol="0">
+                <a:spAutoFit/>
+              </a:bodyPr>
+              <a:lstStyle/>
+              <a:p>
+                <a:r>
+                  <a:rPr lang="en-US" sz="12000" dirty="0" err="1" smtClean="0">
+                    <a:solidFill>
+                      <a:srgbClr val="E4748D"/>
+                    </a:solidFill>
+                    <a:latin typeface=".VnBodoni" panose="020B7200000000000000" pitchFamily="34" charset="0"/>
+                  </a:rPr>
+                  <a:t>BomBig</a:t>
+                </a:r>
+                <a:endParaRPr lang="en-US" sz="12000" dirty="0">
+                  <a:solidFill>
+                    <a:srgbClr val="E4748D"/>
+                  </a:solidFill>
+                  <a:latin typeface=".VnBodoni" panose="020B7200000000000000" pitchFamily="34" charset="0"/>
+                </a:endParaRPr>
+              </a:p>
+            </p:txBody>
+          </p:sp>
+          <p:sp>
+            <p:nvSpPr>
+              <p:cNvPr id="8" name="TextBox 7">
+                <a:extLst>
+                  <a:ext uri="{FF2B5EF4-FFF2-40B4-BE49-F238E27FC236}">
+                    <a16:creationId xmlns:a16="http://schemas.microsoft.com/office/drawing/2014/main" id="{7E1D8D22-5B5E-ADA3-6AB5-76CC9922C173}"/>
+                  </a:ext>
+                </a:extLst>
+              </p:cNvPr>
+              <p:cNvSpPr txBox="1"/>
+              <p:nvPr/>
+            </p:nvSpPr>
+            <p:spPr>
+              <a:xfrm>
+                <a:off x="3269621" y="3301578"/>
+                <a:ext cx="3126177" cy="584775"/>
+              </a:xfrm>
+              <a:prstGeom prst="rect">
+                <a:avLst/>
+              </a:prstGeom>
+              <a:noFill/>
+            </p:spPr>
+            <p:txBody>
+              <a:bodyPr wrap="none" rtlCol="0">
+                <a:spAutoFit/>
+              </a:bodyPr>
+              <a:lstStyle/>
+              <a:p>
+                <a:r>
+                  <a:rPr lang="en-US" sz="3200" dirty="0" smtClean="0">
+                    <a:solidFill>
+                      <a:srgbClr val="E9A0BB"/>
+                    </a:solidFill>
+                    <a:latin typeface=".VnBodoni" panose="020B7200000000000000" pitchFamily="34" charset="0"/>
+                  </a:rPr>
+                  <a:t>Sexy All Day</a:t>
+                </a:r>
+                <a:endParaRPr lang="en-US" sz="3200" dirty="0">
+                  <a:solidFill>
+                    <a:srgbClr val="E9A0BB"/>
+                  </a:solidFill>
+                  <a:latin typeface=".VnBodoni" panose="020B7200000000000000" pitchFamily="34" charset="0"/>
+                </a:endParaRPr>
+              </a:p>
+            </p:txBody>
+          </p:sp>
+        </p:grpSp>
+        <p:sp>
+          <p:nvSpPr>
+            <p:cNvPr id="14" name="Oval 13">
+              <a:extLst>
+                <a:ext uri="{FF2B5EF4-FFF2-40B4-BE49-F238E27FC236}">
+                  <a16:creationId xmlns:a16="http://schemas.microsoft.com/office/drawing/2014/main" id="{8749CE16-9F32-9064-81C4-96E69F1C86BD}"/>
+                </a:ext>
+              </a:extLst>
+            </p:cNvPr>
+            <p:cNvSpPr/>
+            <p:nvPr/>
+          </p:nvSpPr>
+          <p:spPr>
+            <a:xfrm>
+              <a:off x="226178" y="-297772"/>
+              <a:ext cx="7555747" cy="7555747"/>
+            </a:xfrm>
+            <a:prstGeom prst="ellipse">
+              <a:avLst/>
+            </a:prstGeom>
+            <a:noFill/>
+            <a:ln>
+              <a:noFill/>
+            </a:ln>
+          </p:spPr>
+          <p:style>
+            <a:lnRef idx="2">
+              <a:schemeClr val="accent2"/>
+            </a:lnRef>
+            <a:fillRef idx="1">
+              <a:schemeClr val="lt1"/>
+            </a:fillRef>
+            <a:effectRef idx="0">
+              <a:schemeClr val="accent2"/>
+            </a:effectRef>
+            <a:fontRef idx="minor">
+              <a:schemeClr val="dk1"/>
+            </a:fontRef>
+          </p:style>
+          <p:txBody>
+            <a:bodyPr rtlCol="0" anchor="ctr"/>
+            <a:lstStyle/>
+            <a:p>
+              <a:pPr algn="ctr"/>
+              <a:endParaRPr lang="en-US"/>
+            </a:p>
+          </p:txBody>
+        </p:sp>
+      </p:grpSp>
+    </p:spTree>
+    <p:extLst>
+      <p:ext uri="{BB962C8B-B14F-4D97-AF65-F5344CB8AC3E}">
+        <p14:creationId xmlns:p14="http://schemas.microsoft.com/office/powerpoint/2010/main" val="1856614265"/>
+      </p:ext>
+    </p:extLst>
+  </p:cSld>
+  <p:clrMapOvr>
+    <a:masterClrMapping/>
+  </p:clrMapOvr>
+  <p:timing>
+    <p:tnLst>
+      <p:par>
+        <p:cTn id="1" dur="indefinite" restart="never" nodeType="tmRoot"/>
+      </p:par>
+    </p:tnLst>
+  </p:timing>
+</p:sld>
+</file>
+
+<file path=ppt/slides/slide20.xml><?xml version="1.0" encoding="utf-8"?>
 <p:sld xmlns:a="http://schemas.openxmlformats.org/drawingml/2006/main" xmlns:r="http://schemas.openxmlformats.org/officeDocument/2006/relationships" xmlns:p="http://schemas.openxmlformats.org/presentationml/2006/main">
   <p:cSld>
     <p:spTree>
@@ -5592,7 +6553,7 @@
 </p:sld>
 </file>
 
-<file path=ppt/slides/slide18.xml><?xml version="1.0" encoding="utf-8"?>
+<file path=ppt/slides/slide21.xml><?xml version="1.0" encoding="utf-8"?>
 <p:sld xmlns:a="http://schemas.openxmlformats.org/drawingml/2006/main" xmlns:r="http://schemas.openxmlformats.org/officeDocument/2006/relationships" xmlns:p="http://schemas.openxmlformats.org/presentationml/2006/main">
   <p:cSld>
     <p:spTree>
@@ -5800,7 +6761,104 @@
 </p:sld>
 </file>
 
-<file path=ppt/slides/slide2.xml><?xml version="1.0" encoding="utf-8"?>
+<file path=ppt/slides/slide22.xml><?xml version="1.0" encoding="utf-8"?>
+<p:sld xmlns:a="http://schemas.openxmlformats.org/drawingml/2006/main" xmlns:r="http://schemas.openxmlformats.org/officeDocument/2006/relationships" xmlns:p="http://schemas.openxmlformats.org/presentationml/2006/main">
+  <p:cSld>
+    <p:spTree>
+      <p:nvGrpSpPr>
+        <p:cNvPr id="1" name=""/>
+        <p:cNvGrpSpPr/>
+        <p:nvPr/>
+      </p:nvGrpSpPr>
+      <p:grpSpPr>
+        <a:xfrm>
+          <a:off x="0" y="0"/>
+          <a:ext cx="0" cy="0"/>
+          <a:chOff x="0" y="0"/>
+          <a:chExt cx="0" cy="0"/>
+        </a:xfrm>
+      </p:grpSpPr>
+      <p:pic>
+        <p:nvPicPr>
+          <p:cNvPr id="2" name="Picture 1"/>
+          <p:cNvPicPr>
+            <a:picLocks noChangeAspect="1"/>
+          </p:cNvPicPr>
+          <p:nvPr/>
+        </p:nvPicPr>
+        <p:blipFill>
+          <a:blip r:embed="rId2" cstate="print">
+            <a:extLst>
+              <a:ext uri="{28A0092B-C50C-407E-A947-70E740481C1C}">
+                <a14:useLocalDpi xmlns:a14="http://schemas.microsoft.com/office/drawing/2010/main" val="0"/>
+              </a:ext>
+            </a:extLst>
+          </a:blip>
+          <a:stretch>
+            <a:fillRect/>
+          </a:stretch>
+        </p:blipFill>
+        <p:spPr>
+          <a:xfrm>
+            <a:off x="-175846" y="-4914243"/>
+            <a:ext cx="12482145" cy="18730534"/>
+          </a:xfrm>
+          <a:prstGeom prst="rect">
+            <a:avLst/>
+          </a:prstGeom>
+        </p:spPr>
+      </p:pic>
+      <p:pic>
+        <p:nvPicPr>
+          <p:cNvPr id="3" name="Picture 2"/>
+          <p:cNvPicPr>
+            <a:picLocks noChangeAspect="1"/>
+          </p:cNvPicPr>
+          <p:nvPr/>
+        </p:nvPicPr>
+        <p:blipFill>
+          <a:blip r:embed="rId3" cstate="hqprint">
+            <a:extLst>
+              <a:ext uri="{28A0092B-C50C-407E-A947-70E740481C1C}">
+                <a14:useLocalDpi xmlns:a14="http://schemas.microsoft.com/office/drawing/2010/main" val="0"/>
+              </a:ext>
+            </a:extLst>
+          </a:blip>
+          <a:stretch>
+            <a:fillRect/>
+          </a:stretch>
+        </p:blipFill>
+        <p:spPr>
+          <a:xfrm>
+            <a:off x="10649917" y="4070460"/>
+            <a:ext cx="1542083" cy="761128"/>
+          </a:xfrm>
+          <a:prstGeom prst="rect">
+            <a:avLst/>
+          </a:prstGeom>
+        </p:spPr>
+      </p:pic>
+    </p:spTree>
+    <p:extLst>
+      <p:ext uri="{BB962C8B-B14F-4D97-AF65-F5344CB8AC3E}">
+        <p14:creationId xmlns:p14="http://schemas.microsoft.com/office/powerpoint/2010/main" val="3535120381"/>
+      </p:ext>
+    </p:extLst>
+  </p:cSld>
+  <p:clrMapOvr>
+    <a:masterClrMapping/>
+  </p:clrMapOvr>
+  <p:timing>
+    <p:tnLst>
+      <p:par>
+        <p:cTn id="1" dur="indefinite" restart="never" nodeType="tmRoot"/>
+      </p:par>
+    </p:tnLst>
+  </p:timing>
+</p:sld>
+</file>
+
+<file path=ppt/slides/slide3.xml><?xml version="1.0" encoding="utf-8"?>
 <p:sld xmlns:a="http://schemas.openxmlformats.org/drawingml/2006/main" xmlns:r="http://schemas.openxmlformats.org/officeDocument/2006/relationships" xmlns:p="http://schemas.openxmlformats.org/presentationml/2006/main">
   <p:cSld>
     <p:spTree>
@@ -5970,7 +7028,7 @@
               <a:r>
                 <a:rPr lang="en-US" sz="3200" dirty="0" smtClean="0">
                   <a:solidFill>
-                    <a:srgbClr val="8F85F6"/>
+                    <a:srgbClr val="B8B9FA"/>
                   </a:solidFill>
                   <a:latin typeface=".VnBodoni" panose="020B7200000000000000" pitchFamily="34" charset="0"/>
                 </a:rPr>
@@ -5978,7 +7036,7 @@
               </a:r>
               <a:endParaRPr lang="en-US" sz="3200" dirty="0">
                 <a:solidFill>
-                  <a:srgbClr val="8F85F6"/>
+                  <a:srgbClr val="B8B9FA"/>
                 </a:solidFill>
                 <a:latin typeface=".VnBodoni" panose="020B7200000000000000" pitchFamily="34" charset="0"/>
               </a:endParaRPr>
@@ -6059,7 +7117,7 @@
 </p:sld>
 </file>
 
-<file path=ppt/slides/slide3.xml><?xml version="1.0" encoding="utf-8"?>
+<file path=ppt/slides/slide4.xml><?xml version="1.0" encoding="utf-8"?>
 <p:sld xmlns:a="http://schemas.openxmlformats.org/drawingml/2006/main" xmlns:r="http://schemas.openxmlformats.org/officeDocument/2006/relationships" xmlns:p="http://schemas.openxmlformats.org/presentationml/2006/main">
   <p:cSld>
     <p:spTree>
@@ -6357,7 +7415,547 @@
 </p:sld>
 </file>
 
-<file path=ppt/slides/slide4.xml><?xml version="1.0" encoding="utf-8"?>
+<file path=ppt/slides/slide5.xml><?xml version="1.0" encoding="utf-8"?>
+<p:sld xmlns:a="http://schemas.openxmlformats.org/drawingml/2006/main" xmlns:r="http://schemas.openxmlformats.org/officeDocument/2006/relationships" xmlns:p="http://schemas.openxmlformats.org/presentationml/2006/main">
+  <p:cSld>
+    <p:spTree>
+      <p:nvGrpSpPr>
+        <p:cNvPr id="1" name=""/>
+        <p:cNvGrpSpPr/>
+        <p:nvPr/>
+      </p:nvGrpSpPr>
+      <p:grpSpPr>
+        <a:xfrm>
+          <a:off x="0" y="0"/>
+          <a:ext cx="0" cy="0"/>
+          <a:chOff x="0" y="0"/>
+          <a:chExt cx="0" cy="0"/>
+        </a:xfrm>
+      </p:grpSpPr>
+      <p:sp>
+        <p:nvSpPr>
+          <p:cNvPr id="10" name="Rectangle 9"/>
+          <p:cNvSpPr/>
+          <p:nvPr/>
+        </p:nvSpPr>
+        <p:spPr>
+          <a:xfrm>
+            <a:off x="7599879" y="6488668"/>
+            <a:ext cx="4486613" cy="369332"/>
+          </a:xfrm>
+          <a:prstGeom prst="rect">
+            <a:avLst/>
+          </a:prstGeom>
+        </p:spPr>
+        <p:txBody>
+          <a:bodyPr wrap="none">
+            <a:spAutoFit/>
+          </a:bodyPr>
+          <a:lstStyle/>
+          <a:p>
+            <a:r>
+              <a:rPr lang="en-US" dirty="0"/>
+              <a:t>https://onlinepngtools.com/change-png-color</a:t>
+            </a:r>
+          </a:p>
+        </p:txBody>
+      </p:sp>
+      <p:grpSp>
+        <p:nvGrpSpPr>
+          <p:cNvPr id="2" name="Group 1"/>
+          <p:cNvGrpSpPr/>
+          <p:nvPr/>
+        </p:nvGrpSpPr>
+        <p:grpSpPr>
+          <a:xfrm>
+            <a:off x="569078" y="1093703"/>
+            <a:ext cx="7708147" cy="3452699"/>
+            <a:chOff x="569078" y="433654"/>
+            <a:chExt cx="7708147" cy="3452699"/>
+          </a:xfrm>
+        </p:grpSpPr>
+        <p:pic>
+          <p:nvPicPr>
+            <p:cNvPr id="13" name="Picture 12"/>
+            <p:cNvPicPr>
+              <a:picLocks noChangeAspect="1"/>
+            </p:cNvPicPr>
+            <p:nvPr/>
+          </p:nvPicPr>
+          <p:blipFill>
+            <a:blip r:embed="rId2" cstate="hqprint">
+              <a:extLst>
+                <a:ext uri="{28A0092B-C50C-407E-A947-70E740481C1C}">
+                  <a14:useLocalDpi xmlns:a14="http://schemas.microsoft.com/office/drawing/2010/main" val="0"/>
+                </a:ext>
+              </a:extLst>
+            </a:blip>
+            <a:stretch>
+              <a:fillRect/>
+            </a:stretch>
+          </p:blipFill>
+          <p:spPr>
+            <a:xfrm>
+              <a:off x="2552802" y="433654"/>
+              <a:ext cx="1870347" cy="2035794"/>
+            </a:xfrm>
+            <a:prstGeom prst="rect">
+              <a:avLst/>
+            </a:prstGeom>
+            <a:noFill/>
+            <a:ln>
+              <a:noFill/>
+            </a:ln>
+          </p:spPr>
+        </p:pic>
+        <p:sp>
+          <p:nvSpPr>
+            <p:cNvPr id="6" name="TextBox 5">
+              <a:extLst>
+                <a:ext uri="{FF2B5EF4-FFF2-40B4-BE49-F238E27FC236}">
+                  <a16:creationId xmlns:a16="http://schemas.microsoft.com/office/drawing/2014/main" id="{03E543EE-9D45-0E84-BBDF-F53D4E3F3461}"/>
+                </a:ext>
+              </a:extLst>
+            </p:cNvPr>
+            <p:cNvSpPr txBox="1"/>
+            <p:nvPr/>
+          </p:nvSpPr>
+          <p:spPr>
+            <a:xfrm>
+              <a:off x="569078" y="1850557"/>
+              <a:ext cx="7708147" cy="1938992"/>
+            </a:xfrm>
+            <a:prstGeom prst="rect">
+              <a:avLst/>
+            </a:prstGeom>
+            <a:noFill/>
+          </p:spPr>
+          <p:txBody>
+            <a:bodyPr wrap="square" rtlCol="0">
+              <a:spAutoFit/>
+            </a:bodyPr>
+            <a:lstStyle/>
+            <a:p>
+              <a:r>
+                <a:rPr lang="en-US" sz="12000" dirty="0" err="1" smtClean="0">
+                  <a:solidFill>
+                    <a:srgbClr val="628388"/>
+                  </a:solidFill>
+                  <a:latin typeface=".VnBodoni" panose="020B7200000000000000" pitchFamily="34" charset="0"/>
+                </a:rPr>
+                <a:t>BomBig</a:t>
+              </a:r>
+              <a:endParaRPr lang="en-US" sz="12000" dirty="0">
+                <a:solidFill>
+                  <a:srgbClr val="628388"/>
+                </a:solidFill>
+                <a:latin typeface=".VnBodoni" panose="020B7200000000000000" pitchFamily="34" charset="0"/>
+              </a:endParaRPr>
+            </a:p>
+          </p:txBody>
+        </p:sp>
+        <p:sp>
+          <p:nvSpPr>
+            <p:cNvPr id="8" name="TextBox 7">
+              <a:extLst>
+                <a:ext uri="{FF2B5EF4-FFF2-40B4-BE49-F238E27FC236}">
+                  <a16:creationId xmlns:a16="http://schemas.microsoft.com/office/drawing/2014/main" id="{7E1D8D22-5B5E-ADA3-6AB5-76CC9922C173}"/>
+                </a:ext>
+              </a:extLst>
+            </p:cNvPr>
+            <p:cNvSpPr txBox="1"/>
+            <p:nvPr/>
+          </p:nvSpPr>
+          <p:spPr>
+            <a:xfrm>
+              <a:off x="3269621" y="3301578"/>
+              <a:ext cx="3126177" cy="584775"/>
+            </a:xfrm>
+            <a:prstGeom prst="rect">
+              <a:avLst/>
+            </a:prstGeom>
+            <a:noFill/>
+          </p:spPr>
+          <p:txBody>
+            <a:bodyPr wrap="none" rtlCol="0">
+              <a:spAutoFit/>
+            </a:bodyPr>
+            <a:lstStyle/>
+            <a:p>
+              <a:r>
+                <a:rPr lang="en-US" sz="3200" dirty="0" smtClean="0">
+                  <a:solidFill>
+                    <a:srgbClr val="87B1A5"/>
+                  </a:solidFill>
+                  <a:latin typeface=".VnBodoni" panose="020B7200000000000000" pitchFamily="34" charset="0"/>
+                </a:rPr>
+                <a:t>Sexy All Day</a:t>
+              </a:r>
+              <a:endParaRPr lang="en-US" sz="3200" dirty="0">
+                <a:solidFill>
+                  <a:srgbClr val="87B1A5"/>
+                </a:solidFill>
+                <a:latin typeface=".VnBodoni" panose="020B7200000000000000" pitchFamily="34" charset="0"/>
+              </a:endParaRPr>
+            </a:p>
+          </p:txBody>
+        </p:sp>
+      </p:grpSp>
+      <p:sp>
+        <p:nvSpPr>
+          <p:cNvPr id="7" name="Rectangle 6"/>
+          <p:cNvSpPr/>
+          <p:nvPr/>
+        </p:nvSpPr>
+        <p:spPr>
+          <a:xfrm>
+            <a:off x="9291206" y="2497876"/>
+            <a:ext cx="2900794" cy="369332"/>
+          </a:xfrm>
+          <a:prstGeom prst="rect">
+            <a:avLst/>
+          </a:prstGeom>
+        </p:spPr>
+        <p:txBody>
+          <a:bodyPr wrap="none">
+            <a:spAutoFit/>
+          </a:bodyPr>
+          <a:lstStyle/>
+          <a:p>
+            <a:r>
+              <a:rPr lang="en-US" dirty="0" err="1"/>
+              <a:t>Bảng</a:t>
+            </a:r>
+            <a:r>
+              <a:rPr lang="en-US" dirty="0"/>
+              <a:t> </a:t>
+            </a:r>
+            <a:r>
+              <a:rPr lang="en-US" dirty="0" err="1"/>
+              <a:t>màu</a:t>
+            </a:r>
+            <a:r>
+              <a:rPr lang="en-US" dirty="0"/>
+              <a:t> </a:t>
+            </a:r>
+            <a:r>
+              <a:rPr lang="en-US" dirty="0" err="1"/>
+              <a:t>xanh</a:t>
+            </a:r>
+            <a:r>
+              <a:rPr lang="en-US" dirty="0"/>
+              <a:t> </a:t>
+            </a:r>
+            <a:r>
+              <a:rPr lang="en-US" dirty="0" err="1"/>
+              <a:t>đằm</a:t>
+            </a:r>
+            <a:r>
+              <a:rPr lang="en-US" dirty="0"/>
+              <a:t>, </a:t>
+            </a:r>
+            <a:r>
+              <a:rPr lang="en-US" dirty="0" err="1"/>
+              <a:t>hài</a:t>
+            </a:r>
+            <a:r>
+              <a:rPr lang="en-US" dirty="0"/>
+              <a:t> </a:t>
+            </a:r>
+            <a:r>
+              <a:rPr lang="en-US" dirty="0" err="1"/>
+              <a:t>hoà</a:t>
+            </a:r>
+            <a:endParaRPr lang="en-US" dirty="0"/>
+          </a:p>
+        </p:txBody>
+      </p:sp>
+      <p:pic>
+        <p:nvPicPr>
+          <p:cNvPr id="4" name="Picture 3"/>
+          <p:cNvPicPr>
+            <a:picLocks noChangeAspect="1"/>
+          </p:cNvPicPr>
+          <p:nvPr/>
+        </p:nvPicPr>
+        <p:blipFill>
+          <a:blip r:embed="rId3"/>
+          <a:stretch>
+            <a:fillRect/>
+          </a:stretch>
+        </p:blipFill>
+        <p:spPr>
+          <a:xfrm rot="5400000">
+            <a:off x="9146835" y="3585750"/>
+            <a:ext cx="3466792" cy="2197107"/>
+          </a:xfrm>
+          <a:prstGeom prst="rect">
+            <a:avLst/>
+          </a:prstGeom>
+        </p:spPr>
+      </p:pic>
+    </p:spTree>
+    <p:extLst>
+      <p:ext uri="{BB962C8B-B14F-4D97-AF65-F5344CB8AC3E}">
+        <p14:creationId xmlns:p14="http://schemas.microsoft.com/office/powerpoint/2010/main" val="330982379"/>
+      </p:ext>
+    </p:extLst>
+  </p:cSld>
+  <p:clrMapOvr>
+    <a:masterClrMapping/>
+  </p:clrMapOvr>
+  <p:timing>
+    <p:tnLst>
+      <p:par>
+        <p:cTn id="1" dur="indefinite" restart="never" nodeType="tmRoot"/>
+      </p:par>
+    </p:tnLst>
+  </p:timing>
+</p:sld>
+</file>
+
+<file path=ppt/slides/slide6.xml><?xml version="1.0" encoding="utf-8"?>
+<p:sld xmlns:a="http://schemas.openxmlformats.org/drawingml/2006/main" xmlns:r="http://schemas.openxmlformats.org/officeDocument/2006/relationships" xmlns:p="http://schemas.openxmlformats.org/presentationml/2006/main">
+  <p:cSld>
+    <p:spTree>
+      <p:nvGrpSpPr>
+        <p:cNvPr id="1" name=""/>
+        <p:cNvGrpSpPr/>
+        <p:nvPr/>
+      </p:nvGrpSpPr>
+      <p:grpSpPr>
+        <a:xfrm>
+          <a:off x="0" y="0"/>
+          <a:ext cx="0" cy="0"/>
+          <a:chOff x="0" y="0"/>
+          <a:chExt cx="0" cy="0"/>
+        </a:xfrm>
+      </p:grpSpPr>
+      <p:grpSp>
+        <p:nvGrpSpPr>
+          <p:cNvPr id="3" name="Group 2"/>
+          <p:cNvGrpSpPr/>
+          <p:nvPr/>
+        </p:nvGrpSpPr>
+        <p:grpSpPr>
+          <a:xfrm>
+            <a:off x="226178" y="-297772"/>
+            <a:ext cx="8051047" cy="7555747"/>
+            <a:chOff x="226178" y="-297772"/>
+            <a:chExt cx="8051047" cy="7555747"/>
+          </a:xfrm>
+        </p:grpSpPr>
+        <p:grpSp>
+          <p:nvGrpSpPr>
+            <p:cNvPr id="2" name="Group 1"/>
+            <p:cNvGrpSpPr/>
+            <p:nvPr/>
+          </p:nvGrpSpPr>
+          <p:grpSpPr>
+            <a:xfrm>
+              <a:off x="569078" y="1093703"/>
+              <a:ext cx="7708147" cy="3452699"/>
+              <a:chOff x="569078" y="433654"/>
+              <a:chExt cx="7708147" cy="3452699"/>
+            </a:xfrm>
+          </p:grpSpPr>
+          <p:pic>
+            <p:nvPicPr>
+              <p:cNvPr id="13" name="Picture 12"/>
+              <p:cNvPicPr>
+                <a:picLocks noChangeAspect="1"/>
+              </p:cNvPicPr>
+              <p:nvPr/>
+            </p:nvPicPr>
+            <p:blipFill>
+              <a:blip r:embed="rId2" cstate="hqprint">
+                <a:extLst>
+                  <a:ext uri="{28A0092B-C50C-407E-A947-70E740481C1C}">
+                    <a14:useLocalDpi xmlns:a14="http://schemas.microsoft.com/office/drawing/2010/main" val="0"/>
+                  </a:ext>
+                </a:extLst>
+              </a:blip>
+              <a:stretch>
+                <a:fillRect/>
+              </a:stretch>
+            </p:blipFill>
+            <p:spPr>
+              <a:xfrm>
+                <a:off x="2552802" y="433654"/>
+                <a:ext cx="1870347" cy="2035794"/>
+              </a:xfrm>
+              <a:prstGeom prst="rect">
+                <a:avLst/>
+              </a:prstGeom>
+              <a:noFill/>
+              <a:ln>
+                <a:noFill/>
+              </a:ln>
+            </p:spPr>
+          </p:pic>
+          <p:sp>
+            <p:nvSpPr>
+              <p:cNvPr id="6" name="TextBox 5">
+                <a:extLst>
+                  <a:ext uri="{FF2B5EF4-FFF2-40B4-BE49-F238E27FC236}">
+                    <a16:creationId xmlns:a16="http://schemas.microsoft.com/office/drawing/2014/main" id="{03E543EE-9D45-0E84-BBDF-F53D4E3F3461}"/>
+                  </a:ext>
+                </a:extLst>
+              </p:cNvPr>
+              <p:cNvSpPr txBox="1"/>
+              <p:nvPr/>
+            </p:nvSpPr>
+            <p:spPr>
+              <a:xfrm>
+                <a:off x="569078" y="1850557"/>
+                <a:ext cx="7708147" cy="1938992"/>
+              </a:xfrm>
+              <a:prstGeom prst="rect">
+                <a:avLst/>
+              </a:prstGeom>
+              <a:noFill/>
+            </p:spPr>
+            <p:txBody>
+              <a:bodyPr wrap="square" rtlCol="0">
+                <a:spAutoFit/>
+              </a:bodyPr>
+              <a:lstStyle/>
+              <a:p>
+                <a:r>
+                  <a:rPr lang="en-US" sz="12000" dirty="0" err="1" smtClean="0">
+                    <a:solidFill>
+                      <a:srgbClr val="628388"/>
+                    </a:solidFill>
+                    <a:latin typeface=".VnBodoni" panose="020B7200000000000000" pitchFamily="34" charset="0"/>
+                  </a:rPr>
+                  <a:t>BomBig</a:t>
+                </a:r>
+                <a:endParaRPr lang="en-US" sz="12000" dirty="0">
+                  <a:solidFill>
+                    <a:srgbClr val="628388"/>
+                  </a:solidFill>
+                  <a:latin typeface=".VnBodoni" panose="020B7200000000000000" pitchFamily="34" charset="0"/>
+                </a:endParaRPr>
+              </a:p>
+            </p:txBody>
+          </p:sp>
+          <p:sp>
+            <p:nvSpPr>
+              <p:cNvPr id="8" name="TextBox 7">
+                <a:extLst>
+                  <a:ext uri="{FF2B5EF4-FFF2-40B4-BE49-F238E27FC236}">
+                    <a16:creationId xmlns:a16="http://schemas.microsoft.com/office/drawing/2014/main" id="{7E1D8D22-5B5E-ADA3-6AB5-76CC9922C173}"/>
+                  </a:ext>
+                </a:extLst>
+              </p:cNvPr>
+              <p:cNvSpPr txBox="1"/>
+              <p:nvPr/>
+            </p:nvSpPr>
+            <p:spPr>
+              <a:xfrm>
+                <a:off x="3269621" y="3301578"/>
+                <a:ext cx="3126177" cy="584775"/>
+              </a:xfrm>
+              <a:prstGeom prst="rect">
+                <a:avLst/>
+              </a:prstGeom>
+              <a:noFill/>
+            </p:spPr>
+            <p:txBody>
+              <a:bodyPr wrap="none" rtlCol="0">
+                <a:spAutoFit/>
+              </a:bodyPr>
+              <a:lstStyle/>
+              <a:p>
+                <a:r>
+                  <a:rPr lang="en-US" sz="3200" dirty="0" smtClean="0">
+                    <a:solidFill>
+                      <a:srgbClr val="87B1A5"/>
+                    </a:solidFill>
+                    <a:latin typeface=".VnBodoni" panose="020B7200000000000000" pitchFamily="34" charset="0"/>
+                  </a:rPr>
+                  <a:t>Sexy All Day</a:t>
+                </a:r>
+                <a:endParaRPr lang="en-US" sz="3200" dirty="0">
+                  <a:solidFill>
+                    <a:srgbClr val="87B1A5"/>
+                  </a:solidFill>
+                  <a:latin typeface=".VnBodoni" panose="020B7200000000000000" pitchFamily="34" charset="0"/>
+                </a:endParaRPr>
+              </a:p>
+            </p:txBody>
+          </p:sp>
+        </p:grpSp>
+        <p:sp>
+          <p:nvSpPr>
+            <p:cNvPr id="17" name="Oval 16">
+              <a:extLst>
+                <a:ext uri="{FF2B5EF4-FFF2-40B4-BE49-F238E27FC236}">
+                  <a16:creationId xmlns:a16="http://schemas.microsoft.com/office/drawing/2014/main" id="{8749CE16-9F32-9064-81C4-96E69F1C86BD}"/>
+                </a:ext>
+              </a:extLst>
+            </p:cNvPr>
+            <p:cNvSpPr/>
+            <p:nvPr/>
+          </p:nvSpPr>
+          <p:spPr>
+            <a:xfrm>
+              <a:off x="226178" y="-297772"/>
+              <a:ext cx="7555747" cy="7555747"/>
+            </a:xfrm>
+            <a:prstGeom prst="ellipse">
+              <a:avLst/>
+            </a:prstGeom>
+            <a:noFill/>
+            <a:ln>
+              <a:noFill/>
+            </a:ln>
+          </p:spPr>
+          <p:style>
+            <a:lnRef idx="2">
+              <a:schemeClr val="accent2"/>
+            </a:lnRef>
+            <a:fillRef idx="1">
+              <a:schemeClr val="lt1"/>
+            </a:fillRef>
+            <a:effectRef idx="0">
+              <a:schemeClr val="accent2"/>
+            </a:effectRef>
+            <a:fontRef idx="minor">
+              <a:schemeClr val="dk1"/>
+            </a:fontRef>
+          </p:style>
+          <p:txBody>
+            <a:bodyPr rtlCol="0" anchor="ctr"/>
+            <a:lstStyle/>
+            <a:p>
+              <a:pPr algn="ctr"/>
+              <a:endParaRPr lang="en-US"/>
+            </a:p>
+          </p:txBody>
+        </p:sp>
+      </p:grpSp>
+    </p:spTree>
+    <p:extLst>
+      <p:ext uri="{BB962C8B-B14F-4D97-AF65-F5344CB8AC3E}">
+        <p14:creationId xmlns:p14="http://schemas.microsoft.com/office/powerpoint/2010/main" val="3564259589"/>
+      </p:ext>
+    </p:extLst>
+  </p:cSld>
+  <p:clrMapOvr>
+    <a:masterClrMapping/>
+  </p:clrMapOvr>
+  <p:timing>
+    <p:tnLst>
+      <p:par>
+        <p:cTn id="1" dur="indefinite" restart="never" nodeType="tmRoot"/>
+      </p:par>
+    </p:tnLst>
+  </p:timing>
+</p:sld>
+</file>
+
+<file path=ppt/slides/slide7.xml><?xml version="1.0" encoding="utf-8"?>
 <p:sld xmlns:a="http://schemas.openxmlformats.org/drawingml/2006/main" xmlns:r="http://schemas.openxmlformats.org/officeDocument/2006/relationships" xmlns:p="http://schemas.openxmlformats.org/presentationml/2006/main">
   <p:cSld>
     <p:spTree>
@@ -6742,7 +8340,7 @@
 </p:sld>
 </file>
 
-<file path=ppt/slides/slide5.xml><?xml version="1.0" encoding="utf-8"?>
+<file path=ppt/slides/slide8.xml><?xml version="1.0" encoding="utf-8"?>
 <p:sld xmlns:a="http://schemas.openxmlformats.org/drawingml/2006/main" xmlns:r="http://schemas.openxmlformats.org/officeDocument/2006/relationships" xmlns:p="http://schemas.openxmlformats.org/presentationml/2006/main">
   <p:cSld>
     <p:spTree>
@@ -7127,7 +8725,7 @@
 </p:sld>
 </file>
 
-<file path=ppt/slides/slide6.xml><?xml version="1.0" encoding="utf-8"?>
+<file path=ppt/slides/slide9.xml><?xml version="1.0" encoding="utf-8"?>
 <p:sld xmlns:a="http://schemas.openxmlformats.org/drawingml/2006/main" xmlns:r="http://schemas.openxmlformats.org/officeDocument/2006/relationships" xmlns:p="http://schemas.openxmlformats.org/presentationml/2006/main">
   <p:cSld>
     <p:spTree>
@@ -7496,722 +9094,6 @@
     <p:extLst>
       <p:ext uri="{BB962C8B-B14F-4D97-AF65-F5344CB8AC3E}">
         <p14:creationId xmlns:p14="http://schemas.microsoft.com/office/powerpoint/2010/main" val="2484359989"/>
-      </p:ext>
-    </p:extLst>
-  </p:cSld>
-  <p:clrMapOvr>
-    <a:masterClrMapping/>
-  </p:clrMapOvr>
-  <p:timing>
-    <p:tnLst>
-      <p:par>
-        <p:cTn id="1" dur="indefinite" restart="never" nodeType="tmRoot"/>
-      </p:par>
-    </p:tnLst>
-  </p:timing>
-</p:sld>
-</file>
-
-<file path=ppt/slides/slide7.xml><?xml version="1.0" encoding="utf-8"?>
-<p:sld xmlns:a="http://schemas.openxmlformats.org/drawingml/2006/main" xmlns:r="http://schemas.openxmlformats.org/officeDocument/2006/relationships" xmlns:p="http://schemas.openxmlformats.org/presentationml/2006/main">
-  <p:cSld>
-    <p:spTree>
-      <p:nvGrpSpPr>
-        <p:cNvPr id="1" name=""/>
-        <p:cNvGrpSpPr/>
-        <p:nvPr/>
-      </p:nvGrpSpPr>
-      <p:grpSpPr>
-        <a:xfrm>
-          <a:off x="0" y="0"/>
-          <a:ext cx="0" cy="0"/>
-          <a:chOff x="0" y="0"/>
-          <a:chExt cx="0" cy="0"/>
-        </a:xfrm>
-      </p:grpSpPr>
-      <p:grpSp>
-        <p:nvGrpSpPr>
-          <p:cNvPr id="2" name="Group 1"/>
-          <p:cNvGrpSpPr/>
-          <p:nvPr/>
-        </p:nvGrpSpPr>
-        <p:grpSpPr>
-          <a:xfrm>
-            <a:off x="569078" y="433654"/>
-            <a:ext cx="7708147" cy="3452699"/>
-            <a:chOff x="569078" y="433654"/>
-            <a:chExt cx="7708147" cy="3452699"/>
-          </a:xfrm>
-        </p:grpSpPr>
-        <p:pic>
-          <p:nvPicPr>
-            <p:cNvPr id="13" name="Picture 12"/>
-            <p:cNvPicPr>
-              <a:picLocks noChangeAspect="1"/>
-            </p:cNvPicPr>
-            <p:nvPr/>
-          </p:nvPicPr>
-          <p:blipFill>
-            <a:blip r:embed="rId2" cstate="hqprint">
-              <a:extLst>
-                <a:ext uri="{28A0092B-C50C-407E-A947-70E740481C1C}">
-                  <a14:useLocalDpi xmlns:a14="http://schemas.microsoft.com/office/drawing/2010/main" val="0"/>
-                </a:ext>
-              </a:extLst>
-            </a:blip>
-            <a:stretch>
-              <a:fillRect/>
-            </a:stretch>
-          </p:blipFill>
-          <p:spPr>
-            <a:xfrm>
-              <a:off x="2552802" y="433654"/>
-              <a:ext cx="1870349" cy="2035795"/>
-            </a:xfrm>
-            <a:prstGeom prst="rect">
-              <a:avLst/>
-            </a:prstGeom>
-            <a:noFill/>
-            <a:ln>
-              <a:noFill/>
-            </a:ln>
-          </p:spPr>
-        </p:pic>
-        <p:sp>
-          <p:nvSpPr>
-            <p:cNvPr id="6" name="TextBox 5">
-              <a:extLst>
-                <a:ext uri="{FF2B5EF4-FFF2-40B4-BE49-F238E27FC236}">
-                  <a16:creationId xmlns:a16="http://schemas.microsoft.com/office/drawing/2014/main" id="{03E543EE-9D45-0E84-BBDF-F53D4E3F3461}"/>
-                </a:ext>
-              </a:extLst>
-            </p:cNvPr>
-            <p:cNvSpPr txBox="1"/>
-            <p:nvPr/>
-          </p:nvSpPr>
-          <p:spPr>
-            <a:xfrm>
-              <a:off x="569078" y="1850557"/>
-              <a:ext cx="7708147" cy="1938992"/>
-            </a:xfrm>
-            <a:prstGeom prst="rect">
-              <a:avLst/>
-            </a:prstGeom>
-            <a:noFill/>
-          </p:spPr>
-          <p:txBody>
-            <a:bodyPr wrap="square" rtlCol="0">
-              <a:spAutoFit/>
-            </a:bodyPr>
-            <a:lstStyle/>
-            <a:p>
-              <a:r>
-                <a:rPr lang="en-US" sz="12000" dirty="0" err="1" smtClean="0">
-                  <a:solidFill>
-                    <a:srgbClr val="FFB6E2"/>
-                  </a:solidFill>
-                  <a:latin typeface=".VnBodoni" panose="020B7200000000000000" pitchFamily="34" charset="0"/>
-                </a:rPr>
-                <a:t>BomBig</a:t>
-              </a:r>
-              <a:endParaRPr lang="en-US" sz="12000" dirty="0">
-                <a:solidFill>
-                  <a:srgbClr val="FFB6E2"/>
-                </a:solidFill>
-                <a:latin typeface=".VnBodoni" panose="020B7200000000000000" pitchFamily="34" charset="0"/>
-              </a:endParaRPr>
-            </a:p>
-          </p:txBody>
-        </p:sp>
-        <p:sp>
-          <p:nvSpPr>
-            <p:cNvPr id="8" name="TextBox 7">
-              <a:extLst>
-                <a:ext uri="{FF2B5EF4-FFF2-40B4-BE49-F238E27FC236}">
-                  <a16:creationId xmlns:a16="http://schemas.microsoft.com/office/drawing/2014/main" id="{7E1D8D22-5B5E-ADA3-6AB5-76CC9922C173}"/>
-                </a:ext>
-              </a:extLst>
-            </p:cNvPr>
-            <p:cNvSpPr txBox="1"/>
-            <p:nvPr/>
-          </p:nvSpPr>
-          <p:spPr>
-            <a:xfrm>
-              <a:off x="3269621" y="3301578"/>
-              <a:ext cx="3126177" cy="584775"/>
-            </a:xfrm>
-            <a:prstGeom prst="rect">
-              <a:avLst/>
-            </a:prstGeom>
-            <a:noFill/>
-          </p:spPr>
-          <p:txBody>
-            <a:bodyPr wrap="none" rtlCol="0">
-              <a:spAutoFit/>
-            </a:bodyPr>
-            <a:lstStyle/>
-            <a:p>
-              <a:r>
-                <a:rPr lang="en-US" sz="3200" dirty="0" smtClean="0">
-                  <a:solidFill>
-                    <a:srgbClr val="FFB6E2"/>
-                  </a:solidFill>
-                  <a:latin typeface=".VnBodoni" panose="020B7200000000000000" pitchFamily="34" charset="0"/>
-                </a:rPr>
-                <a:t>Sexy All Day</a:t>
-              </a:r>
-              <a:endParaRPr lang="en-US" sz="3200" dirty="0">
-                <a:solidFill>
-                  <a:srgbClr val="FFB6E2"/>
-                </a:solidFill>
-                <a:latin typeface=".VnBodoni" panose="020B7200000000000000" pitchFamily="34" charset="0"/>
-              </a:endParaRPr>
-            </a:p>
-          </p:txBody>
-        </p:sp>
-      </p:grpSp>
-      <p:sp>
-        <p:nvSpPr>
-          <p:cNvPr id="3" name="Rectangle 2"/>
-          <p:cNvSpPr/>
-          <p:nvPr/>
-        </p:nvSpPr>
-        <p:spPr>
-          <a:xfrm>
-            <a:off x="8672343" y="2635387"/>
-            <a:ext cx="934615" cy="369332"/>
-          </a:xfrm>
-          <a:prstGeom prst="rect">
-            <a:avLst/>
-          </a:prstGeom>
-        </p:spPr>
-        <p:txBody>
-          <a:bodyPr wrap="none">
-            <a:spAutoFit/>
-          </a:bodyPr>
-          <a:lstStyle/>
-          <a:p>
-            <a:r>
-              <a:rPr lang="en-US" dirty="0"/>
-              <a:t>#fcb4e3</a:t>
-            </a:r>
-          </a:p>
-        </p:txBody>
-      </p:sp>
-      <p:sp>
-        <p:nvSpPr>
-          <p:cNvPr id="7" name="Rectangle 6"/>
-          <p:cNvSpPr/>
-          <p:nvPr/>
-        </p:nvSpPr>
-        <p:spPr>
-          <a:xfrm>
-            <a:off x="7491243" y="598786"/>
-            <a:ext cx="4486613" cy="369332"/>
-          </a:xfrm>
-          <a:prstGeom prst="rect">
-            <a:avLst/>
-          </a:prstGeom>
-        </p:spPr>
-        <p:txBody>
-          <a:bodyPr wrap="none">
-            <a:spAutoFit/>
-          </a:bodyPr>
-          <a:lstStyle/>
-          <a:p>
-            <a:r>
-              <a:rPr lang="en-US" dirty="0"/>
-              <a:t>https://onlinepngtools.com/change-png-color</a:t>
-            </a:r>
-          </a:p>
-        </p:txBody>
-      </p:sp>
-    </p:spTree>
-    <p:extLst>
-      <p:ext uri="{BB962C8B-B14F-4D97-AF65-F5344CB8AC3E}">
-        <p14:creationId xmlns:p14="http://schemas.microsoft.com/office/powerpoint/2010/main" val="850656789"/>
-      </p:ext>
-    </p:extLst>
-  </p:cSld>
-  <p:clrMapOvr>
-    <a:masterClrMapping/>
-  </p:clrMapOvr>
-  <p:timing>
-    <p:tnLst>
-      <p:par>
-        <p:cTn id="1" dur="indefinite" restart="never" nodeType="tmRoot"/>
-      </p:par>
-    </p:tnLst>
-  </p:timing>
-</p:sld>
-</file>
-
-<file path=ppt/slides/slide8.xml><?xml version="1.0" encoding="utf-8"?>
-<p:sld xmlns:a="http://schemas.openxmlformats.org/drawingml/2006/main" xmlns:r="http://schemas.openxmlformats.org/officeDocument/2006/relationships" xmlns:p="http://schemas.openxmlformats.org/presentationml/2006/main">
-  <p:cSld>
-    <p:spTree>
-      <p:nvGrpSpPr>
-        <p:cNvPr id="1" name=""/>
-        <p:cNvGrpSpPr/>
-        <p:nvPr/>
-      </p:nvGrpSpPr>
-      <p:grpSpPr>
-        <a:xfrm>
-          <a:off x="0" y="0"/>
-          <a:ext cx="0" cy="0"/>
-          <a:chOff x="0" y="0"/>
-          <a:chExt cx="0" cy="0"/>
-        </a:xfrm>
-      </p:grpSpPr>
-      <p:grpSp>
-        <p:nvGrpSpPr>
-          <p:cNvPr id="4" name="Group 3"/>
-          <p:cNvGrpSpPr/>
-          <p:nvPr/>
-        </p:nvGrpSpPr>
-        <p:grpSpPr>
-          <a:xfrm>
-            <a:off x="226178" y="-297772"/>
-            <a:ext cx="8051047" cy="7555747"/>
-            <a:chOff x="226178" y="-297772"/>
-            <a:chExt cx="8051047" cy="7555747"/>
-          </a:xfrm>
-        </p:grpSpPr>
-        <p:grpSp>
-          <p:nvGrpSpPr>
-            <p:cNvPr id="2" name="Group 1"/>
-            <p:cNvGrpSpPr/>
-            <p:nvPr/>
-          </p:nvGrpSpPr>
-          <p:grpSpPr>
-            <a:xfrm>
-              <a:off x="569078" y="1093703"/>
-              <a:ext cx="7708147" cy="3452699"/>
-              <a:chOff x="569078" y="433654"/>
-              <a:chExt cx="7708147" cy="3452699"/>
-            </a:xfrm>
-          </p:grpSpPr>
-          <p:pic>
-            <p:nvPicPr>
-              <p:cNvPr id="13" name="Picture 12"/>
-              <p:cNvPicPr>
-                <a:picLocks noChangeAspect="1"/>
-              </p:cNvPicPr>
-              <p:nvPr/>
-            </p:nvPicPr>
-            <p:blipFill>
-              <a:blip r:embed="rId2" cstate="print">
-                <a:extLst>
-                  <a:ext uri="{28A0092B-C50C-407E-A947-70E740481C1C}">
-                    <a14:useLocalDpi xmlns:a14="http://schemas.microsoft.com/office/drawing/2010/main" val="0"/>
-                  </a:ext>
-                </a:extLst>
-              </a:blip>
-              <a:stretch>
-                <a:fillRect/>
-              </a:stretch>
-            </p:blipFill>
-            <p:spPr>
-              <a:xfrm>
-                <a:off x="2552802" y="433654"/>
-                <a:ext cx="1870349" cy="2035796"/>
-              </a:xfrm>
-              <a:prstGeom prst="rect">
-                <a:avLst/>
-              </a:prstGeom>
-              <a:noFill/>
-              <a:ln>
-                <a:noFill/>
-              </a:ln>
-            </p:spPr>
-          </p:pic>
-          <p:sp>
-            <p:nvSpPr>
-              <p:cNvPr id="6" name="TextBox 5">
-                <a:extLst>
-                  <a:ext uri="{FF2B5EF4-FFF2-40B4-BE49-F238E27FC236}">
-                    <a16:creationId xmlns:a16="http://schemas.microsoft.com/office/drawing/2014/main" id="{03E543EE-9D45-0E84-BBDF-F53D4E3F3461}"/>
-                  </a:ext>
-                </a:extLst>
-              </p:cNvPr>
-              <p:cNvSpPr txBox="1"/>
-              <p:nvPr/>
-            </p:nvSpPr>
-            <p:spPr>
-              <a:xfrm>
-                <a:off x="569078" y="1850557"/>
-                <a:ext cx="7708147" cy="1938992"/>
-              </a:xfrm>
-              <a:prstGeom prst="rect">
-                <a:avLst/>
-              </a:prstGeom>
-              <a:noFill/>
-            </p:spPr>
-            <p:txBody>
-              <a:bodyPr wrap="square" rtlCol="0">
-                <a:spAutoFit/>
-              </a:bodyPr>
-              <a:lstStyle/>
-              <a:p>
-                <a:r>
-                  <a:rPr lang="en-US" sz="12000" dirty="0" err="1" smtClean="0">
-                    <a:solidFill>
-                      <a:srgbClr val="B5292F"/>
-                    </a:solidFill>
-                    <a:latin typeface=".VnBodoni" panose="020B7200000000000000" pitchFamily="34" charset="0"/>
-                  </a:rPr>
-                  <a:t>BomBig</a:t>
-                </a:r>
-                <a:endParaRPr lang="en-US" sz="12000" dirty="0">
-                  <a:solidFill>
-                    <a:srgbClr val="B5292F"/>
-                  </a:solidFill>
-                  <a:latin typeface=".VnBodoni" panose="020B7200000000000000" pitchFamily="34" charset="0"/>
-                </a:endParaRPr>
-              </a:p>
-            </p:txBody>
-          </p:sp>
-          <p:sp>
-            <p:nvSpPr>
-              <p:cNvPr id="8" name="TextBox 7">
-                <a:extLst>
-                  <a:ext uri="{FF2B5EF4-FFF2-40B4-BE49-F238E27FC236}">
-                    <a16:creationId xmlns:a16="http://schemas.microsoft.com/office/drawing/2014/main" id="{7E1D8D22-5B5E-ADA3-6AB5-76CC9922C173}"/>
-                  </a:ext>
-                </a:extLst>
-              </p:cNvPr>
-              <p:cNvSpPr txBox="1"/>
-              <p:nvPr/>
-            </p:nvSpPr>
-            <p:spPr>
-              <a:xfrm>
-                <a:off x="3269621" y="3301578"/>
-                <a:ext cx="3126177" cy="584775"/>
-              </a:xfrm>
-              <a:prstGeom prst="rect">
-                <a:avLst/>
-              </a:prstGeom>
-              <a:noFill/>
-            </p:spPr>
-            <p:txBody>
-              <a:bodyPr wrap="none" rtlCol="0">
-                <a:spAutoFit/>
-              </a:bodyPr>
-              <a:lstStyle/>
-              <a:p>
-                <a:r>
-                  <a:rPr lang="en-US" sz="3200" dirty="0" smtClean="0">
-                    <a:solidFill>
-                      <a:srgbClr val="B5292F"/>
-                    </a:solidFill>
-                    <a:latin typeface=".VnBodoni" panose="020B7200000000000000" pitchFamily="34" charset="0"/>
-                  </a:rPr>
-                  <a:t>Sexy All Day</a:t>
-                </a:r>
-                <a:endParaRPr lang="en-US" sz="3200" dirty="0">
-                  <a:solidFill>
-                    <a:srgbClr val="B5292F"/>
-                  </a:solidFill>
-                  <a:latin typeface=".VnBodoni" panose="020B7200000000000000" pitchFamily="34" charset="0"/>
-                </a:endParaRPr>
-              </a:p>
-            </p:txBody>
-          </p:sp>
-        </p:grpSp>
-        <p:sp>
-          <p:nvSpPr>
-            <p:cNvPr id="12" name="Oval 11">
-              <a:extLst>
-                <a:ext uri="{FF2B5EF4-FFF2-40B4-BE49-F238E27FC236}">
-                  <a16:creationId xmlns:a16="http://schemas.microsoft.com/office/drawing/2014/main" id="{8749CE16-9F32-9064-81C4-96E69F1C86BD}"/>
-                </a:ext>
-              </a:extLst>
-            </p:cNvPr>
-            <p:cNvSpPr/>
-            <p:nvPr/>
-          </p:nvSpPr>
-          <p:spPr>
-            <a:xfrm>
-              <a:off x="226178" y="-297772"/>
-              <a:ext cx="7555747" cy="7555747"/>
-            </a:xfrm>
-            <a:prstGeom prst="ellipse">
-              <a:avLst/>
-            </a:prstGeom>
-            <a:noFill/>
-            <a:ln>
-              <a:noFill/>
-            </a:ln>
-          </p:spPr>
-          <p:style>
-            <a:lnRef idx="2">
-              <a:schemeClr val="accent2"/>
-            </a:lnRef>
-            <a:fillRef idx="1">
-              <a:schemeClr val="lt1"/>
-            </a:fillRef>
-            <a:effectRef idx="0">
-              <a:schemeClr val="accent2"/>
-            </a:effectRef>
-            <a:fontRef idx="minor">
-              <a:schemeClr val="dk1"/>
-            </a:fontRef>
-          </p:style>
-          <p:txBody>
-            <a:bodyPr rtlCol="0" anchor="ctr"/>
-            <a:lstStyle/>
-            <a:p>
-              <a:pPr algn="ctr"/>
-              <a:endParaRPr lang="en-US"/>
-            </a:p>
-          </p:txBody>
-        </p:sp>
-      </p:grpSp>
-    </p:spTree>
-    <p:extLst>
-      <p:ext uri="{BB962C8B-B14F-4D97-AF65-F5344CB8AC3E}">
-        <p14:creationId xmlns:p14="http://schemas.microsoft.com/office/powerpoint/2010/main" val="3750084381"/>
-      </p:ext>
-    </p:extLst>
-  </p:cSld>
-  <p:clrMapOvr>
-    <a:masterClrMapping/>
-  </p:clrMapOvr>
-  <p:timing>
-    <p:tnLst>
-      <p:par>
-        <p:cTn id="1" dur="indefinite" restart="never" nodeType="tmRoot"/>
-      </p:par>
-    </p:tnLst>
-  </p:timing>
-</p:sld>
-</file>
-
-<file path=ppt/slides/slide9.xml><?xml version="1.0" encoding="utf-8"?>
-<p:sld xmlns:a="http://schemas.openxmlformats.org/drawingml/2006/main" xmlns:r="http://schemas.openxmlformats.org/officeDocument/2006/relationships" xmlns:p="http://schemas.openxmlformats.org/presentationml/2006/main">
-  <p:cSld>
-    <p:spTree>
-      <p:nvGrpSpPr>
-        <p:cNvPr id="1" name=""/>
-        <p:cNvGrpSpPr/>
-        <p:nvPr/>
-      </p:nvGrpSpPr>
-      <p:grpSpPr>
-        <a:xfrm>
-          <a:off x="0" y="0"/>
-          <a:ext cx="0" cy="0"/>
-          <a:chOff x="0" y="0"/>
-          <a:chExt cx="0" cy="0"/>
-        </a:xfrm>
-      </p:grpSpPr>
-      <p:grpSp>
-        <p:nvGrpSpPr>
-          <p:cNvPr id="4" name="Group 3"/>
-          <p:cNvGrpSpPr/>
-          <p:nvPr/>
-        </p:nvGrpSpPr>
-        <p:grpSpPr>
-          <a:xfrm>
-            <a:off x="226178" y="-297772"/>
-            <a:ext cx="8051047" cy="7555747"/>
-            <a:chOff x="226178" y="-297772"/>
-            <a:chExt cx="8051047" cy="7555747"/>
-          </a:xfrm>
-        </p:grpSpPr>
-        <p:grpSp>
-          <p:nvGrpSpPr>
-            <p:cNvPr id="2" name="Group 1"/>
-            <p:cNvGrpSpPr/>
-            <p:nvPr/>
-          </p:nvGrpSpPr>
-          <p:grpSpPr>
-            <a:xfrm>
-              <a:off x="569078" y="1093703"/>
-              <a:ext cx="7708147" cy="3452699"/>
-              <a:chOff x="569078" y="433654"/>
-              <a:chExt cx="7708147" cy="3452699"/>
-            </a:xfrm>
-          </p:grpSpPr>
-          <p:pic>
-            <p:nvPicPr>
-              <p:cNvPr id="13" name="Picture 12"/>
-              <p:cNvPicPr>
-                <a:picLocks noChangeAspect="1"/>
-              </p:cNvPicPr>
-              <p:nvPr/>
-            </p:nvPicPr>
-            <p:blipFill>
-              <a:blip r:embed="rId2" cstate="print">
-                <a:extLst>
-                  <a:ext uri="{28A0092B-C50C-407E-A947-70E740481C1C}">
-                    <a14:useLocalDpi xmlns:a14="http://schemas.microsoft.com/office/drawing/2010/main" val="0"/>
-                  </a:ext>
-                </a:extLst>
-              </a:blip>
-              <a:stretch>
-                <a:fillRect/>
-              </a:stretch>
-            </p:blipFill>
-            <p:spPr>
-              <a:xfrm>
-                <a:off x="2552802" y="433654"/>
-                <a:ext cx="1870349" cy="2035795"/>
-              </a:xfrm>
-              <a:prstGeom prst="rect">
-                <a:avLst/>
-              </a:prstGeom>
-              <a:noFill/>
-              <a:ln>
-                <a:noFill/>
-              </a:ln>
-            </p:spPr>
-          </p:pic>
-          <p:sp>
-            <p:nvSpPr>
-              <p:cNvPr id="6" name="TextBox 5">
-                <a:extLst>
-                  <a:ext uri="{FF2B5EF4-FFF2-40B4-BE49-F238E27FC236}">
-                    <a16:creationId xmlns:a16="http://schemas.microsoft.com/office/drawing/2014/main" id="{03E543EE-9D45-0E84-BBDF-F53D4E3F3461}"/>
-                  </a:ext>
-                </a:extLst>
-              </p:cNvPr>
-              <p:cNvSpPr txBox="1"/>
-              <p:nvPr/>
-            </p:nvSpPr>
-            <p:spPr>
-              <a:xfrm>
-                <a:off x="569078" y="1850557"/>
-                <a:ext cx="7708147" cy="1938992"/>
-              </a:xfrm>
-              <a:prstGeom prst="rect">
-                <a:avLst/>
-              </a:prstGeom>
-              <a:noFill/>
-            </p:spPr>
-            <p:txBody>
-              <a:bodyPr wrap="square" rtlCol="0">
-                <a:spAutoFit/>
-              </a:bodyPr>
-              <a:lstStyle/>
-              <a:p>
-                <a:r>
-                  <a:rPr lang="en-US" sz="12000" dirty="0" err="1" smtClean="0">
-                    <a:solidFill>
-                      <a:srgbClr val="FFB6E2"/>
-                    </a:solidFill>
-                    <a:latin typeface=".VnBodoni" panose="020B7200000000000000" pitchFamily="34" charset="0"/>
-                  </a:rPr>
-                  <a:t>BomBig</a:t>
-                </a:r>
-                <a:endParaRPr lang="en-US" sz="12000" dirty="0">
-                  <a:solidFill>
-                    <a:srgbClr val="FFB6E2"/>
-                  </a:solidFill>
-                  <a:latin typeface=".VnBodoni" panose="020B7200000000000000" pitchFamily="34" charset="0"/>
-                </a:endParaRPr>
-              </a:p>
-            </p:txBody>
-          </p:sp>
-          <p:sp>
-            <p:nvSpPr>
-              <p:cNvPr id="8" name="TextBox 7">
-                <a:extLst>
-                  <a:ext uri="{FF2B5EF4-FFF2-40B4-BE49-F238E27FC236}">
-                    <a16:creationId xmlns:a16="http://schemas.microsoft.com/office/drawing/2014/main" id="{7E1D8D22-5B5E-ADA3-6AB5-76CC9922C173}"/>
-                  </a:ext>
-                </a:extLst>
-              </p:cNvPr>
-              <p:cNvSpPr txBox="1"/>
-              <p:nvPr/>
-            </p:nvSpPr>
-            <p:spPr>
-              <a:xfrm>
-                <a:off x="3269621" y="3301578"/>
-                <a:ext cx="3126177" cy="584775"/>
-              </a:xfrm>
-              <a:prstGeom prst="rect">
-                <a:avLst/>
-              </a:prstGeom>
-              <a:noFill/>
-            </p:spPr>
-            <p:txBody>
-              <a:bodyPr wrap="none" rtlCol="0">
-                <a:spAutoFit/>
-              </a:bodyPr>
-              <a:lstStyle/>
-              <a:p>
-                <a:r>
-                  <a:rPr lang="en-US" sz="3200" dirty="0" smtClean="0">
-                    <a:solidFill>
-                      <a:srgbClr val="FFB6E2"/>
-                    </a:solidFill>
-                    <a:latin typeface=".VnBodoni" panose="020B7200000000000000" pitchFamily="34" charset="0"/>
-                  </a:rPr>
-                  <a:t>Sexy All Day</a:t>
-                </a:r>
-                <a:endParaRPr lang="en-US" sz="3200" dirty="0">
-                  <a:solidFill>
-                    <a:srgbClr val="FFB6E2"/>
-                  </a:solidFill>
-                  <a:latin typeface=".VnBodoni" panose="020B7200000000000000" pitchFamily="34" charset="0"/>
-                </a:endParaRPr>
-              </a:p>
-            </p:txBody>
-          </p:sp>
-        </p:grpSp>
-        <p:sp>
-          <p:nvSpPr>
-            <p:cNvPr id="12" name="Oval 11">
-              <a:extLst>
-                <a:ext uri="{FF2B5EF4-FFF2-40B4-BE49-F238E27FC236}">
-                  <a16:creationId xmlns:a16="http://schemas.microsoft.com/office/drawing/2014/main" id="{8749CE16-9F32-9064-81C4-96E69F1C86BD}"/>
-                </a:ext>
-              </a:extLst>
-            </p:cNvPr>
-            <p:cNvSpPr/>
-            <p:nvPr/>
-          </p:nvSpPr>
-          <p:spPr>
-            <a:xfrm>
-              <a:off x="226178" y="-297772"/>
-              <a:ext cx="7555747" cy="7555747"/>
-            </a:xfrm>
-            <a:prstGeom prst="ellipse">
-              <a:avLst/>
-            </a:prstGeom>
-            <a:noFill/>
-            <a:ln>
-              <a:noFill/>
-            </a:ln>
-          </p:spPr>
-          <p:style>
-            <a:lnRef idx="2">
-              <a:schemeClr val="accent2"/>
-            </a:lnRef>
-            <a:fillRef idx="1">
-              <a:schemeClr val="lt1"/>
-            </a:fillRef>
-            <a:effectRef idx="0">
-              <a:schemeClr val="accent2"/>
-            </a:effectRef>
-            <a:fontRef idx="minor">
-              <a:schemeClr val="dk1"/>
-            </a:fontRef>
-          </p:style>
-          <p:txBody>
-            <a:bodyPr rtlCol="0" anchor="ctr"/>
-            <a:lstStyle/>
-            <a:p>
-              <a:pPr algn="ctr"/>
-              <a:endParaRPr lang="en-US"/>
-            </a:p>
-          </p:txBody>
-        </p:sp>
-      </p:grpSp>
-    </p:spTree>
-    <p:extLst>
-      <p:ext uri="{BB962C8B-B14F-4D97-AF65-F5344CB8AC3E}">
-        <p14:creationId xmlns:p14="http://schemas.microsoft.com/office/powerpoint/2010/main" val="3394723697"/>
       </p:ext>
     </p:extLst>
   </p:cSld>

--- a/JS05_WEB_TRANGDIEMCODAU_DEMO/DESIGNER/BOMBIG_SEXY_ALL_DAY.pptx
+++ b/JS05_WEB_TRANGDIEMCODAU_DEMO/DESIGNER/BOMBIG_SEXY_ALL_DAY.pptx
@@ -280,7 +280,7 @@
           <a:p>
             <a:fld id="{41AE6BA5-1B2D-41F4-9900-921111E035AB}" type="datetimeFigureOut">
               <a:rPr lang="en-US" smtClean="0"/>
-              <a:t>10-Sep-24</a:t>
+              <a:t>13-Sep-24</a:t>
             </a:fld>
             <a:endParaRPr lang="en-US"/>
           </a:p>
@@ -478,7 +478,7 @@
           <a:p>
             <a:fld id="{41AE6BA5-1B2D-41F4-9900-921111E035AB}" type="datetimeFigureOut">
               <a:rPr lang="en-US" smtClean="0"/>
-              <a:t>10-Sep-24</a:t>
+              <a:t>13-Sep-24</a:t>
             </a:fld>
             <a:endParaRPr lang="en-US"/>
           </a:p>
@@ -686,7 +686,7 @@
           <a:p>
             <a:fld id="{41AE6BA5-1B2D-41F4-9900-921111E035AB}" type="datetimeFigureOut">
               <a:rPr lang="en-US" smtClean="0"/>
-              <a:t>10-Sep-24</a:t>
+              <a:t>13-Sep-24</a:t>
             </a:fld>
             <a:endParaRPr lang="en-US"/>
           </a:p>
@@ -884,7 +884,7 @@
           <a:p>
             <a:fld id="{41AE6BA5-1B2D-41F4-9900-921111E035AB}" type="datetimeFigureOut">
               <a:rPr lang="en-US" smtClean="0"/>
-              <a:t>10-Sep-24</a:t>
+              <a:t>13-Sep-24</a:t>
             </a:fld>
             <a:endParaRPr lang="en-US"/>
           </a:p>
@@ -1159,7 +1159,7 @@
           <a:p>
             <a:fld id="{41AE6BA5-1B2D-41F4-9900-921111E035AB}" type="datetimeFigureOut">
               <a:rPr lang="en-US" smtClean="0"/>
-              <a:t>10-Sep-24</a:t>
+              <a:t>13-Sep-24</a:t>
             </a:fld>
             <a:endParaRPr lang="en-US"/>
           </a:p>
@@ -1424,7 +1424,7 @@
           <a:p>
             <a:fld id="{41AE6BA5-1B2D-41F4-9900-921111E035AB}" type="datetimeFigureOut">
               <a:rPr lang="en-US" smtClean="0"/>
-              <a:t>10-Sep-24</a:t>
+              <a:t>13-Sep-24</a:t>
             </a:fld>
             <a:endParaRPr lang="en-US"/>
           </a:p>
@@ -1836,7 +1836,7 @@
           <a:p>
             <a:fld id="{41AE6BA5-1B2D-41F4-9900-921111E035AB}" type="datetimeFigureOut">
               <a:rPr lang="en-US" smtClean="0"/>
-              <a:t>10-Sep-24</a:t>
+              <a:t>13-Sep-24</a:t>
             </a:fld>
             <a:endParaRPr lang="en-US"/>
           </a:p>
@@ -1977,7 +1977,7 @@
           <a:p>
             <a:fld id="{41AE6BA5-1B2D-41F4-9900-921111E035AB}" type="datetimeFigureOut">
               <a:rPr lang="en-US" smtClean="0"/>
-              <a:t>10-Sep-24</a:t>
+              <a:t>13-Sep-24</a:t>
             </a:fld>
             <a:endParaRPr lang="en-US"/>
           </a:p>
@@ -2090,7 +2090,7 @@
           <a:p>
             <a:fld id="{41AE6BA5-1B2D-41F4-9900-921111E035AB}" type="datetimeFigureOut">
               <a:rPr lang="en-US" smtClean="0"/>
-              <a:t>10-Sep-24</a:t>
+              <a:t>13-Sep-24</a:t>
             </a:fld>
             <a:endParaRPr lang="en-US"/>
           </a:p>
@@ -2401,7 +2401,7 @@
           <a:p>
             <a:fld id="{41AE6BA5-1B2D-41F4-9900-921111E035AB}" type="datetimeFigureOut">
               <a:rPr lang="en-US" smtClean="0"/>
-              <a:t>10-Sep-24</a:t>
+              <a:t>13-Sep-24</a:t>
             </a:fld>
             <a:endParaRPr lang="en-US"/>
           </a:p>
@@ -2689,7 +2689,7 @@
           <a:p>
             <a:fld id="{41AE6BA5-1B2D-41F4-9900-921111E035AB}" type="datetimeFigureOut">
               <a:rPr lang="en-US" smtClean="0"/>
-              <a:t>10-Sep-24</a:t>
+              <a:t>13-Sep-24</a:t>
             </a:fld>
             <a:endParaRPr lang="en-US"/>
           </a:p>
@@ -2930,7 +2930,7 @@
           <a:p>
             <a:fld id="{41AE6BA5-1B2D-41F4-9900-921111E035AB}" type="datetimeFigureOut">
               <a:rPr lang="en-US" smtClean="0"/>
-              <a:t>10-Sep-24</a:t>
+              <a:t>13-Sep-24</a:t>
             </a:fld>
             <a:endParaRPr lang="en-US"/>
           </a:p>
@@ -7739,7 +7739,7 @@
         </p:nvGrpSpPr>
         <p:grpSpPr>
           <a:xfrm>
-            <a:off x="226178" y="-297772"/>
+            <a:off x="-1260984" y="-225200"/>
             <a:ext cx="8051047" cy="7555747"/>
             <a:chOff x="226178" y="-297772"/>
             <a:chExt cx="8051047" cy="7555747"/>
@@ -7769,6 +7769,13 @@
             </p:nvPicPr>
             <p:blipFill>
               <a:blip r:embed="rId2" cstate="hqprint">
+                <a:duotone>
+                  <a:prstClr val="black"/>
+                  <a:schemeClr val="accent1">
+                    <a:tint val="45000"/>
+                    <a:satMod val="400000"/>
+                  </a:schemeClr>
+                </a:duotone>
                 <a:extLst>
                   <a:ext uri="{28A0092B-C50C-407E-A947-70E740481C1C}">
                     <a14:useLocalDpi xmlns:a14="http://schemas.microsoft.com/office/drawing/2010/main" val="0"/>
@@ -7870,7 +7877,7 @@
                 <a:r>
                   <a:rPr lang="en-US" sz="3200" dirty="0" smtClean="0">
                     <a:solidFill>
-                      <a:srgbClr val="87B1A5"/>
+                      <a:srgbClr val="6477A6"/>
                     </a:solidFill>
                     <a:latin typeface=".VnBodoni" panose="020B7200000000000000" pitchFamily="34" charset="0"/>
                   </a:rPr>
@@ -7878,7 +7885,7 @@
                 </a:r>
                 <a:endParaRPr lang="en-US" sz="3200" dirty="0">
                   <a:solidFill>
-                    <a:srgbClr val="87B1A5"/>
+                    <a:srgbClr val="6477A6"/>
                   </a:solidFill>
                   <a:latin typeface=".VnBodoni" panose="020B7200000000000000" pitchFamily="34" charset="0"/>
                 </a:endParaRPr>
@@ -7931,6 +7938,154 @@
             <a:p>
               <a:pPr algn="ctr"/>
               <a:endParaRPr lang="en-US"/>
+            </a:p>
+          </p:txBody>
+        </p:sp>
+      </p:grpSp>
+      <p:grpSp>
+        <p:nvGrpSpPr>
+          <p:cNvPr id="16" name="Group 15"/>
+          <p:cNvGrpSpPr/>
+          <p:nvPr/>
+        </p:nvGrpSpPr>
+        <p:grpSpPr>
+          <a:xfrm>
+            <a:off x="6998153" y="1166275"/>
+            <a:ext cx="7708147" cy="3452699"/>
+            <a:chOff x="569078" y="433654"/>
+            <a:chExt cx="7708147" cy="3452699"/>
+          </a:xfrm>
+        </p:grpSpPr>
+        <p:pic>
+          <p:nvPicPr>
+            <p:cNvPr id="18" name="Picture 17"/>
+            <p:cNvPicPr>
+              <a:picLocks noChangeAspect="1"/>
+            </p:cNvPicPr>
+            <p:nvPr/>
+          </p:nvPicPr>
+          <p:blipFill>
+            <a:blip r:embed="rId3" cstate="hqprint">
+              <a:duotone>
+                <a:prstClr val="black"/>
+                <a:schemeClr val="accent1">
+                  <a:tint val="45000"/>
+                  <a:satMod val="400000"/>
+                </a:schemeClr>
+              </a:duotone>
+              <a:extLst>
+                <a:ext uri="{28A0092B-C50C-407E-A947-70E740481C1C}">
+                  <a14:useLocalDpi xmlns:a14="http://schemas.microsoft.com/office/drawing/2010/main" val="0"/>
+                </a:ext>
+              </a:extLst>
+            </a:blip>
+            <a:stretch>
+              <a:fillRect/>
+            </a:stretch>
+          </p:blipFill>
+          <p:spPr>
+            <a:xfrm>
+              <a:off x="2552802" y="433654"/>
+              <a:ext cx="1870349" cy="2035795"/>
+            </a:xfrm>
+            <a:prstGeom prst="rect">
+              <a:avLst/>
+            </a:prstGeom>
+            <a:noFill/>
+            <a:ln>
+              <a:noFill/>
+            </a:ln>
+          </p:spPr>
+        </p:pic>
+        <p:sp>
+          <p:nvSpPr>
+            <p:cNvPr id="19" name="TextBox 18">
+              <a:extLst>
+                <a:ext uri="{FF2B5EF4-FFF2-40B4-BE49-F238E27FC236}">
+                  <a16:creationId xmlns:a16="http://schemas.microsoft.com/office/drawing/2014/main" id="{03E543EE-9D45-0E84-BBDF-F53D4E3F3461}"/>
+                </a:ext>
+              </a:extLst>
+            </p:cNvPr>
+            <p:cNvSpPr txBox="1"/>
+            <p:nvPr/>
+          </p:nvSpPr>
+          <p:spPr>
+            <a:xfrm>
+              <a:off x="569078" y="1850557"/>
+              <a:ext cx="7708147" cy="1938992"/>
+            </a:xfrm>
+            <a:prstGeom prst="rect">
+              <a:avLst/>
+            </a:prstGeom>
+            <a:noFill/>
+          </p:spPr>
+          <p:txBody>
+            <a:bodyPr wrap="square" rtlCol="0">
+              <a:spAutoFit/>
+            </a:bodyPr>
+            <a:lstStyle/>
+            <a:p>
+              <a:r>
+                <a:rPr lang="en-US" sz="12000" dirty="0" err="1" smtClean="0">
+                  <a:solidFill>
+                    <a:srgbClr val="628388"/>
+                  </a:solidFill>
+                  <a:latin typeface=".VnBodoni" panose="020B7200000000000000" pitchFamily="34" charset="0"/>
+                </a:rPr>
+                <a:t>BomBig</a:t>
+              </a:r>
+              <a:endParaRPr lang="en-US" sz="12000" dirty="0">
+                <a:solidFill>
+                  <a:srgbClr val="628388"/>
+                </a:solidFill>
+                <a:latin typeface=".VnBodoni" panose="020B7200000000000000" pitchFamily="34" charset="0"/>
+              </a:endParaRPr>
+            </a:p>
+          </p:txBody>
+        </p:sp>
+        <p:sp>
+          <p:nvSpPr>
+            <p:cNvPr id="20" name="TextBox 19">
+              <a:extLst>
+                <a:ext uri="{FF2B5EF4-FFF2-40B4-BE49-F238E27FC236}">
+                  <a16:creationId xmlns:a16="http://schemas.microsoft.com/office/drawing/2014/main" id="{7E1D8D22-5B5E-ADA3-6AB5-76CC9922C173}"/>
+                </a:ext>
+              </a:extLst>
+            </p:cNvPr>
+            <p:cNvSpPr txBox="1"/>
+            <p:nvPr/>
+          </p:nvSpPr>
+          <p:spPr>
+            <a:xfrm>
+              <a:off x="3269621" y="3301578"/>
+              <a:ext cx="3126177" cy="584775"/>
+            </a:xfrm>
+            <a:prstGeom prst="rect">
+              <a:avLst/>
+            </a:prstGeom>
+            <a:noFill/>
+          </p:spPr>
+          <p:txBody>
+            <a:bodyPr wrap="none" rtlCol="0">
+              <a:spAutoFit/>
+            </a:bodyPr>
+            <a:lstStyle/>
+            <a:p>
+              <a:r>
+                <a:rPr lang="en-US" sz="3200" dirty="0" smtClean="0">
+                  <a:solidFill>
+                    <a:srgbClr val="6477A6"/>
+                  </a:solidFill>
+                  <a:latin typeface=".VnBodoni" panose="020B7200000000000000" pitchFamily="34" charset="0"/>
+                </a:rPr>
+                <a:t>Sexy All Day</a:t>
+              </a:r>
+              <a:endParaRPr lang="en-US" sz="3200" dirty="0">
+                <a:solidFill>
+                  <a:srgbClr val="6477A6"/>
+                </a:solidFill>
+                <a:latin typeface=".VnBodoni" panose="020B7200000000000000" pitchFamily="34" charset="0"/>
+              </a:endParaRPr>
             </a:p>
           </p:txBody>
         </p:sp>
